--- a/PROBLEM.pptx
+++ b/PROBLEM.pptx
@@ -1,40 +1,39 @@
 
 <file path=ppt/presentation.xml><?xml version="1.0" encoding="utf-8"?>
-<p:presentation xmlns:a="http://schemas.openxmlformats.org/drawingml/2006/main" xmlns:r="http://schemas.openxmlformats.org/officeDocument/2006/relationships" xmlns:mc="http://schemas.openxmlformats.org/markup-compatibility/2006" xmlns:mv="urn:schemas-microsoft-com:mac:vml" xmlns:p="http://schemas.openxmlformats.org/presentationml/2006/main" xmlns:c="http://schemas.openxmlformats.org/drawingml/2006/chart" xmlns:dgm="http://schemas.openxmlformats.org/drawingml/2006/diagram" xmlns:o="urn:schemas-microsoft-com:office:office" xmlns:v="urn:schemas-microsoft-com:vml" xmlns:pvml="urn:schemas-microsoft-com:office:powerpoint" xmlns:com="http://schemas.openxmlformats.org/drawingml/2006/compatibility" xmlns:p14="http://schemas.microsoft.com/office/powerpoint/2010/main" xmlns:p15="http://schemas.microsoft.com/office/powerpoint/2012/main" autoCompressPictures="0" embedTrueTypeFonts="1" strictFirstAndLastChars="0" saveSubsetFonts="1">
+<p:presentation xmlns:a="http://schemas.openxmlformats.org/drawingml/2006/main" xmlns:r="http://schemas.openxmlformats.org/officeDocument/2006/relationships" xmlns:p="http://schemas.openxmlformats.org/presentationml/2006/main" strictFirstAndLastChars="0" embedTrueTypeFonts="1" autoCompressPictures="0">
   <p:sldMasterIdLst>
-    <p:sldMasterId id="2147483659" r:id="rId4"/>
+    <p:sldMasterId id="2147483659" r:id="rId1"/>
   </p:sldMasterIdLst>
   <p:notesMasterIdLst>
-    <p:notesMasterId r:id="rId5"/>
+    <p:notesMasterId r:id="rId7"/>
   </p:notesMasterIdLst>
   <p:sldIdLst>
-    <p:sldId id="256" r:id="rId6"/>
-    <p:sldId id="257" r:id="rId7"/>
-    <p:sldId id="258" r:id="rId8"/>
-    <p:sldId id="259" r:id="rId9"/>
-    <p:sldId id="260" r:id="rId10"/>
-    <p:sldId id="261" r:id="rId11"/>
+    <p:sldId id="256" r:id="rId2"/>
+    <p:sldId id="257" r:id="rId3"/>
+    <p:sldId id="258" r:id="rId4"/>
+    <p:sldId id="260" r:id="rId5"/>
+    <p:sldId id="261" r:id="rId6"/>
   </p:sldIdLst>
-  <p:sldSz cy="5143500" cx="9144000"/>
+  <p:sldSz cx="9144000" cy="5143500" type="screen16x9"/>
   <p:notesSz cx="6858000" cy="9144000"/>
   <p:embeddedFontLst>
     <p:embeddedFont>
-      <p:font typeface="Montserrat"/>
+      <p:font typeface="Lato" panose="020F0502020204030203" pitchFamily="34" charset="77"/>
+      <p:regular r:id="rId8"/>
+      <p:bold r:id="rId9"/>
+      <p:italic r:id="rId10"/>
+      <p:boldItalic r:id="rId11"/>
+    </p:embeddedFont>
+    <p:embeddedFont>
+      <p:font typeface="Montserrat" pitchFamily="2" charset="77"/>
       <p:regular r:id="rId12"/>
       <p:bold r:id="rId13"/>
       <p:italic r:id="rId14"/>
       <p:boldItalic r:id="rId15"/>
     </p:embeddedFont>
-    <p:embeddedFont>
-      <p:font typeface="Lato"/>
-      <p:regular r:id="rId16"/>
-      <p:bold r:id="rId17"/>
-      <p:italic r:id="rId18"/>
-      <p:boldItalic r:id="rId19"/>
-    </p:embeddedFont>
   </p:embeddedFontLst>
   <p:defaultTextStyle>
-    <a:defPPr lvl="0" marR="0" rtl="0" algn="l">
+    <a:defPPr marR="0" lvl="0" algn="l" rtl="0">
       <a:lnSpc>
         <a:spcPct val="100000"/>
       </a:lnSpc>
@@ -45,7 +44,7 @@
         <a:spcPts val="0"/>
       </a:spcAft>
     </a:defPPr>
-    <a:lvl1pPr lvl="0" marR="0" rtl="0" algn="l">
+    <a:lvl1pPr marR="0" lvl="0" algn="l" rtl="0">
       <a:lnSpc>
         <a:spcPct val="100000"/>
       </a:lnSpc>
@@ -59,7 +58,7 @@
         <a:srgbClr val="000000"/>
       </a:buClr>
       <a:buFont typeface="Arial"/>
-      <a:defRPr b="0" i="0" sz="1400" u="none" cap="none" strike="noStrike">
+      <a:defRPr sz="1400" b="0" i="0" u="none" strike="noStrike" cap="none">
         <a:solidFill>
           <a:srgbClr val="000000"/>
         </a:solidFill>
@@ -69,7 +68,7 @@
         <a:sym typeface="Arial"/>
       </a:defRPr>
     </a:lvl1pPr>
-    <a:lvl2pPr lvl="1" marR="0" rtl="0" algn="l">
+    <a:lvl2pPr marR="0" lvl="1" algn="l" rtl="0">
       <a:lnSpc>
         <a:spcPct val="100000"/>
       </a:lnSpc>
@@ -83,7 +82,7 @@
         <a:srgbClr val="000000"/>
       </a:buClr>
       <a:buFont typeface="Arial"/>
-      <a:defRPr b="0" i="0" sz="1400" u="none" cap="none" strike="noStrike">
+      <a:defRPr sz="1400" b="0" i="0" u="none" strike="noStrike" cap="none">
         <a:solidFill>
           <a:srgbClr val="000000"/>
         </a:solidFill>
@@ -93,7 +92,7 @@
         <a:sym typeface="Arial"/>
       </a:defRPr>
     </a:lvl2pPr>
-    <a:lvl3pPr lvl="2" marR="0" rtl="0" algn="l">
+    <a:lvl3pPr marR="0" lvl="2" algn="l" rtl="0">
       <a:lnSpc>
         <a:spcPct val="100000"/>
       </a:lnSpc>
@@ -107,7 +106,7 @@
         <a:srgbClr val="000000"/>
       </a:buClr>
       <a:buFont typeface="Arial"/>
-      <a:defRPr b="0" i="0" sz="1400" u="none" cap="none" strike="noStrike">
+      <a:defRPr sz="1400" b="0" i="0" u="none" strike="noStrike" cap="none">
         <a:solidFill>
           <a:srgbClr val="000000"/>
         </a:solidFill>
@@ -117,7 +116,7 @@
         <a:sym typeface="Arial"/>
       </a:defRPr>
     </a:lvl3pPr>
-    <a:lvl4pPr lvl="3" marR="0" rtl="0" algn="l">
+    <a:lvl4pPr marR="0" lvl="3" algn="l" rtl="0">
       <a:lnSpc>
         <a:spcPct val="100000"/>
       </a:lnSpc>
@@ -131,7 +130,7 @@
         <a:srgbClr val="000000"/>
       </a:buClr>
       <a:buFont typeface="Arial"/>
-      <a:defRPr b="0" i="0" sz="1400" u="none" cap="none" strike="noStrike">
+      <a:defRPr sz="1400" b="0" i="0" u="none" strike="noStrike" cap="none">
         <a:solidFill>
           <a:srgbClr val="000000"/>
         </a:solidFill>
@@ -141,7 +140,7 @@
         <a:sym typeface="Arial"/>
       </a:defRPr>
     </a:lvl4pPr>
-    <a:lvl5pPr lvl="4" marR="0" rtl="0" algn="l">
+    <a:lvl5pPr marR="0" lvl="4" algn="l" rtl="0">
       <a:lnSpc>
         <a:spcPct val="100000"/>
       </a:lnSpc>
@@ -155,7 +154,7 @@
         <a:srgbClr val="000000"/>
       </a:buClr>
       <a:buFont typeface="Arial"/>
-      <a:defRPr b="0" i="0" sz="1400" u="none" cap="none" strike="noStrike">
+      <a:defRPr sz="1400" b="0" i="0" u="none" strike="noStrike" cap="none">
         <a:solidFill>
           <a:srgbClr val="000000"/>
         </a:solidFill>
@@ -165,7 +164,7 @@
         <a:sym typeface="Arial"/>
       </a:defRPr>
     </a:lvl5pPr>
-    <a:lvl6pPr lvl="5" marR="0" rtl="0" algn="l">
+    <a:lvl6pPr marR="0" lvl="5" algn="l" rtl="0">
       <a:lnSpc>
         <a:spcPct val="100000"/>
       </a:lnSpc>
@@ -179,7 +178,7 @@
         <a:srgbClr val="000000"/>
       </a:buClr>
       <a:buFont typeface="Arial"/>
-      <a:defRPr b="0" i="0" sz="1400" u="none" cap="none" strike="noStrike">
+      <a:defRPr sz="1400" b="0" i="0" u="none" strike="noStrike" cap="none">
         <a:solidFill>
           <a:srgbClr val="000000"/>
         </a:solidFill>
@@ -189,7 +188,7 @@
         <a:sym typeface="Arial"/>
       </a:defRPr>
     </a:lvl6pPr>
-    <a:lvl7pPr lvl="6" marR="0" rtl="0" algn="l">
+    <a:lvl7pPr marR="0" lvl="6" algn="l" rtl="0">
       <a:lnSpc>
         <a:spcPct val="100000"/>
       </a:lnSpc>
@@ -203,7 +202,7 @@
         <a:srgbClr val="000000"/>
       </a:buClr>
       <a:buFont typeface="Arial"/>
-      <a:defRPr b="0" i="0" sz="1400" u="none" cap="none" strike="noStrike">
+      <a:defRPr sz="1400" b="0" i="0" u="none" strike="noStrike" cap="none">
         <a:solidFill>
           <a:srgbClr val="000000"/>
         </a:solidFill>
@@ -213,7 +212,7 @@
         <a:sym typeface="Arial"/>
       </a:defRPr>
     </a:lvl7pPr>
-    <a:lvl8pPr lvl="7" marR="0" rtl="0" algn="l">
+    <a:lvl8pPr marR="0" lvl="7" algn="l" rtl="0">
       <a:lnSpc>
         <a:spcPct val="100000"/>
       </a:lnSpc>
@@ -227,7 +226,7 @@
         <a:srgbClr val="000000"/>
       </a:buClr>
       <a:buFont typeface="Arial"/>
-      <a:defRPr b="0" i="0" sz="1400" u="none" cap="none" strike="noStrike">
+      <a:defRPr sz="1400" b="0" i="0" u="none" strike="noStrike" cap="none">
         <a:solidFill>
           <a:srgbClr val="000000"/>
         </a:solidFill>
@@ -237,7 +236,7 @@
         <a:sym typeface="Arial"/>
       </a:defRPr>
     </a:lvl8pPr>
-    <a:lvl9pPr lvl="8" marR="0" rtl="0" algn="l">
+    <a:lvl9pPr marR="0" lvl="8" algn="l" rtl="0">
       <a:lnSpc>
         <a:spcPct val="100000"/>
       </a:lnSpc>
@@ -251,7 +250,7 @@
         <a:srgbClr val="000000"/>
       </a:buClr>
       <a:buFont typeface="Arial"/>
-      <a:defRPr b="0" i="0" sz="1400" u="none" cap="none" strike="noStrike">
+      <a:defRPr sz="1400" b="0" i="0" u="none" strike="noStrike" cap="none">
         <a:solidFill>
           <a:srgbClr val="000000"/>
         </a:solidFill>
@@ -264,7 +263,7 @@
   </p:defaultTextStyle>
   <p:extLst>
     <p:ext uri="{EFAFB233-063F-42B5-8137-9DF3F51BA10A}">
-      <p15:sldGuideLst>
+      <p15:sldGuideLst xmlns:p15="http://schemas.microsoft.com/office/powerpoint/2012/main">
         <p15:guide id="1" orient="horz" pos="1620">
           <p15:clr>
             <a:srgbClr val="A4A3A4"/>
@@ -282,11 +281,16 @@
 </file>
 
 <file path=ppt/notesMasters/notesMaster1.xml><?xml version="1.0" encoding="utf-8"?>
-<p:notesMaster xmlns:a="http://schemas.openxmlformats.org/drawingml/2006/main" xmlns:r="http://schemas.openxmlformats.org/officeDocument/2006/relationships" xmlns:mc="http://schemas.openxmlformats.org/markup-compatibility/2006" xmlns:mv="urn:schemas-microsoft-com:mac:vml" xmlns:p="http://schemas.openxmlformats.org/presentationml/2006/main" xmlns:c="http://schemas.openxmlformats.org/drawingml/2006/chart" xmlns:dgm="http://schemas.openxmlformats.org/drawingml/2006/diagram" xmlns:o="urn:schemas-microsoft-com:office:office" xmlns:v="urn:schemas-microsoft-com:vml" xmlns:pvml="urn:schemas-microsoft-com:office:powerpoint" xmlns:com="http://schemas.openxmlformats.org/drawingml/2006/compatibility" xmlns:p14="http://schemas.microsoft.com/office/powerpoint/2010/main" xmlns:p15="http://schemas.microsoft.com/office/powerpoint/2012/main">
+<p:notesMaster xmlns:a="http://schemas.openxmlformats.org/drawingml/2006/main" xmlns:r="http://schemas.openxmlformats.org/officeDocument/2006/relationships" xmlns:p="http://schemas.openxmlformats.org/presentationml/2006/main">
   <p:cSld>
+    <p:bg>
+      <p:bgRef idx="1001">
+        <a:schemeClr val="bg1"/>
+      </p:bgRef>
+    </p:bg>
     <p:spTree>
       <p:nvGrpSpPr>
-        <p:cNvPr id="2" name="Shape 2"/>
+        <p:cNvPr id="1" name="Shape 2"/>
         <p:cNvGrpSpPr/>
         <p:nvPr/>
       </p:nvGrpSpPr>
@@ -301,9 +305,11 @@
       <p:sp>
         <p:nvSpPr>
           <p:cNvPr id="3" name="Google Shape;3;n"/>
-          <p:cNvSpPr/>
+          <p:cNvSpPr>
+            <a:spLocks noGrp="1" noRot="1" noChangeAspect="1"/>
+          </p:cNvSpPr>
           <p:nvPr>
-            <p:ph idx="2" type="sldImg"/>
+            <p:ph type="sldImg" idx="2"/>
           </p:nvPr>
         </p:nvSpPr>
         <p:spPr>
@@ -312,9 +318,13 @@
             <a:ext cx="6096075" cy="3429000"/>
           </a:xfrm>
           <a:custGeom>
-            <a:rect b="b" l="l" r="r" t="t"/>
+            <a:avLst/>
+            <a:gdLst/>
+            <a:ahLst/>
+            <a:cxnLst/>
+            <a:rect l="l" t="t" r="r" b="b"/>
             <a:pathLst>
-              <a:path extrusionOk="0" h="120000" w="120000">
+              <a:path w="120000" h="120000" extrusionOk="0">
                 <a:moveTo>
                   <a:pt x="0" y="0"/>
                 </a:moveTo>
@@ -332,23 +342,25 @@
             </a:pathLst>
           </a:custGeom>
           <a:noFill/>
-          <a:ln cap="flat" cmpd="sng" w="9525">
+          <a:ln w="9525" cap="flat" cmpd="sng">
             <a:solidFill>
               <a:srgbClr val="000000"/>
             </a:solidFill>
             <a:prstDash val="solid"/>
             <a:round/>
-            <a:headEnd len="sm" w="sm" type="none"/>
-            <a:tailEnd len="sm" w="sm" type="none"/>
+            <a:headEnd type="none" w="sm" len="sm"/>
+            <a:tailEnd type="none" w="sm" len="sm"/>
           </a:ln>
         </p:spPr>
       </p:sp>
       <p:sp>
         <p:nvSpPr>
           <p:cNvPr id="4" name="Google Shape;4;n"/>
-          <p:cNvSpPr txBox="1"/>
+          <p:cNvSpPr txBox="1">
+            <a:spLocks noGrp="1"/>
+          </p:cNvSpPr>
           <p:nvPr>
-            <p:ph idx="1" type="body"/>
+            <p:ph type="body" idx="1"/>
           </p:nvPr>
         </p:nvSpPr>
         <p:spPr>
@@ -365,9 +377,9 @@
           </a:ln>
         </p:spPr>
         <p:txBody>
-          <a:bodyPr anchorCtr="0" anchor="t" bIns="91425" lIns="91425" spcFirstLastPara="1" rIns="91425" wrap="square" tIns="91425"/>
+          <a:bodyPr spcFirstLastPara="1" wrap="square" lIns="91425" tIns="91425" rIns="91425" bIns="91425" anchor="t" anchorCtr="0"/>
           <a:lstStyle>
-            <a:lvl1pPr indent="-298450" lvl="0" marL="457200">
+            <a:lvl1pPr marL="457200" lvl="0" indent="-298450">
               <a:spcBef>
                 <a:spcPts val="0"/>
               </a:spcBef>
@@ -378,7 +390,7 @@
               <a:buChar char="●"/>
               <a:defRPr sz="1100"/>
             </a:lvl1pPr>
-            <a:lvl2pPr indent="-298450" lvl="1" marL="914400">
+            <a:lvl2pPr marL="914400" lvl="1" indent="-298450">
               <a:spcBef>
                 <a:spcPts val="0"/>
               </a:spcBef>
@@ -389,7 +401,7 @@
               <a:buChar char="○"/>
               <a:defRPr sz="1100"/>
             </a:lvl2pPr>
-            <a:lvl3pPr indent="-298450" lvl="2" marL="1371600">
+            <a:lvl3pPr marL="1371600" lvl="2" indent="-298450">
               <a:spcBef>
                 <a:spcPts val="0"/>
               </a:spcBef>
@@ -400,7 +412,7 @@
               <a:buChar char="■"/>
               <a:defRPr sz="1100"/>
             </a:lvl3pPr>
-            <a:lvl4pPr indent="-298450" lvl="3" marL="1828800">
+            <a:lvl4pPr marL="1828800" lvl="3" indent="-298450">
               <a:spcBef>
                 <a:spcPts val="0"/>
               </a:spcBef>
@@ -411,7 +423,7 @@
               <a:buChar char="●"/>
               <a:defRPr sz="1100"/>
             </a:lvl4pPr>
-            <a:lvl5pPr indent="-298450" lvl="4" marL="2286000">
+            <a:lvl5pPr marL="2286000" lvl="4" indent="-298450">
               <a:spcBef>
                 <a:spcPts val="0"/>
               </a:spcBef>
@@ -422,7 +434,7 @@
               <a:buChar char="○"/>
               <a:defRPr sz="1100"/>
             </a:lvl5pPr>
-            <a:lvl6pPr indent="-298450" lvl="5" marL="2743200">
+            <a:lvl6pPr marL="2743200" lvl="5" indent="-298450">
               <a:spcBef>
                 <a:spcPts val="0"/>
               </a:spcBef>
@@ -433,7 +445,7 @@
               <a:buChar char="■"/>
               <a:defRPr sz="1100"/>
             </a:lvl6pPr>
-            <a:lvl7pPr indent="-298450" lvl="6" marL="3200400">
+            <a:lvl7pPr marL="3200400" lvl="6" indent="-298450">
               <a:spcBef>
                 <a:spcPts val="0"/>
               </a:spcBef>
@@ -444,7 +456,7 @@
               <a:buChar char="●"/>
               <a:defRPr sz="1100"/>
             </a:lvl7pPr>
-            <a:lvl8pPr indent="-298450" lvl="7" marL="3657600">
+            <a:lvl8pPr marL="3657600" lvl="7" indent="-298450">
               <a:spcBef>
                 <a:spcPts val="0"/>
               </a:spcBef>
@@ -455,7 +467,7 @@
               <a:buChar char="○"/>
               <a:defRPr sz="1100"/>
             </a:lvl8pPr>
-            <a:lvl9pPr indent="-298450" lvl="8" marL="4114800">
+            <a:lvl9pPr marL="4114800" lvl="8" indent="-298450">
               <a:spcBef>
                 <a:spcPts val="0"/>
               </a:spcBef>
@@ -467,14 +479,16 @@
               <a:defRPr sz="1100"/>
             </a:lvl9pPr>
           </a:lstStyle>
-          <a:p/>
+          <a:p>
+            <a:endParaRPr/>
+          </a:p>
         </p:txBody>
       </p:sp>
     </p:spTree>
   </p:cSld>
-  <p:clrMap accent1="accent1" accent2="accent2" accent3="accent3" accent4="accent4" accent5="accent5" accent6="accent6" bg1="lt1" bg2="dk2" tx1="dk1" tx2="lt2" folHlink="folHlink" hlink="hlink"/>
+  <p:clrMap bg1="lt1" tx1="dk1" bg2="dk2" tx2="lt2" accent1="accent1" accent2="accent2" accent3="accent3" accent4="accent4" accent5="accent5" accent6="accent6" hlink="hlink" folHlink="folHlink"/>
   <p:notesStyle>
-    <a:defPPr lvl="0" marR="0" rtl="0" algn="l">
+    <a:defPPr marR="0" lvl="0" algn="l" rtl="0">
       <a:lnSpc>
         <a:spcPct val="100000"/>
       </a:lnSpc>
@@ -485,7 +499,7 @@
         <a:spcPts val="0"/>
       </a:spcAft>
     </a:defPPr>
-    <a:lvl1pPr lvl="0" marR="0" rtl="0" algn="l">
+    <a:lvl1pPr marR="0" lvl="0" algn="l" rtl="0">
       <a:lnSpc>
         <a:spcPct val="100000"/>
       </a:lnSpc>
@@ -499,7 +513,7 @@
         <a:srgbClr val="000000"/>
       </a:buClr>
       <a:buFont typeface="Arial"/>
-      <a:defRPr b="0" i="0" sz="1400" u="none" cap="none" strike="noStrike">
+      <a:defRPr sz="1400" b="0" i="0" u="none" strike="noStrike" cap="none">
         <a:solidFill>
           <a:srgbClr val="000000"/>
         </a:solidFill>
@@ -509,7 +523,7 @@
         <a:sym typeface="Arial"/>
       </a:defRPr>
     </a:lvl1pPr>
-    <a:lvl2pPr lvl="1" marR="0" rtl="0" algn="l">
+    <a:lvl2pPr marR="0" lvl="1" algn="l" rtl="0">
       <a:lnSpc>
         <a:spcPct val="100000"/>
       </a:lnSpc>
@@ -523,7 +537,7 @@
         <a:srgbClr val="000000"/>
       </a:buClr>
       <a:buFont typeface="Arial"/>
-      <a:defRPr b="0" i="0" sz="1400" u="none" cap="none" strike="noStrike">
+      <a:defRPr sz="1400" b="0" i="0" u="none" strike="noStrike" cap="none">
         <a:solidFill>
           <a:srgbClr val="000000"/>
         </a:solidFill>
@@ -533,7 +547,7 @@
         <a:sym typeface="Arial"/>
       </a:defRPr>
     </a:lvl2pPr>
-    <a:lvl3pPr lvl="2" marR="0" rtl="0" algn="l">
+    <a:lvl3pPr marR="0" lvl="2" algn="l" rtl="0">
       <a:lnSpc>
         <a:spcPct val="100000"/>
       </a:lnSpc>
@@ -547,7 +561,7 @@
         <a:srgbClr val="000000"/>
       </a:buClr>
       <a:buFont typeface="Arial"/>
-      <a:defRPr b="0" i="0" sz="1400" u="none" cap="none" strike="noStrike">
+      <a:defRPr sz="1400" b="0" i="0" u="none" strike="noStrike" cap="none">
         <a:solidFill>
           <a:srgbClr val="000000"/>
         </a:solidFill>
@@ -557,7 +571,7 @@
         <a:sym typeface="Arial"/>
       </a:defRPr>
     </a:lvl3pPr>
-    <a:lvl4pPr lvl="3" marR="0" rtl="0" algn="l">
+    <a:lvl4pPr marR="0" lvl="3" algn="l" rtl="0">
       <a:lnSpc>
         <a:spcPct val="100000"/>
       </a:lnSpc>
@@ -571,7 +585,7 @@
         <a:srgbClr val="000000"/>
       </a:buClr>
       <a:buFont typeface="Arial"/>
-      <a:defRPr b="0" i="0" sz="1400" u="none" cap="none" strike="noStrike">
+      <a:defRPr sz="1400" b="0" i="0" u="none" strike="noStrike" cap="none">
         <a:solidFill>
           <a:srgbClr val="000000"/>
         </a:solidFill>
@@ -581,7 +595,7 @@
         <a:sym typeface="Arial"/>
       </a:defRPr>
     </a:lvl4pPr>
-    <a:lvl5pPr lvl="4" marR="0" rtl="0" algn="l">
+    <a:lvl5pPr marR="0" lvl="4" algn="l" rtl="0">
       <a:lnSpc>
         <a:spcPct val="100000"/>
       </a:lnSpc>
@@ -595,7 +609,7 @@
         <a:srgbClr val="000000"/>
       </a:buClr>
       <a:buFont typeface="Arial"/>
-      <a:defRPr b="0" i="0" sz="1400" u="none" cap="none" strike="noStrike">
+      <a:defRPr sz="1400" b="0" i="0" u="none" strike="noStrike" cap="none">
         <a:solidFill>
           <a:srgbClr val="000000"/>
         </a:solidFill>
@@ -605,7 +619,7 @@
         <a:sym typeface="Arial"/>
       </a:defRPr>
     </a:lvl5pPr>
-    <a:lvl6pPr lvl="5" marR="0" rtl="0" algn="l">
+    <a:lvl6pPr marR="0" lvl="5" algn="l" rtl="0">
       <a:lnSpc>
         <a:spcPct val="100000"/>
       </a:lnSpc>
@@ -619,7 +633,7 @@
         <a:srgbClr val="000000"/>
       </a:buClr>
       <a:buFont typeface="Arial"/>
-      <a:defRPr b="0" i="0" sz="1400" u="none" cap="none" strike="noStrike">
+      <a:defRPr sz="1400" b="0" i="0" u="none" strike="noStrike" cap="none">
         <a:solidFill>
           <a:srgbClr val="000000"/>
         </a:solidFill>
@@ -629,7 +643,7 @@
         <a:sym typeface="Arial"/>
       </a:defRPr>
     </a:lvl6pPr>
-    <a:lvl7pPr lvl="6" marR="0" rtl="0" algn="l">
+    <a:lvl7pPr marR="0" lvl="6" algn="l" rtl="0">
       <a:lnSpc>
         <a:spcPct val="100000"/>
       </a:lnSpc>
@@ -643,7 +657,7 @@
         <a:srgbClr val="000000"/>
       </a:buClr>
       <a:buFont typeface="Arial"/>
-      <a:defRPr b="0" i="0" sz="1400" u="none" cap="none" strike="noStrike">
+      <a:defRPr sz="1400" b="0" i="0" u="none" strike="noStrike" cap="none">
         <a:solidFill>
           <a:srgbClr val="000000"/>
         </a:solidFill>
@@ -653,7 +667,7 @@
         <a:sym typeface="Arial"/>
       </a:defRPr>
     </a:lvl7pPr>
-    <a:lvl8pPr lvl="7" marR="0" rtl="0" algn="l">
+    <a:lvl8pPr marR="0" lvl="7" algn="l" rtl="0">
       <a:lnSpc>
         <a:spcPct val="100000"/>
       </a:lnSpc>
@@ -667,7 +681,7 @@
         <a:srgbClr val="000000"/>
       </a:buClr>
       <a:buFont typeface="Arial"/>
-      <a:defRPr b="0" i="0" sz="1400" u="none" cap="none" strike="noStrike">
+      <a:defRPr sz="1400" b="0" i="0" u="none" strike="noStrike" cap="none">
         <a:solidFill>
           <a:srgbClr val="000000"/>
         </a:solidFill>
@@ -677,7 +691,7 @@
         <a:sym typeface="Arial"/>
       </a:defRPr>
     </a:lvl8pPr>
-    <a:lvl9pPr lvl="8" marR="0" rtl="0" algn="l">
+    <a:lvl9pPr marR="0" lvl="8" algn="l" rtl="0">
       <a:lnSpc>
         <a:spcPct val="100000"/>
       </a:lnSpc>
@@ -691,7 +705,7 @@
         <a:srgbClr val="000000"/>
       </a:buClr>
       <a:buFont typeface="Arial"/>
-      <a:defRPr b="0" i="0" sz="1400" u="none" cap="none" strike="noStrike">
+      <a:defRPr sz="1400" b="0" i="0" u="none" strike="noStrike" cap="none">
         <a:solidFill>
           <a:srgbClr val="000000"/>
         </a:solidFill>
@@ -706,11 +720,11 @@
 </file>
 
 <file path=ppt/notesSlides/notesSlide1.xml><?xml version="1.0" encoding="utf-8"?>
-<p:notes xmlns:a="http://schemas.openxmlformats.org/drawingml/2006/main" xmlns:r="http://schemas.openxmlformats.org/officeDocument/2006/relationships" xmlns:mc="http://schemas.openxmlformats.org/markup-compatibility/2006" xmlns:mv="urn:schemas-microsoft-com:mac:vml" xmlns:p="http://schemas.openxmlformats.org/presentationml/2006/main" xmlns:c="http://schemas.openxmlformats.org/drawingml/2006/chart" xmlns:dgm="http://schemas.openxmlformats.org/drawingml/2006/diagram" xmlns:o="urn:schemas-microsoft-com:office:office" xmlns:v="urn:schemas-microsoft-com:vml" xmlns:pvml="urn:schemas-microsoft-com:office:powerpoint" xmlns:com="http://schemas.openxmlformats.org/drawingml/2006/compatibility" xmlns:p14="http://schemas.microsoft.com/office/powerpoint/2010/main" xmlns:p15="http://schemas.microsoft.com/office/powerpoint/2012/main" showMasterPhAnim="0" showMasterSp="0">
+<p:notes xmlns:a="http://schemas.openxmlformats.org/drawingml/2006/main" xmlns:r="http://schemas.openxmlformats.org/officeDocument/2006/relationships" xmlns:p="http://schemas.openxmlformats.org/presentationml/2006/main" showMasterSp="0" showMasterPhAnim="0">
   <p:cSld>
     <p:spTree>
       <p:nvGrpSpPr>
-        <p:cNvPr id="130" name="Shape 130"/>
+        <p:cNvPr id="1" name="Shape 130"/>
         <p:cNvGrpSpPr/>
         <p:nvPr/>
       </p:nvGrpSpPr>
@@ -725,20 +739,26 @@
       <p:sp>
         <p:nvSpPr>
           <p:cNvPr id="131" name="Google Shape;131;g45f3df2dfb_0_149:notes"/>
-          <p:cNvSpPr/>
+          <p:cNvSpPr>
+            <a:spLocks noGrp="1" noRot="1" noChangeAspect="1"/>
+          </p:cNvSpPr>
           <p:nvPr>
-            <p:ph idx="2" type="sldImg"/>
+            <p:ph type="sldImg" idx="2"/>
           </p:nvPr>
         </p:nvSpPr>
         <p:spPr>
           <a:xfrm>
-            <a:off x="381300" y="685800"/>
+            <a:off x="381000" y="685800"/>
             <a:ext cx="6096000" cy="3429000"/>
           </a:xfrm>
           <a:custGeom>
-            <a:rect b="b" l="l" r="r" t="t"/>
+            <a:avLst/>
+            <a:gdLst/>
+            <a:ahLst/>
+            <a:cxnLst/>
+            <a:rect l="l" t="t" r="r" b="b"/>
             <a:pathLst>
-              <a:path extrusionOk="0" h="120000" w="120000">
+              <a:path w="120000" h="120000" extrusionOk="0">
                 <a:moveTo>
                   <a:pt x="0" y="0"/>
                 </a:moveTo>
@@ -760,9 +780,11 @@
       <p:sp>
         <p:nvSpPr>
           <p:cNvPr id="132" name="Google Shape;132;g45f3df2dfb_0_149:notes"/>
-          <p:cNvSpPr txBox="1"/>
+          <p:cNvSpPr txBox="1">
+            <a:spLocks noGrp="1"/>
+          </p:cNvSpPr>
           <p:nvPr>
-            <p:ph idx="1" type="body"/>
+            <p:ph type="body" idx="1"/>
           </p:nvPr>
         </p:nvSpPr>
         <p:spPr>
@@ -775,12 +797,12 @@
           </a:prstGeom>
         </p:spPr>
         <p:txBody>
-          <a:bodyPr anchorCtr="0" anchor="t" bIns="91425" lIns="91425" spcFirstLastPara="1" rIns="91425" wrap="square" tIns="91425">
+          <a:bodyPr spcFirstLastPara="1" wrap="square" lIns="91425" tIns="91425" rIns="91425" bIns="91425" anchor="t" anchorCtr="0">
             <a:noAutofit/>
           </a:bodyPr>
           <a:lstStyle/>
           <a:p>
-            <a:pPr indent="0" lvl="0" marL="0" rtl="0" algn="l">
+            <a:pPr marL="0" lvl="0" indent="0" algn="l" rtl="0">
               <a:spcBef>
                 <a:spcPts val="0"/>
               </a:spcBef>
@@ -789,9 +811,6 @@
               </a:spcAft>
               <a:buNone/>
             </a:pPr>
-            <a:r>
-              <a:t/>
-            </a:r>
             <a:endParaRPr/>
           </a:p>
         </p:txBody>
@@ -805,11 +824,11 @@
 </file>
 
 <file path=ppt/notesSlides/notesSlide2.xml><?xml version="1.0" encoding="utf-8"?>
-<p:notes xmlns:a="http://schemas.openxmlformats.org/drawingml/2006/main" xmlns:r="http://schemas.openxmlformats.org/officeDocument/2006/relationships" xmlns:mc="http://schemas.openxmlformats.org/markup-compatibility/2006" xmlns:mv="urn:schemas-microsoft-com:mac:vml" xmlns:p="http://schemas.openxmlformats.org/presentationml/2006/main" xmlns:c="http://schemas.openxmlformats.org/drawingml/2006/chart" xmlns:dgm="http://schemas.openxmlformats.org/drawingml/2006/diagram" xmlns:o="urn:schemas-microsoft-com:office:office" xmlns:v="urn:schemas-microsoft-com:vml" xmlns:pvml="urn:schemas-microsoft-com:office:powerpoint" xmlns:com="http://schemas.openxmlformats.org/drawingml/2006/compatibility" xmlns:p14="http://schemas.microsoft.com/office/powerpoint/2010/main" xmlns:p15="http://schemas.microsoft.com/office/powerpoint/2012/main" showMasterPhAnim="0" showMasterSp="0">
+<p:notes xmlns:a="http://schemas.openxmlformats.org/drawingml/2006/main" xmlns:r="http://schemas.openxmlformats.org/officeDocument/2006/relationships" xmlns:p="http://schemas.openxmlformats.org/presentationml/2006/main" showMasterSp="0" showMasterPhAnim="0">
   <p:cSld>
     <p:spTree>
       <p:nvGrpSpPr>
-        <p:cNvPr id="136" name="Shape 136"/>
+        <p:cNvPr id="1" name="Shape 136"/>
         <p:cNvGrpSpPr/>
         <p:nvPr/>
       </p:nvGrpSpPr>
@@ -824,20 +843,26 @@
       <p:sp>
         <p:nvSpPr>
           <p:cNvPr id="137" name="Google Shape;137;g45f3df2dfb_0_13:notes"/>
-          <p:cNvSpPr/>
+          <p:cNvSpPr>
+            <a:spLocks noGrp="1" noRot="1" noChangeAspect="1"/>
+          </p:cNvSpPr>
           <p:nvPr>
-            <p:ph idx="2" type="sldImg"/>
+            <p:ph type="sldImg" idx="2"/>
           </p:nvPr>
         </p:nvSpPr>
         <p:spPr>
           <a:xfrm>
-            <a:off x="381300" y="685800"/>
+            <a:off x="381000" y="685800"/>
             <a:ext cx="6096000" cy="3429000"/>
           </a:xfrm>
           <a:custGeom>
-            <a:rect b="b" l="l" r="r" t="t"/>
+            <a:avLst/>
+            <a:gdLst/>
+            <a:ahLst/>
+            <a:cxnLst/>
+            <a:rect l="l" t="t" r="r" b="b"/>
             <a:pathLst>
-              <a:path extrusionOk="0" h="120000" w="120000">
+              <a:path w="120000" h="120000" extrusionOk="0">
                 <a:moveTo>
                   <a:pt x="0" y="0"/>
                 </a:moveTo>
@@ -859,9 +884,11 @@
       <p:sp>
         <p:nvSpPr>
           <p:cNvPr id="138" name="Google Shape;138;g45f3df2dfb_0_13:notes"/>
-          <p:cNvSpPr txBox="1"/>
+          <p:cNvSpPr txBox="1">
+            <a:spLocks noGrp="1"/>
+          </p:cNvSpPr>
           <p:nvPr>
-            <p:ph idx="1" type="body"/>
+            <p:ph type="body" idx="1"/>
           </p:nvPr>
         </p:nvSpPr>
         <p:spPr>
@@ -874,12 +901,12 @@
           </a:prstGeom>
         </p:spPr>
         <p:txBody>
-          <a:bodyPr anchorCtr="0" anchor="t" bIns="91425" lIns="91425" spcFirstLastPara="1" rIns="91425" wrap="square" tIns="91425">
+          <a:bodyPr spcFirstLastPara="1" wrap="square" lIns="91425" tIns="91425" rIns="91425" bIns="91425" anchor="t" anchorCtr="0">
             <a:noAutofit/>
           </a:bodyPr>
           <a:lstStyle/>
           <a:p>
-            <a:pPr indent="0" lvl="0" marL="0" rtl="0" algn="l">
+            <a:pPr marL="0" lvl="0" indent="0" algn="l" rtl="0">
               <a:spcBef>
                 <a:spcPts val="0"/>
               </a:spcBef>
@@ -888,9 +915,6 @@
               </a:spcAft>
               <a:buNone/>
             </a:pPr>
-            <a:r>
-              <a:t/>
-            </a:r>
             <a:endParaRPr/>
           </a:p>
         </p:txBody>
@@ -904,11 +928,11 @@
 </file>
 
 <file path=ppt/notesSlides/notesSlide3.xml><?xml version="1.0" encoding="utf-8"?>
-<p:notes xmlns:a="http://schemas.openxmlformats.org/drawingml/2006/main" xmlns:r="http://schemas.openxmlformats.org/officeDocument/2006/relationships" xmlns:mc="http://schemas.openxmlformats.org/markup-compatibility/2006" xmlns:mv="urn:schemas-microsoft-com:mac:vml" xmlns:p="http://schemas.openxmlformats.org/presentationml/2006/main" xmlns:c="http://schemas.openxmlformats.org/drawingml/2006/chart" xmlns:dgm="http://schemas.openxmlformats.org/drawingml/2006/diagram" xmlns:o="urn:schemas-microsoft-com:office:office" xmlns:v="urn:schemas-microsoft-com:vml" xmlns:pvml="urn:schemas-microsoft-com:office:powerpoint" xmlns:com="http://schemas.openxmlformats.org/drawingml/2006/compatibility" xmlns:p14="http://schemas.microsoft.com/office/powerpoint/2010/main" xmlns:p15="http://schemas.microsoft.com/office/powerpoint/2012/main" showMasterPhAnim="0" showMasterSp="0">
+<p:notes xmlns:a="http://schemas.openxmlformats.org/drawingml/2006/main" xmlns:r="http://schemas.openxmlformats.org/officeDocument/2006/relationships" xmlns:p="http://schemas.openxmlformats.org/presentationml/2006/main" showMasterSp="0" showMasterPhAnim="0">
   <p:cSld>
     <p:spTree>
       <p:nvGrpSpPr>
-        <p:cNvPr id="142" name="Shape 142"/>
+        <p:cNvPr id="1" name="Shape 142"/>
         <p:cNvGrpSpPr/>
         <p:nvPr/>
       </p:nvGrpSpPr>
@@ -923,9 +947,11 @@
       <p:sp>
         <p:nvSpPr>
           <p:cNvPr id="143" name="Google Shape;143;g45f3df2dfb_0_154:notes"/>
-          <p:cNvSpPr/>
+          <p:cNvSpPr>
+            <a:spLocks noGrp="1" noRot="1" noChangeAspect="1"/>
+          </p:cNvSpPr>
           <p:nvPr>
-            <p:ph idx="2" type="sldImg"/>
+            <p:ph type="sldImg" idx="2"/>
           </p:nvPr>
         </p:nvSpPr>
         <p:spPr>
@@ -934,9 +960,13 @@
             <a:ext cx="6096000" cy="3429000"/>
           </a:xfrm>
           <a:custGeom>
-            <a:rect b="b" l="l" r="r" t="t"/>
+            <a:avLst/>
+            <a:gdLst/>
+            <a:ahLst/>
+            <a:cxnLst/>
+            <a:rect l="l" t="t" r="r" b="b"/>
             <a:pathLst>
-              <a:path extrusionOk="0" h="120000" w="120000">
+              <a:path w="120000" h="120000" extrusionOk="0">
                 <a:moveTo>
                   <a:pt x="0" y="0"/>
                 </a:moveTo>
@@ -958,9 +988,11 @@
       <p:sp>
         <p:nvSpPr>
           <p:cNvPr id="144" name="Google Shape;144;g45f3df2dfb_0_154:notes"/>
-          <p:cNvSpPr txBox="1"/>
+          <p:cNvSpPr txBox="1">
+            <a:spLocks noGrp="1"/>
+          </p:cNvSpPr>
           <p:nvPr>
-            <p:ph idx="1" type="body"/>
+            <p:ph type="body" idx="1"/>
           </p:nvPr>
         </p:nvSpPr>
         <p:spPr>
@@ -973,12 +1005,12 @@
           </a:prstGeom>
         </p:spPr>
         <p:txBody>
-          <a:bodyPr anchorCtr="0" anchor="t" bIns="91425" lIns="91425" spcFirstLastPara="1" rIns="91425" wrap="square" tIns="91425">
+          <a:bodyPr spcFirstLastPara="1" wrap="square" lIns="91425" tIns="91425" rIns="91425" bIns="91425" anchor="t" anchorCtr="0">
             <a:noAutofit/>
           </a:bodyPr>
           <a:lstStyle/>
           <a:p>
-            <a:pPr indent="0" lvl="0" marL="0" rtl="0" algn="l">
+            <a:pPr marL="0" lvl="0" indent="0" algn="l" rtl="0">
               <a:spcBef>
                 <a:spcPts val="0"/>
               </a:spcBef>
@@ -987,9 +1019,6 @@
               </a:spcAft>
               <a:buNone/>
             </a:pPr>
-            <a:r>
-              <a:t/>
-            </a:r>
             <a:endParaRPr/>
           </a:p>
         </p:txBody>
@@ -1003,110 +1032,11 @@
 </file>
 
 <file path=ppt/notesSlides/notesSlide4.xml><?xml version="1.0" encoding="utf-8"?>
-<p:notes xmlns:a="http://schemas.openxmlformats.org/drawingml/2006/main" xmlns:r="http://schemas.openxmlformats.org/officeDocument/2006/relationships" xmlns:mc="http://schemas.openxmlformats.org/markup-compatibility/2006" xmlns:mv="urn:schemas-microsoft-com:mac:vml" xmlns:p="http://schemas.openxmlformats.org/presentationml/2006/main" xmlns:c="http://schemas.openxmlformats.org/drawingml/2006/chart" xmlns:dgm="http://schemas.openxmlformats.org/drawingml/2006/diagram" xmlns:o="urn:schemas-microsoft-com:office:office" xmlns:v="urn:schemas-microsoft-com:vml" xmlns:pvml="urn:schemas-microsoft-com:office:powerpoint" xmlns:com="http://schemas.openxmlformats.org/drawingml/2006/compatibility" xmlns:p14="http://schemas.microsoft.com/office/powerpoint/2010/main" xmlns:p15="http://schemas.microsoft.com/office/powerpoint/2012/main" showMasterPhAnim="0" showMasterSp="0">
+<p:notes xmlns:a="http://schemas.openxmlformats.org/drawingml/2006/main" xmlns:r="http://schemas.openxmlformats.org/officeDocument/2006/relationships" xmlns:p="http://schemas.openxmlformats.org/presentationml/2006/main" showMasterSp="0" showMasterPhAnim="0">
   <p:cSld>
     <p:spTree>
       <p:nvGrpSpPr>
-        <p:cNvPr id="148" name="Shape 148"/>
-        <p:cNvGrpSpPr/>
-        <p:nvPr/>
-      </p:nvGrpSpPr>
-      <p:grpSpPr>
-        <a:xfrm>
-          <a:off x="0" y="0"/>
-          <a:ext cx="0" cy="0"/>
-          <a:chOff x="0" y="0"/>
-          <a:chExt cx="0" cy="0"/>
-        </a:xfrm>
-      </p:grpSpPr>
-      <p:sp>
-        <p:nvSpPr>
-          <p:cNvPr id="149" name="Google Shape;149;g45f3df2dfb_0_5:notes"/>
-          <p:cNvSpPr/>
-          <p:nvPr>
-            <p:ph idx="2" type="sldImg"/>
-          </p:nvPr>
-        </p:nvSpPr>
-        <p:spPr>
-          <a:xfrm>
-            <a:off x="381300" y="685800"/>
-            <a:ext cx="6096000" cy="3429000"/>
-          </a:xfrm>
-          <a:custGeom>
-            <a:rect b="b" l="l" r="r" t="t"/>
-            <a:pathLst>
-              <a:path extrusionOk="0" h="120000" w="120000">
-                <a:moveTo>
-                  <a:pt x="0" y="0"/>
-                </a:moveTo>
-                <a:lnTo>
-                  <a:pt x="120000" y="0"/>
-                </a:lnTo>
-                <a:lnTo>
-                  <a:pt x="120000" y="120000"/>
-                </a:lnTo>
-                <a:lnTo>
-                  <a:pt x="0" y="120000"/>
-                </a:lnTo>
-                <a:close/>
-              </a:path>
-            </a:pathLst>
-          </a:custGeom>
-        </p:spPr>
-      </p:sp>
-      <p:sp>
-        <p:nvSpPr>
-          <p:cNvPr id="150" name="Google Shape;150;g45f3df2dfb_0_5:notes"/>
-          <p:cNvSpPr txBox="1"/>
-          <p:nvPr>
-            <p:ph idx="1" type="body"/>
-          </p:nvPr>
-        </p:nvSpPr>
-        <p:spPr>
-          <a:xfrm>
-            <a:off x="685800" y="4343400"/>
-            <a:ext cx="5486400" cy="4114800"/>
-          </a:xfrm>
-          <a:prstGeom prst="rect">
-            <a:avLst/>
-          </a:prstGeom>
-        </p:spPr>
-        <p:txBody>
-          <a:bodyPr anchorCtr="0" anchor="t" bIns="91425" lIns="91425" spcFirstLastPara="1" rIns="91425" wrap="square" tIns="91425">
-            <a:noAutofit/>
-          </a:bodyPr>
-          <a:lstStyle/>
-          <a:p>
-            <a:pPr indent="0" lvl="0" marL="0" rtl="0" algn="l">
-              <a:spcBef>
-                <a:spcPts val="0"/>
-              </a:spcBef>
-              <a:spcAft>
-                <a:spcPts val="0"/>
-              </a:spcAft>
-              <a:buNone/>
-            </a:pPr>
-            <a:r>
-              <a:t/>
-            </a:r>
-            <a:endParaRPr/>
-          </a:p>
-        </p:txBody>
-      </p:sp>
-    </p:spTree>
-  </p:cSld>
-  <p:clrMapOvr>
-    <a:masterClrMapping/>
-  </p:clrMapOvr>
-</p:notes>
-</file>
-
-<file path=ppt/notesSlides/notesSlide5.xml><?xml version="1.0" encoding="utf-8"?>
-<p:notes xmlns:a="http://schemas.openxmlformats.org/drawingml/2006/main" xmlns:r="http://schemas.openxmlformats.org/officeDocument/2006/relationships" xmlns:mc="http://schemas.openxmlformats.org/markup-compatibility/2006" xmlns:mv="urn:schemas-microsoft-com:mac:vml" xmlns:p="http://schemas.openxmlformats.org/presentationml/2006/main" xmlns:c="http://schemas.openxmlformats.org/drawingml/2006/chart" xmlns:dgm="http://schemas.openxmlformats.org/drawingml/2006/diagram" xmlns:o="urn:schemas-microsoft-com:office:office" xmlns:v="urn:schemas-microsoft-com:vml" xmlns:pvml="urn:schemas-microsoft-com:office:powerpoint" xmlns:com="http://schemas.openxmlformats.org/drawingml/2006/compatibility" xmlns:p14="http://schemas.microsoft.com/office/powerpoint/2010/main" xmlns:p15="http://schemas.microsoft.com/office/powerpoint/2012/main" showMasterPhAnim="0" showMasterSp="0">
-  <p:cSld>
-    <p:spTree>
-      <p:nvGrpSpPr>
-        <p:cNvPr id="155" name="Shape 155"/>
+        <p:cNvPr id="1" name="Shape 155"/>
         <p:cNvGrpSpPr/>
         <p:nvPr/>
       </p:nvGrpSpPr>
@@ -1121,20 +1051,26 @@
       <p:sp>
         <p:nvSpPr>
           <p:cNvPr id="156" name="Google Shape;156;g45f3df2dfb_0_159:notes"/>
-          <p:cNvSpPr/>
+          <p:cNvSpPr>
+            <a:spLocks noGrp="1" noRot="1" noChangeAspect="1"/>
+          </p:cNvSpPr>
           <p:nvPr>
-            <p:ph idx="2" type="sldImg"/>
+            <p:ph type="sldImg" idx="2"/>
           </p:nvPr>
         </p:nvSpPr>
         <p:spPr>
           <a:xfrm>
-            <a:off x="381300" y="685800"/>
+            <a:off x="381000" y="685800"/>
             <a:ext cx="6096000" cy="3429000"/>
           </a:xfrm>
           <a:custGeom>
-            <a:rect b="b" l="l" r="r" t="t"/>
+            <a:avLst/>
+            <a:gdLst/>
+            <a:ahLst/>
+            <a:cxnLst/>
+            <a:rect l="l" t="t" r="r" b="b"/>
             <a:pathLst>
-              <a:path extrusionOk="0" h="120000" w="120000">
+              <a:path w="120000" h="120000" extrusionOk="0">
                 <a:moveTo>
                   <a:pt x="0" y="0"/>
                 </a:moveTo>
@@ -1156,9 +1092,11 @@
       <p:sp>
         <p:nvSpPr>
           <p:cNvPr id="157" name="Google Shape;157;g45f3df2dfb_0_159:notes"/>
-          <p:cNvSpPr txBox="1"/>
+          <p:cNvSpPr txBox="1">
+            <a:spLocks noGrp="1"/>
+          </p:cNvSpPr>
           <p:nvPr>
-            <p:ph idx="1" type="body"/>
+            <p:ph type="body" idx="1"/>
           </p:nvPr>
         </p:nvSpPr>
         <p:spPr>
@@ -1171,12 +1109,12 @@
           </a:prstGeom>
         </p:spPr>
         <p:txBody>
-          <a:bodyPr anchorCtr="0" anchor="t" bIns="91425" lIns="91425" spcFirstLastPara="1" rIns="91425" wrap="square" tIns="91425">
+          <a:bodyPr spcFirstLastPara="1" wrap="square" lIns="91425" tIns="91425" rIns="91425" bIns="91425" anchor="t" anchorCtr="0">
             <a:noAutofit/>
           </a:bodyPr>
           <a:lstStyle/>
           <a:p>
-            <a:pPr indent="0" lvl="0" marL="0" rtl="0" algn="l">
+            <a:pPr marL="0" lvl="0" indent="0" algn="l" rtl="0">
               <a:spcBef>
                 <a:spcPts val="0"/>
               </a:spcBef>
@@ -1185,9 +1123,6 @@
               </a:spcAft>
               <a:buNone/>
             </a:pPr>
-            <a:r>
-              <a:t/>
-            </a:r>
             <a:endParaRPr/>
           </a:p>
         </p:txBody>
@@ -1200,12 +1135,12 @@
 </p:notes>
 </file>
 
-<file path=ppt/notesSlides/notesSlide6.xml><?xml version="1.0" encoding="utf-8"?>
-<p:notes xmlns:a="http://schemas.openxmlformats.org/drawingml/2006/main" xmlns:r="http://schemas.openxmlformats.org/officeDocument/2006/relationships" xmlns:mc="http://schemas.openxmlformats.org/markup-compatibility/2006" xmlns:mv="urn:schemas-microsoft-com:mac:vml" xmlns:p="http://schemas.openxmlformats.org/presentationml/2006/main" xmlns:c="http://schemas.openxmlformats.org/drawingml/2006/chart" xmlns:dgm="http://schemas.openxmlformats.org/drawingml/2006/diagram" xmlns:o="urn:schemas-microsoft-com:office:office" xmlns:v="urn:schemas-microsoft-com:vml" xmlns:pvml="urn:schemas-microsoft-com:office:powerpoint" xmlns:com="http://schemas.openxmlformats.org/drawingml/2006/compatibility" xmlns:p14="http://schemas.microsoft.com/office/powerpoint/2010/main" xmlns:p15="http://schemas.microsoft.com/office/powerpoint/2012/main" showMasterPhAnim="0" showMasterSp="0">
+<file path=ppt/notesSlides/notesSlide5.xml><?xml version="1.0" encoding="utf-8"?>
+<p:notes xmlns:a="http://schemas.openxmlformats.org/drawingml/2006/main" xmlns:r="http://schemas.openxmlformats.org/officeDocument/2006/relationships" xmlns:p="http://schemas.openxmlformats.org/presentationml/2006/main" showMasterSp="0" showMasterPhAnim="0">
   <p:cSld>
     <p:spTree>
       <p:nvGrpSpPr>
-        <p:cNvPr id="161" name="Shape 161"/>
+        <p:cNvPr id="1" name="Shape 161"/>
         <p:cNvGrpSpPr/>
         <p:nvPr/>
       </p:nvGrpSpPr>
@@ -1220,20 +1155,26 @@
       <p:sp>
         <p:nvSpPr>
           <p:cNvPr id="162" name="Google Shape;162;g45f3df2dfb_0_0:notes"/>
-          <p:cNvSpPr/>
+          <p:cNvSpPr>
+            <a:spLocks noGrp="1" noRot="1" noChangeAspect="1"/>
+          </p:cNvSpPr>
           <p:nvPr>
-            <p:ph idx="2" type="sldImg"/>
+            <p:ph type="sldImg" idx="2"/>
           </p:nvPr>
         </p:nvSpPr>
         <p:spPr>
           <a:xfrm>
-            <a:off x="381300" y="685800"/>
+            <a:off x="381000" y="685800"/>
             <a:ext cx="6096000" cy="3429000"/>
           </a:xfrm>
           <a:custGeom>
-            <a:rect b="b" l="l" r="r" t="t"/>
+            <a:avLst/>
+            <a:gdLst/>
+            <a:ahLst/>
+            <a:cxnLst/>
+            <a:rect l="l" t="t" r="r" b="b"/>
             <a:pathLst>
-              <a:path extrusionOk="0" h="120000" w="120000">
+              <a:path w="120000" h="120000" extrusionOk="0">
                 <a:moveTo>
                   <a:pt x="0" y="0"/>
                 </a:moveTo>
@@ -1255,9 +1196,11 @@
       <p:sp>
         <p:nvSpPr>
           <p:cNvPr id="163" name="Google Shape;163;g45f3df2dfb_0_0:notes"/>
-          <p:cNvSpPr txBox="1"/>
+          <p:cNvSpPr txBox="1">
+            <a:spLocks noGrp="1"/>
+          </p:cNvSpPr>
           <p:nvPr>
-            <p:ph idx="1" type="body"/>
+            <p:ph type="body" idx="1"/>
           </p:nvPr>
         </p:nvSpPr>
         <p:spPr>
@@ -1270,12 +1213,12 @@
           </a:prstGeom>
         </p:spPr>
         <p:txBody>
-          <a:bodyPr anchorCtr="0" anchor="t" bIns="91425" lIns="91425" spcFirstLastPara="1" rIns="91425" wrap="square" tIns="91425">
+          <a:bodyPr spcFirstLastPara="1" wrap="square" lIns="91425" tIns="91425" rIns="91425" bIns="91425" anchor="t" anchorCtr="0">
             <a:noAutofit/>
           </a:bodyPr>
           <a:lstStyle/>
           <a:p>
-            <a:pPr indent="0" lvl="0" marL="0" rtl="0" algn="l">
+            <a:pPr marL="0" lvl="0" indent="0" algn="l" rtl="0">
               <a:spcBef>
                 <a:spcPts val="0"/>
               </a:spcBef>
@@ -1284,9 +1227,6 @@
               </a:spcAft>
               <a:buNone/>
             </a:pPr>
-            <a:r>
-              <a:t/>
-            </a:r>
             <a:endParaRPr/>
           </a:p>
         </p:txBody>
@@ -1300,11 +1240,11 @@
 </file>
 
 <file path=ppt/slideLayouts/slideLayout1.xml><?xml version="1.0" encoding="utf-8"?>
-<p:sldLayout xmlns:a="http://schemas.openxmlformats.org/drawingml/2006/main" xmlns:r="http://schemas.openxmlformats.org/officeDocument/2006/relationships" xmlns:mc="http://schemas.openxmlformats.org/markup-compatibility/2006" xmlns:mv="urn:schemas-microsoft-com:mac:vml" xmlns:p="http://schemas.openxmlformats.org/presentationml/2006/main" xmlns:c="http://schemas.openxmlformats.org/drawingml/2006/chart" xmlns:dgm="http://schemas.openxmlformats.org/drawingml/2006/diagram" xmlns:o="urn:schemas-microsoft-com:office:office" xmlns:v="urn:schemas-microsoft-com:vml" xmlns:pvml="urn:schemas-microsoft-com:office:powerpoint" xmlns:com="http://schemas.openxmlformats.org/drawingml/2006/compatibility" xmlns:p14="http://schemas.microsoft.com/office/powerpoint/2010/main" xmlns:p15="http://schemas.microsoft.com/office/powerpoint/2012/main" matchingName="Title slide" type="title">
+<p:sldLayout xmlns:a="http://schemas.openxmlformats.org/drawingml/2006/main" xmlns:r="http://schemas.openxmlformats.org/officeDocument/2006/relationships" xmlns:p="http://schemas.openxmlformats.org/presentationml/2006/main" matchingName="Title slide" type="title">
   <p:cSld name="TITLE">
     <p:spTree>
       <p:nvGrpSpPr>
-        <p:cNvPr id="9" name="Shape 9"/>
+        <p:cNvPr id="1" name="Shape 9"/>
         <p:cNvGrpSpPr/>
         <p:nvPr/>
       </p:nvGrpSpPr>
@@ -1329,7 +1269,7 @@
           </a:xfrm>
           <a:prstGeom prst="diagStripe">
             <a:avLst>
-              <a:gd fmla="val 0" name="adj"/>
+              <a:gd name="adj" fmla="val 0"/>
             </a:avLst>
           </a:prstGeom>
           <a:solidFill>
@@ -1342,12 +1282,12 @@
           </a:ln>
         </p:spPr>
         <p:txBody>
-          <a:bodyPr anchorCtr="0" anchor="ctr" bIns="91425" lIns="91425" spcFirstLastPara="1" rIns="91425" wrap="square" tIns="91425">
+          <a:bodyPr spcFirstLastPara="1" wrap="square" lIns="91425" tIns="91425" rIns="91425" bIns="91425" anchor="ctr" anchorCtr="0">
             <a:noAutofit/>
           </a:bodyPr>
           <a:lstStyle/>
           <a:p>
-            <a:pPr indent="0" lvl="0" marL="0" rtl="0" algn="l">
+            <a:pPr marL="0" lvl="0" indent="0" algn="l" rtl="0">
               <a:spcBef>
                 <a:spcPts val="0"/>
               </a:spcBef>
@@ -1356,9 +1296,6 @@
               </a:spcAft>
               <a:buNone/>
             </a:pPr>
-            <a:r>
-              <a:t/>
-            </a:r>
             <a:endParaRPr/>
           </a:p>
         </p:txBody>
@@ -1390,7 +1327,7 @@
             </a:xfrm>
             <a:prstGeom prst="diagStripe">
               <a:avLst>
-                <a:gd fmla="val 50000" name="adj"/>
+                <a:gd name="adj" fmla="val 50000"/>
               </a:avLst>
             </a:prstGeom>
             <a:solidFill>
@@ -1403,12 +1340,12 @@
             </a:ln>
           </p:spPr>
           <p:txBody>
-            <a:bodyPr anchorCtr="0" anchor="ctr" bIns="91425" lIns="91425" spcFirstLastPara="1" rIns="91425" wrap="square" tIns="91425">
+            <a:bodyPr spcFirstLastPara="1" wrap="square" lIns="91425" tIns="91425" rIns="91425" bIns="91425" anchor="ctr" anchorCtr="0">
               <a:noAutofit/>
             </a:bodyPr>
             <a:lstStyle/>
             <a:p>
-              <a:pPr indent="0" lvl="0" marL="0" rtl="0" algn="l">
+              <a:pPr marL="0" lvl="0" indent="0" algn="l" rtl="0">
                 <a:spcBef>
                   <a:spcPts val="0"/>
                 </a:spcBef>
@@ -1417,9 +1354,6 @@
                 </a:spcAft>
                 <a:buNone/>
               </a:pPr>
-              <a:r>
-                <a:t/>
-              </a:r>
               <a:endParaRPr/>
             </a:p>
           </p:txBody>
@@ -1437,7 +1371,7 @@
             </a:xfrm>
             <a:prstGeom prst="diagStripe">
               <a:avLst>
-                <a:gd fmla="val 58774" name="adj"/>
+                <a:gd name="adj" fmla="val 58774"/>
               </a:avLst>
             </a:prstGeom>
             <a:solidFill>
@@ -1450,12 +1384,12 @@
             </a:ln>
           </p:spPr>
           <p:txBody>
-            <a:bodyPr anchorCtr="0" anchor="ctr" bIns="91425" lIns="91425" spcFirstLastPara="1" rIns="91425" wrap="square" tIns="91425">
+            <a:bodyPr spcFirstLastPara="1" wrap="square" lIns="91425" tIns="91425" rIns="91425" bIns="91425" anchor="ctr" anchorCtr="0">
               <a:noAutofit/>
             </a:bodyPr>
             <a:lstStyle/>
             <a:p>
-              <a:pPr indent="0" lvl="0" marL="0" rtl="0" algn="l">
+              <a:pPr marL="0" lvl="0" indent="0" algn="l" rtl="0">
                 <a:spcBef>
                   <a:spcPts val="0"/>
                 </a:spcBef>
@@ -1464,9 +1398,6 @@
                 </a:spcAft>
                 <a:buNone/>
               </a:pPr>
-              <a:r>
-                <a:t/>
-              </a:r>
               <a:endParaRPr/>
             </a:p>
           </p:txBody>
@@ -1484,7 +1415,7 @@
             </a:xfrm>
             <a:prstGeom prst="diagStripe">
               <a:avLst>
-                <a:gd fmla="val 50000" name="adj"/>
+                <a:gd name="adj" fmla="val 50000"/>
               </a:avLst>
             </a:prstGeom>
             <a:solidFill>
@@ -1495,12 +1426,12 @@
             </a:ln>
           </p:spPr>
           <p:txBody>
-            <a:bodyPr anchorCtr="0" anchor="ctr" bIns="91425" lIns="91425" spcFirstLastPara="1" rIns="91425" wrap="square" tIns="91425">
+            <a:bodyPr spcFirstLastPara="1" wrap="square" lIns="91425" tIns="91425" rIns="91425" bIns="91425" anchor="ctr" anchorCtr="0">
               <a:noAutofit/>
             </a:bodyPr>
             <a:lstStyle/>
             <a:p>
-              <a:pPr indent="0" lvl="0" marL="0" rtl="0" algn="l">
+              <a:pPr marL="0" lvl="0" indent="0" algn="l" rtl="0">
                 <a:spcBef>
                   <a:spcPts val="0"/>
                 </a:spcBef>
@@ -1509,9 +1440,6 @@
                 </a:spcAft>
                 <a:buNone/>
               </a:pPr>
-              <a:r>
-                <a:t/>
-              </a:r>
               <a:endParaRPr/>
             </a:p>
           </p:txBody>
@@ -1529,7 +1457,7 @@
             </a:xfrm>
             <a:prstGeom prst="diagStripe">
               <a:avLst>
-                <a:gd fmla="val 50000" name="adj"/>
+                <a:gd name="adj" fmla="val 50000"/>
               </a:avLst>
             </a:prstGeom>
             <a:solidFill>
@@ -1540,12 +1468,12 @@
             </a:ln>
           </p:spPr>
           <p:txBody>
-            <a:bodyPr anchorCtr="0" anchor="ctr" bIns="91425" lIns="91425" spcFirstLastPara="1" rIns="91425" wrap="square" tIns="91425">
+            <a:bodyPr spcFirstLastPara="1" wrap="square" lIns="91425" tIns="91425" rIns="91425" bIns="91425" anchor="ctr" anchorCtr="0">
               <a:noAutofit/>
             </a:bodyPr>
             <a:lstStyle/>
             <a:p>
-              <a:pPr indent="0" lvl="0" marL="0" rtl="0" algn="l">
+              <a:pPr marL="0" lvl="0" indent="0" algn="l" rtl="0">
                 <a:spcBef>
                   <a:spcPts val="0"/>
                 </a:spcBef>
@@ -1554,9 +1482,6 @@
                 </a:spcAft>
                 <a:buNone/>
               </a:pPr>
-              <a:r>
-                <a:t/>
-              </a:r>
               <a:endParaRPr/>
             </a:p>
           </p:txBody>
@@ -1565,7 +1490,9 @@
       <p:sp>
         <p:nvSpPr>
           <p:cNvPr id="16" name="Google Shape;16;p2"/>
-          <p:cNvSpPr txBox="1"/>
+          <p:cNvSpPr txBox="1">
+            <a:spLocks noGrp="1"/>
+          </p:cNvSpPr>
           <p:nvPr>
             <p:ph type="ctrTitle"/>
           </p:nvPr>
@@ -1580,7 +1507,7 @@
           </a:prstGeom>
         </p:spPr>
         <p:txBody>
-          <a:bodyPr anchorCtr="0" anchor="t" bIns="91425" lIns="91425" spcFirstLastPara="1" rIns="91425" wrap="square" tIns="91425"/>
+          <a:bodyPr spcFirstLastPara="1" wrap="square" lIns="91425" tIns="91425" rIns="91425" bIns="91425" anchor="t" anchorCtr="0"/>
           <a:lstStyle>
             <a:lvl1pPr lvl="0">
               <a:spcBef>
@@ -1682,15 +1609,19 @@
               <a:defRPr sz="4000"/>
             </a:lvl9pPr>
           </a:lstStyle>
-          <a:p/>
+          <a:p>
+            <a:endParaRPr/>
+          </a:p>
         </p:txBody>
       </p:sp>
       <p:sp>
         <p:nvSpPr>
           <p:cNvPr id="17" name="Google Shape;17;p2"/>
-          <p:cNvSpPr txBox="1"/>
+          <p:cNvSpPr txBox="1">
+            <a:spLocks noGrp="1"/>
+          </p:cNvSpPr>
           <p:nvPr>
-            <p:ph idx="1" type="subTitle"/>
+            <p:ph type="subTitle" idx="1"/>
           </p:nvPr>
         </p:nvSpPr>
         <p:spPr>
@@ -1703,7 +1634,7 @@
           </a:prstGeom>
         </p:spPr>
         <p:txBody>
-          <a:bodyPr anchorCtr="0" anchor="t" bIns="91425" lIns="91425" spcFirstLastPara="1" rIns="91425" wrap="square" tIns="91425"/>
+          <a:bodyPr spcFirstLastPara="1" wrap="square" lIns="91425" tIns="91425" rIns="91425" bIns="91425" anchor="t" anchorCtr="0"/>
           <a:lstStyle>
             <a:lvl1pPr lvl="0">
               <a:lnSpc>
@@ -1832,15 +1763,19 @@
               <a:defRPr sz="1300"/>
             </a:lvl9pPr>
           </a:lstStyle>
-          <a:p/>
+          <a:p>
+            <a:endParaRPr/>
+          </a:p>
         </p:txBody>
       </p:sp>
       <p:sp>
         <p:nvSpPr>
           <p:cNvPr id="18" name="Google Shape;18;p2"/>
-          <p:cNvSpPr txBox="1"/>
+          <p:cNvSpPr txBox="1">
+            <a:spLocks noGrp="1"/>
+          </p:cNvSpPr>
           <p:nvPr>
-            <p:ph idx="12" type="sldNum"/>
+            <p:ph type="sldNum" idx="12"/>
           </p:nvPr>
         </p:nvSpPr>
         <p:spPr>
@@ -1853,7 +1788,7 @@
           </a:prstGeom>
         </p:spPr>
         <p:txBody>
-          <a:bodyPr anchorCtr="0" anchor="ctr" bIns="91425" lIns="91425" spcFirstLastPara="1" rIns="91425" wrap="square" tIns="91425">
+          <a:bodyPr spcFirstLastPara="1" wrap="square" lIns="91425" tIns="91425" rIns="91425" bIns="91425" anchor="ctr" anchorCtr="0">
             <a:noAutofit/>
           </a:bodyPr>
           <a:lstStyle>
@@ -1895,7 +1830,7 @@
             </a:lvl9pPr>
           </a:lstStyle>
           <a:p>
-            <a:pPr indent="0" lvl="0" marL="0" rtl="0" algn="r">
+            <a:pPr marL="0" lvl="0" indent="0" algn="r" rtl="0">
               <a:spcBef>
                 <a:spcPts val="0"/>
               </a:spcBef>
@@ -1921,11 +1856,11 @@
 </file>
 
 <file path=ppt/slideLayouts/slideLayout10.xml><?xml version="1.0" encoding="utf-8"?>
-<p:sldLayout xmlns:a="http://schemas.openxmlformats.org/drawingml/2006/main" xmlns:r="http://schemas.openxmlformats.org/officeDocument/2006/relationships" xmlns:mc="http://schemas.openxmlformats.org/markup-compatibility/2006" xmlns:mv="urn:schemas-microsoft-com:mac:vml" xmlns:p="http://schemas.openxmlformats.org/presentationml/2006/main" xmlns:c="http://schemas.openxmlformats.org/drawingml/2006/chart" xmlns:dgm="http://schemas.openxmlformats.org/drawingml/2006/diagram" xmlns:o="urn:schemas-microsoft-com:office:office" xmlns:v="urn:schemas-microsoft-com:vml" xmlns:pvml="urn:schemas-microsoft-com:office:powerpoint" xmlns:com="http://schemas.openxmlformats.org/drawingml/2006/compatibility" xmlns:p14="http://schemas.microsoft.com/office/powerpoint/2010/main" xmlns:p15="http://schemas.microsoft.com/office/powerpoint/2012/main" matchingName="Big number">
+<p:sldLayout xmlns:a="http://schemas.openxmlformats.org/drawingml/2006/main" xmlns:r="http://schemas.openxmlformats.org/officeDocument/2006/relationships" xmlns:p="http://schemas.openxmlformats.org/presentationml/2006/main" matchingName="Big number">
   <p:cSld name="BIG_NUMBER">
     <p:spTree>
       <p:nvGrpSpPr>
-        <p:cNvPr id="105" name="Shape 105"/>
+        <p:cNvPr id="1" name="Shape 105"/>
         <p:cNvGrpSpPr/>
         <p:nvPr/>
       </p:nvGrpSpPr>
@@ -1964,7 +1899,7 @@
             </a:xfrm>
             <a:prstGeom prst="diagStripe">
               <a:avLst>
-                <a:gd fmla="val 49469" name="adj"/>
+                <a:gd name="adj" fmla="val 49469"/>
               </a:avLst>
             </a:prstGeom>
             <a:solidFill>
@@ -1977,12 +1912,12 @@
             </a:ln>
           </p:spPr>
           <p:txBody>
-            <a:bodyPr anchorCtr="0" anchor="ctr" bIns="91425" lIns="91425" spcFirstLastPara="1" rIns="91425" wrap="square" tIns="91425">
+            <a:bodyPr spcFirstLastPara="1" wrap="square" lIns="91425" tIns="91425" rIns="91425" bIns="91425" anchor="ctr" anchorCtr="0">
               <a:noAutofit/>
             </a:bodyPr>
             <a:lstStyle/>
             <a:p>
-              <a:pPr indent="0" lvl="0" marL="0" rtl="0" algn="l">
+              <a:pPr marL="0" lvl="0" indent="0" algn="l" rtl="0">
                 <a:spcBef>
                   <a:spcPts val="0"/>
                 </a:spcBef>
@@ -1991,9 +1926,6 @@
                 </a:spcAft>
                 <a:buNone/>
               </a:pPr>
-              <a:r>
-                <a:t/>
-              </a:r>
               <a:endParaRPr/>
             </a:p>
           </p:txBody>
@@ -2011,7 +1943,7 @@
             </a:xfrm>
             <a:prstGeom prst="diagStripe">
               <a:avLst>
-                <a:gd fmla="val 0" name="adj"/>
+                <a:gd name="adj" fmla="val 0"/>
               </a:avLst>
             </a:prstGeom>
             <a:solidFill>
@@ -2024,12 +1956,12 @@
             </a:ln>
           </p:spPr>
           <p:txBody>
-            <a:bodyPr anchorCtr="0" anchor="ctr" bIns="91425" lIns="91425" spcFirstLastPara="1" rIns="91425" wrap="square" tIns="91425">
+            <a:bodyPr spcFirstLastPara="1" wrap="square" lIns="91425" tIns="91425" rIns="91425" bIns="91425" anchor="ctr" anchorCtr="0">
               <a:noAutofit/>
             </a:bodyPr>
             <a:lstStyle/>
             <a:p>
-              <a:pPr indent="0" lvl="0" marL="0" rtl="0" algn="l">
+              <a:pPr marL="0" lvl="0" indent="0" algn="l" rtl="0">
                 <a:spcBef>
                   <a:spcPts val="0"/>
                 </a:spcBef>
@@ -2038,9 +1970,6 @@
                 </a:spcAft>
                 <a:buNone/>
               </a:pPr>
-              <a:r>
-                <a:t/>
-              </a:r>
               <a:endParaRPr/>
             </a:p>
           </p:txBody>
@@ -2058,7 +1987,7 @@
             </a:xfrm>
             <a:prstGeom prst="diagStripe">
               <a:avLst>
-                <a:gd fmla="val 50000" name="adj"/>
+                <a:gd name="adj" fmla="val 50000"/>
               </a:avLst>
             </a:prstGeom>
             <a:solidFill>
@@ -2071,12 +2000,12 @@
             </a:ln>
           </p:spPr>
           <p:txBody>
-            <a:bodyPr anchorCtr="0" anchor="ctr" bIns="91425" lIns="91425" spcFirstLastPara="1" rIns="91425" wrap="square" tIns="91425">
+            <a:bodyPr spcFirstLastPara="1" wrap="square" lIns="91425" tIns="91425" rIns="91425" bIns="91425" anchor="ctr" anchorCtr="0">
               <a:noAutofit/>
             </a:bodyPr>
             <a:lstStyle/>
             <a:p>
-              <a:pPr indent="0" lvl="0" marL="0" rtl="0" algn="l">
+              <a:pPr marL="0" lvl="0" indent="0" algn="l" rtl="0">
                 <a:spcBef>
                   <a:spcPts val="0"/>
                 </a:spcBef>
@@ -2085,9 +2014,6 @@
                 </a:spcAft>
                 <a:buNone/>
               </a:pPr>
-              <a:r>
-                <a:t/>
-              </a:r>
               <a:endParaRPr/>
             </a:p>
           </p:txBody>
@@ -2105,7 +2031,7 @@
             </a:xfrm>
             <a:prstGeom prst="diagStripe">
               <a:avLst>
-                <a:gd fmla="val 50000" name="adj"/>
+                <a:gd name="adj" fmla="val 50000"/>
               </a:avLst>
             </a:prstGeom>
             <a:solidFill>
@@ -2118,12 +2044,12 @@
             </a:ln>
           </p:spPr>
           <p:txBody>
-            <a:bodyPr anchorCtr="0" anchor="ctr" bIns="91425" lIns="91425" spcFirstLastPara="1" rIns="91425" wrap="square" tIns="91425">
+            <a:bodyPr spcFirstLastPara="1" wrap="square" lIns="91425" tIns="91425" rIns="91425" bIns="91425" anchor="ctr" anchorCtr="0">
               <a:noAutofit/>
             </a:bodyPr>
             <a:lstStyle/>
             <a:p>
-              <a:pPr indent="0" lvl="0" marL="0" rtl="0" algn="l">
+              <a:pPr marL="0" lvl="0" indent="0" algn="l" rtl="0">
                 <a:spcBef>
                   <a:spcPts val="0"/>
                 </a:spcBef>
@@ -2132,9 +2058,6 @@
                 </a:spcAft>
                 <a:buNone/>
               </a:pPr>
-              <a:r>
-                <a:t/>
-              </a:r>
               <a:endParaRPr/>
             </a:p>
           </p:txBody>
@@ -2152,7 +2075,7 @@
             </a:xfrm>
             <a:prstGeom prst="diagStripe">
               <a:avLst>
-                <a:gd fmla="val 50000" name="adj"/>
+                <a:gd name="adj" fmla="val 50000"/>
               </a:avLst>
             </a:prstGeom>
             <a:solidFill>
@@ -2165,12 +2088,12 @@
             </a:ln>
           </p:spPr>
           <p:txBody>
-            <a:bodyPr anchorCtr="0" anchor="ctr" bIns="91425" lIns="91425" spcFirstLastPara="1" rIns="91425" wrap="square" tIns="91425">
+            <a:bodyPr spcFirstLastPara="1" wrap="square" lIns="91425" tIns="91425" rIns="91425" bIns="91425" anchor="ctr" anchorCtr="0">
               <a:noAutofit/>
             </a:bodyPr>
             <a:lstStyle/>
             <a:p>
-              <a:pPr indent="0" lvl="0" marL="0" rtl="0" algn="l">
+              <a:pPr marL="0" lvl="0" indent="0" algn="l" rtl="0">
                 <a:spcBef>
                   <a:spcPts val="0"/>
                 </a:spcBef>
@@ -2179,9 +2102,6 @@
                 </a:spcAft>
                 <a:buNone/>
               </a:pPr>
-              <a:r>
-                <a:t/>
-              </a:r>
               <a:endParaRPr/>
             </a:p>
           </p:txBody>
@@ -2199,7 +2119,7 @@
             </a:xfrm>
             <a:prstGeom prst="diagStripe">
               <a:avLst>
-                <a:gd fmla="val 50000" name="adj"/>
+                <a:gd name="adj" fmla="val 50000"/>
               </a:avLst>
             </a:prstGeom>
             <a:solidFill>
@@ -2212,12 +2132,12 @@
             </a:ln>
           </p:spPr>
           <p:txBody>
-            <a:bodyPr anchorCtr="0" anchor="ctr" bIns="91425" lIns="91425" spcFirstLastPara="1" rIns="91425" wrap="square" tIns="91425">
+            <a:bodyPr spcFirstLastPara="1" wrap="square" lIns="91425" tIns="91425" rIns="91425" bIns="91425" anchor="ctr" anchorCtr="0">
               <a:noAutofit/>
             </a:bodyPr>
             <a:lstStyle/>
             <a:p>
-              <a:pPr indent="0" lvl="0" marL="0" rtl="0" algn="l">
+              <a:pPr marL="0" lvl="0" indent="0" algn="l" rtl="0">
                 <a:spcBef>
                   <a:spcPts val="0"/>
                 </a:spcBef>
@@ -2226,9 +2146,6 @@
                 </a:spcAft>
                 <a:buNone/>
               </a:pPr>
-              <a:r>
-                <a:t/>
-              </a:r>
               <a:endParaRPr/>
             </a:p>
           </p:txBody>
@@ -2246,7 +2163,7 @@
             </a:xfrm>
             <a:prstGeom prst="diagStripe">
               <a:avLst>
-                <a:gd fmla="val 50000" name="adj"/>
+                <a:gd name="adj" fmla="val 50000"/>
               </a:avLst>
             </a:prstGeom>
             <a:solidFill>
@@ -2259,12 +2176,12 @@
             </a:ln>
           </p:spPr>
           <p:txBody>
-            <a:bodyPr anchorCtr="0" anchor="ctr" bIns="91425" lIns="91425" spcFirstLastPara="1" rIns="91425" wrap="square" tIns="91425">
+            <a:bodyPr spcFirstLastPara="1" wrap="square" lIns="91425" tIns="91425" rIns="91425" bIns="91425" anchor="ctr" anchorCtr="0">
               <a:noAutofit/>
             </a:bodyPr>
             <a:lstStyle/>
             <a:p>
-              <a:pPr indent="0" lvl="0" marL="0" rtl="0" algn="l">
+              <a:pPr marL="0" lvl="0" indent="0" algn="l" rtl="0">
                 <a:spcBef>
                   <a:spcPts val="0"/>
                 </a:spcBef>
@@ -2273,9 +2190,6 @@
                 </a:spcAft>
                 <a:buNone/>
               </a:pPr>
-              <a:r>
-                <a:t/>
-              </a:r>
               <a:endParaRPr/>
             </a:p>
           </p:txBody>
@@ -2293,7 +2207,7 @@
             </a:xfrm>
             <a:prstGeom prst="diagStripe">
               <a:avLst>
-                <a:gd fmla="val 50000" name="adj"/>
+                <a:gd name="adj" fmla="val 50000"/>
               </a:avLst>
             </a:prstGeom>
             <a:solidFill>
@@ -2304,12 +2218,12 @@
             </a:ln>
           </p:spPr>
           <p:txBody>
-            <a:bodyPr anchorCtr="0" anchor="ctr" bIns="91425" lIns="91425" spcFirstLastPara="1" rIns="91425" wrap="square" tIns="91425">
+            <a:bodyPr spcFirstLastPara="1" wrap="square" lIns="91425" tIns="91425" rIns="91425" bIns="91425" anchor="ctr" anchorCtr="0">
               <a:noAutofit/>
             </a:bodyPr>
             <a:lstStyle/>
             <a:p>
-              <a:pPr indent="0" lvl="0" marL="0" rtl="0" algn="l">
+              <a:pPr marL="0" lvl="0" indent="0" algn="l" rtl="0">
                 <a:spcBef>
                   <a:spcPts val="0"/>
                 </a:spcBef>
@@ -2318,9 +2232,6 @@
                 </a:spcAft>
                 <a:buNone/>
               </a:pPr>
-              <a:r>
-                <a:t/>
-              </a:r>
               <a:endParaRPr/>
             </a:p>
           </p:txBody>
@@ -2338,7 +2249,7 @@
             </a:xfrm>
             <a:prstGeom prst="diagStripe">
               <a:avLst>
-                <a:gd fmla="val 50000" name="adj"/>
+                <a:gd name="adj" fmla="val 50000"/>
               </a:avLst>
             </a:prstGeom>
             <a:solidFill>
@@ -2351,12 +2262,12 @@
             </a:ln>
           </p:spPr>
           <p:txBody>
-            <a:bodyPr anchorCtr="0" anchor="ctr" bIns="91425" lIns="91425" spcFirstLastPara="1" rIns="91425" wrap="square" tIns="91425">
+            <a:bodyPr spcFirstLastPara="1" wrap="square" lIns="91425" tIns="91425" rIns="91425" bIns="91425" anchor="ctr" anchorCtr="0">
               <a:noAutofit/>
             </a:bodyPr>
             <a:lstStyle/>
             <a:p>
-              <a:pPr indent="0" lvl="0" marL="0" rtl="0" algn="l">
+              <a:pPr marL="0" lvl="0" indent="0" algn="l" rtl="0">
                 <a:spcBef>
                   <a:spcPts val="0"/>
                 </a:spcBef>
@@ -2365,9 +2276,6 @@
                 </a:spcAft>
                 <a:buNone/>
               </a:pPr>
-              <a:r>
-                <a:t/>
-              </a:r>
               <a:endParaRPr/>
             </a:p>
           </p:txBody>
@@ -2385,7 +2293,7 @@
             </a:xfrm>
             <a:prstGeom prst="diagStripe">
               <a:avLst>
-                <a:gd fmla="val 50000" name="adj"/>
+                <a:gd name="adj" fmla="val 50000"/>
               </a:avLst>
             </a:prstGeom>
             <a:solidFill>
@@ -2398,12 +2306,12 @@
             </a:ln>
           </p:spPr>
           <p:txBody>
-            <a:bodyPr anchorCtr="0" anchor="ctr" bIns="91425" lIns="91425" spcFirstLastPara="1" rIns="91425" wrap="square" tIns="91425">
+            <a:bodyPr spcFirstLastPara="1" wrap="square" lIns="91425" tIns="91425" rIns="91425" bIns="91425" anchor="ctr" anchorCtr="0">
               <a:noAutofit/>
             </a:bodyPr>
             <a:lstStyle/>
             <a:p>
-              <a:pPr indent="0" lvl="0" marL="0" rtl="0" algn="l">
+              <a:pPr marL="0" lvl="0" indent="0" algn="l" rtl="0">
                 <a:spcBef>
                   <a:spcPts val="0"/>
                 </a:spcBef>
@@ -2412,9 +2320,6 @@
                 </a:spcAft>
                 <a:buNone/>
               </a:pPr>
-              <a:r>
-                <a:t/>
-              </a:r>
               <a:endParaRPr/>
             </a:p>
           </p:txBody>
@@ -2432,7 +2337,7 @@
             </a:xfrm>
             <a:prstGeom prst="diagStripe">
               <a:avLst>
-                <a:gd fmla="val 50000" name="adj"/>
+                <a:gd name="adj" fmla="val 50000"/>
               </a:avLst>
             </a:prstGeom>
             <a:solidFill>
@@ -2445,12 +2350,12 @@
             </a:ln>
           </p:spPr>
           <p:txBody>
-            <a:bodyPr anchorCtr="0" anchor="ctr" bIns="91425" lIns="91425" spcFirstLastPara="1" rIns="91425" wrap="square" tIns="91425">
+            <a:bodyPr spcFirstLastPara="1" wrap="square" lIns="91425" tIns="91425" rIns="91425" bIns="91425" anchor="ctr" anchorCtr="0">
               <a:noAutofit/>
             </a:bodyPr>
             <a:lstStyle/>
             <a:p>
-              <a:pPr indent="0" lvl="0" marL="0" rtl="0" algn="l">
+              <a:pPr marL="0" lvl="0" indent="0" algn="l" rtl="0">
                 <a:spcBef>
                   <a:spcPts val="0"/>
                 </a:spcBef>
@@ -2459,9 +2364,6 @@
                 </a:spcAft>
                 <a:buNone/>
               </a:pPr>
-              <a:r>
-                <a:t/>
-              </a:r>
               <a:endParaRPr/>
             </a:p>
           </p:txBody>
@@ -2479,7 +2381,7 @@
             </a:xfrm>
             <a:prstGeom prst="diagStripe">
               <a:avLst>
-                <a:gd fmla="val 50000" name="adj"/>
+                <a:gd name="adj" fmla="val 50000"/>
               </a:avLst>
             </a:prstGeom>
             <a:solidFill>
@@ -2492,12 +2394,12 @@
             </a:ln>
           </p:spPr>
           <p:txBody>
-            <a:bodyPr anchorCtr="0" anchor="ctr" bIns="91425" lIns="91425" spcFirstLastPara="1" rIns="91425" wrap="square" tIns="91425">
+            <a:bodyPr spcFirstLastPara="1" wrap="square" lIns="91425" tIns="91425" rIns="91425" bIns="91425" anchor="ctr" anchorCtr="0">
               <a:noAutofit/>
             </a:bodyPr>
             <a:lstStyle/>
             <a:p>
-              <a:pPr indent="0" lvl="0" marL="0" rtl="0" algn="l">
+              <a:pPr marL="0" lvl="0" indent="0" algn="l" rtl="0">
                 <a:spcBef>
                   <a:spcPts val="0"/>
                 </a:spcBef>
@@ -2506,9 +2408,6 @@
                 </a:spcAft>
                 <a:buNone/>
               </a:pPr>
-              <a:r>
-                <a:t/>
-              </a:r>
               <a:endParaRPr/>
             </a:p>
           </p:txBody>
@@ -2526,7 +2425,7 @@
             </a:xfrm>
             <a:prstGeom prst="diagStripe">
               <a:avLst>
-                <a:gd fmla="val 50000" name="adj"/>
+                <a:gd name="adj" fmla="val 50000"/>
               </a:avLst>
             </a:prstGeom>
             <a:solidFill>
@@ -2539,12 +2438,12 @@
             </a:ln>
           </p:spPr>
           <p:txBody>
-            <a:bodyPr anchorCtr="0" anchor="ctr" bIns="91425" lIns="91425" spcFirstLastPara="1" rIns="91425" wrap="square" tIns="91425">
+            <a:bodyPr spcFirstLastPara="1" wrap="square" lIns="91425" tIns="91425" rIns="91425" bIns="91425" anchor="ctr" anchorCtr="0">
               <a:noAutofit/>
             </a:bodyPr>
             <a:lstStyle/>
             <a:p>
-              <a:pPr indent="0" lvl="0" marL="0" rtl="0" algn="l">
+              <a:pPr marL="0" lvl="0" indent="0" algn="l" rtl="0">
                 <a:spcBef>
                   <a:spcPts val="0"/>
                 </a:spcBef>
@@ -2553,9 +2452,6 @@
                 </a:spcAft>
                 <a:buNone/>
               </a:pPr>
-              <a:r>
-                <a:t/>
-              </a:r>
               <a:endParaRPr/>
             </a:p>
           </p:txBody>
@@ -2573,7 +2469,7 @@
             </a:xfrm>
             <a:prstGeom prst="diagStripe">
               <a:avLst>
-                <a:gd fmla="val 50000" name="adj"/>
+                <a:gd name="adj" fmla="val 50000"/>
               </a:avLst>
             </a:prstGeom>
             <a:solidFill>
@@ -2584,12 +2480,12 @@
             </a:ln>
           </p:spPr>
           <p:txBody>
-            <a:bodyPr anchorCtr="0" anchor="ctr" bIns="91425" lIns="91425" spcFirstLastPara="1" rIns="91425" wrap="square" tIns="91425">
+            <a:bodyPr spcFirstLastPara="1" wrap="square" lIns="91425" tIns="91425" rIns="91425" bIns="91425" anchor="ctr" anchorCtr="0">
               <a:noAutofit/>
             </a:bodyPr>
             <a:lstStyle/>
             <a:p>
-              <a:pPr indent="0" lvl="0" marL="0" rtl="0" algn="l">
+              <a:pPr marL="0" lvl="0" indent="0" algn="l" rtl="0">
                 <a:spcBef>
                   <a:spcPts val="0"/>
                 </a:spcBef>
@@ -2598,9 +2494,6 @@
                 </a:spcAft>
                 <a:buNone/>
               </a:pPr>
-              <a:r>
-                <a:t/>
-              </a:r>
               <a:endParaRPr/>
             </a:p>
           </p:txBody>
@@ -2618,7 +2511,7 @@
             </a:xfrm>
             <a:prstGeom prst="diagStripe">
               <a:avLst>
-                <a:gd fmla="val 50000" name="adj"/>
+                <a:gd name="adj" fmla="val 50000"/>
               </a:avLst>
             </a:prstGeom>
             <a:solidFill>
@@ -2631,12 +2524,12 @@
             </a:ln>
           </p:spPr>
           <p:txBody>
-            <a:bodyPr anchorCtr="0" anchor="ctr" bIns="91425" lIns="91425" spcFirstLastPara="1" rIns="91425" wrap="square" tIns="91425">
+            <a:bodyPr spcFirstLastPara="1" wrap="square" lIns="91425" tIns="91425" rIns="91425" bIns="91425" anchor="ctr" anchorCtr="0">
               <a:noAutofit/>
             </a:bodyPr>
             <a:lstStyle/>
             <a:p>
-              <a:pPr indent="0" lvl="0" marL="0" rtl="0" algn="l">
+              <a:pPr marL="0" lvl="0" indent="0" algn="l" rtl="0">
                 <a:spcBef>
                   <a:spcPts val="0"/>
                 </a:spcBef>
@@ -2645,9 +2538,6 @@
                 </a:spcAft>
                 <a:buNone/>
               </a:pPr>
-              <a:r>
-                <a:t/>
-              </a:r>
               <a:endParaRPr/>
             </a:p>
           </p:txBody>
@@ -2665,7 +2555,7 @@
             </a:xfrm>
             <a:prstGeom prst="diagStripe">
               <a:avLst>
-                <a:gd fmla="val 50000" name="adj"/>
+                <a:gd name="adj" fmla="val 50000"/>
               </a:avLst>
             </a:prstGeom>
             <a:solidFill>
@@ -2678,12 +2568,12 @@
             </a:ln>
           </p:spPr>
           <p:txBody>
-            <a:bodyPr anchorCtr="0" anchor="ctr" bIns="91425" lIns="91425" spcFirstLastPara="1" rIns="91425" wrap="square" tIns="91425">
+            <a:bodyPr spcFirstLastPara="1" wrap="square" lIns="91425" tIns="91425" rIns="91425" bIns="91425" anchor="ctr" anchorCtr="0">
               <a:noAutofit/>
             </a:bodyPr>
             <a:lstStyle/>
             <a:p>
-              <a:pPr indent="0" lvl="0" marL="0" rtl="0" algn="l">
+              <a:pPr marL="0" lvl="0" indent="0" algn="l" rtl="0">
                 <a:spcBef>
                   <a:spcPts val="0"/>
                 </a:spcBef>
@@ -2692,9 +2582,6 @@
                 </a:spcAft>
                 <a:buNone/>
               </a:pPr>
-              <a:r>
-                <a:t/>
-              </a:r>
               <a:endParaRPr/>
             </a:p>
           </p:txBody>
@@ -2712,7 +2599,7 @@
             </a:xfrm>
             <a:prstGeom prst="diagStripe">
               <a:avLst>
-                <a:gd fmla="val 50000" name="adj"/>
+                <a:gd name="adj" fmla="val 50000"/>
               </a:avLst>
             </a:prstGeom>
             <a:solidFill>
@@ -2725,12 +2612,12 @@
             </a:ln>
           </p:spPr>
           <p:txBody>
-            <a:bodyPr anchorCtr="0" anchor="ctr" bIns="91425" lIns="91425" spcFirstLastPara="1" rIns="91425" wrap="square" tIns="91425">
+            <a:bodyPr spcFirstLastPara="1" wrap="square" lIns="91425" tIns="91425" rIns="91425" bIns="91425" anchor="ctr" anchorCtr="0">
               <a:noAutofit/>
             </a:bodyPr>
             <a:lstStyle/>
             <a:p>
-              <a:pPr indent="0" lvl="0" marL="0" rtl="0" algn="l">
+              <a:pPr marL="0" lvl="0" indent="0" algn="l" rtl="0">
                 <a:spcBef>
                   <a:spcPts val="0"/>
                 </a:spcBef>
@@ -2739,9 +2626,6 @@
                 </a:spcAft>
                 <a:buNone/>
               </a:pPr>
-              <a:r>
-                <a:t/>
-              </a:r>
               <a:endParaRPr/>
             </a:p>
           </p:txBody>
@@ -2759,7 +2643,7 @@
             </a:xfrm>
             <a:prstGeom prst="diagStripe">
               <a:avLst>
-                <a:gd fmla="val 50000" name="adj"/>
+                <a:gd name="adj" fmla="val 50000"/>
               </a:avLst>
             </a:prstGeom>
             <a:solidFill>
@@ -2772,12 +2656,12 @@
             </a:ln>
           </p:spPr>
           <p:txBody>
-            <a:bodyPr anchorCtr="0" anchor="ctr" bIns="91425" lIns="91425" spcFirstLastPara="1" rIns="91425" wrap="square" tIns="91425">
+            <a:bodyPr spcFirstLastPara="1" wrap="square" lIns="91425" tIns="91425" rIns="91425" bIns="91425" anchor="ctr" anchorCtr="0">
               <a:noAutofit/>
             </a:bodyPr>
             <a:lstStyle/>
             <a:p>
-              <a:pPr indent="0" lvl="0" marL="0" rtl="0" algn="l">
+              <a:pPr marL="0" lvl="0" indent="0" algn="l" rtl="0">
                 <a:spcBef>
                   <a:spcPts val="0"/>
                 </a:spcBef>
@@ -2786,9 +2670,6 @@
                 </a:spcAft>
                 <a:buNone/>
               </a:pPr>
-              <a:r>
-                <a:t/>
-              </a:r>
               <a:endParaRPr/>
             </a:p>
           </p:txBody>
@@ -2797,9 +2678,11 @@
       <p:sp>
         <p:nvSpPr>
           <p:cNvPr id="125" name="Google Shape;125;p11"/>
-          <p:cNvSpPr txBox="1"/>
+          <p:cNvSpPr txBox="1">
+            <a:spLocks noGrp="1"/>
+          </p:cNvSpPr>
           <p:nvPr>
-            <p:ph hasCustomPrompt="1" type="title"/>
+            <p:ph type="title" hasCustomPrompt="1"/>
           </p:nvPr>
         </p:nvSpPr>
         <p:spPr>
@@ -2812,7 +2695,7 @@
           </a:prstGeom>
         </p:spPr>
         <p:txBody>
-          <a:bodyPr anchorCtr="0" anchor="t" bIns="91425" lIns="91425" spcFirstLastPara="1" rIns="91425" wrap="square" tIns="91425"/>
+          <a:bodyPr spcFirstLastPara="1" wrap="square" lIns="91425" tIns="91425" rIns="91425" bIns="91425" anchor="t" anchorCtr="0"/>
           <a:lstStyle>
             <a:lvl1pPr lvl="0">
               <a:spcBef>
@@ -2924,9 +2807,11 @@
       <p:sp>
         <p:nvSpPr>
           <p:cNvPr id="126" name="Google Shape;126;p11"/>
-          <p:cNvSpPr txBox="1"/>
+          <p:cNvSpPr txBox="1">
+            <a:spLocks noGrp="1"/>
+          </p:cNvSpPr>
           <p:nvPr>
-            <p:ph idx="1" type="body"/>
+            <p:ph type="body" idx="1"/>
           </p:nvPr>
         </p:nvSpPr>
         <p:spPr>
@@ -2939,9 +2824,9 @@
           </a:prstGeom>
         </p:spPr>
         <p:txBody>
-          <a:bodyPr anchorCtr="0" anchor="t" bIns="91425" lIns="91425" spcFirstLastPara="1" rIns="91425" wrap="square" tIns="91425"/>
+          <a:bodyPr spcFirstLastPara="1" wrap="square" lIns="91425" tIns="91425" rIns="91425" bIns="91425" anchor="t" anchorCtr="0"/>
           <a:lstStyle>
-            <a:lvl1pPr indent="-311150" lvl="0" marL="457200">
+            <a:lvl1pPr marL="457200" lvl="0" indent="-311150">
               <a:spcBef>
                 <a:spcPts val="0"/>
               </a:spcBef>
@@ -2952,7 +2837,7 @@
               <a:buChar char="●"/>
               <a:defRPr/>
             </a:lvl1pPr>
-            <a:lvl2pPr indent="-298450" lvl="1" marL="914400">
+            <a:lvl2pPr marL="914400" lvl="1" indent="-298450">
               <a:spcBef>
                 <a:spcPts val="1600"/>
               </a:spcBef>
@@ -2963,7 +2848,7 @@
               <a:buChar char="○"/>
               <a:defRPr/>
             </a:lvl2pPr>
-            <a:lvl3pPr indent="-298450" lvl="2" marL="1371600">
+            <a:lvl3pPr marL="1371600" lvl="2" indent="-298450">
               <a:spcBef>
                 <a:spcPts val="1600"/>
               </a:spcBef>
@@ -2974,7 +2859,7 @@
               <a:buChar char="■"/>
               <a:defRPr/>
             </a:lvl3pPr>
-            <a:lvl4pPr indent="-298450" lvl="3" marL="1828800">
+            <a:lvl4pPr marL="1828800" lvl="3" indent="-298450">
               <a:spcBef>
                 <a:spcPts val="1600"/>
               </a:spcBef>
@@ -2985,7 +2870,7 @@
               <a:buChar char="●"/>
               <a:defRPr/>
             </a:lvl4pPr>
-            <a:lvl5pPr indent="-298450" lvl="4" marL="2286000">
+            <a:lvl5pPr marL="2286000" lvl="4" indent="-298450">
               <a:spcBef>
                 <a:spcPts val="1600"/>
               </a:spcBef>
@@ -2996,7 +2881,7 @@
               <a:buChar char="○"/>
               <a:defRPr/>
             </a:lvl5pPr>
-            <a:lvl6pPr indent="-298450" lvl="5" marL="2743200">
+            <a:lvl6pPr marL="2743200" lvl="5" indent="-298450">
               <a:spcBef>
                 <a:spcPts val="1600"/>
               </a:spcBef>
@@ -3007,7 +2892,7 @@
               <a:buChar char="■"/>
               <a:defRPr/>
             </a:lvl6pPr>
-            <a:lvl7pPr indent="-298450" lvl="6" marL="3200400">
+            <a:lvl7pPr marL="3200400" lvl="6" indent="-298450">
               <a:spcBef>
                 <a:spcPts val="1600"/>
               </a:spcBef>
@@ -3018,7 +2903,7 @@
               <a:buChar char="●"/>
               <a:defRPr/>
             </a:lvl7pPr>
-            <a:lvl8pPr indent="-298450" lvl="7" marL="3657600">
+            <a:lvl8pPr marL="3657600" lvl="7" indent="-298450">
               <a:spcBef>
                 <a:spcPts val="1600"/>
               </a:spcBef>
@@ -3029,7 +2914,7 @@
               <a:buChar char="○"/>
               <a:defRPr/>
             </a:lvl8pPr>
-            <a:lvl9pPr indent="-298450" lvl="8" marL="4114800">
+            <a:lvl9pPr marL="4114800" lvl="8" indent="-298450">
               <a:spcBef>
                 <a:spcPts val="1600"/>
               </a:spcBef>
@@ -3041,15 +2926,19 @@
               <a:defRPr/>
             </a:lvl9pPr>
           </a:lstStyle>
-          <a:p/>
+          <a:p>
+            <a:endParaRPr/>
+          </a:p>
         </p:txBody>
       </p:sp>
       <p:sp>
         <p:nvSpPr>
           <p:cNvPr id="127" name="Google Shape;127;p11"/>
-          <p:cNvSpPr txBox="1"/>
+          <p:cNvSpPr txBox="1">
+            <a:spLocks noGrp="1"/>
+          </p:cNvSpPr>
           <p:nvPr>
-            <p:ph idx="12" type="sldNum"/>
+            <p:ph type="sldNum" idx="12"/>
           </p:nvPr>
         </p:nvSpPr>
         <p:spPr>
@@ -3062,7 +2951,7 @@
           </a:prstGeom>
         </p:spPr>
         <p:txBody>
-          <a:bodyPr anchorCtr="0" anchor="ctr" bIns="91425" lIns="91425" spcFirstLastPara="1" rIns="91425" wrap="square" tIns="91425">
+          <a:bodyPr spcFirstLastPara="1" wrap="square" lIns="91425" tIns="91425" rIns="91425" bIns="91425" anchor="ctr" anchorCtr="0">
             <a:noAutofit/>
           </a:bodyPr>
           <a:lstStyle>
@@ -3104,7 +2993,7 @@
             </a:lvl9pPr>
           </a:lstStyle>
           <a:p>
-            <a:pPr indent="0" lvl="0" marL="0" rtl="0" algn="r">
+            <a:pPr marL="0" lvl="0" indent="0" algn="r" rtl="0">
               <a:spcBef>
                 <a:spcPts val="0"/>
               </a:spcBef>
@@ -3130,11 +3019,11 @@
 </file>
 
 <file path=ppt/slideLayouts/slideLayout11.xml><?xml version="1.0" encoding="utf-8"?>
-<p:sldLayout xmlns:a="http://schemas.openxmlformats.org/drawingml/2006/main" xmlns:r="http://schemas.openxmlformats.org/officeDocument/2006/relationships" xmlns:mc="http://schemas.openxmlformats.org/markup-compatibility/2006" xmlns:mv="urn:schemas-microsoft-com:mac:vml" xmlns:p="http://schemas.openxmlformats.org/presentationml/2006/main" xmlns:c="http://schemas.openxmlformats.org/drawingml/2006/chart" xmlns:dgm="http://schemas.openxmlformats.org/drawingml/2006/diagram" xmlns:o="urn:schemas-microsoft-com:office:office" xmlns:v="urn:schemas-microsoft-com:vml" xmlns:pvml="urn:schemas-microsoft-com:office:powerpoint" xmlns:com="http://schemas.openxmlformats.org/drawingml/2006/compatibility" xmlns:p14="http://schemas.microsoft.com/office/powerpoint/2010/main" xmlns:p15="http://schemas.microsoft.com/office/powerpoint/2012/main" matchingName="Blank" type="blank">
+<p:sldLayout xmlns:a="http://schemas.openxmlformats.org/drawingml/2006/main" xmlns:r="http://schemas.openxmlformats.org/officeDocument/2006/relationships" xmlns:p="http://schemas.openxmlformats.org/presentationml/2006/main" matchingName="Blank" type="blank">
   <p:cSld name="BLANK">
     <p:spTree>
       <p:nvGrpSpPr>
-        <p:cNvPr id="128" name="Shape 128"/>
+        <p:cNvPr id="1" name="Shape 128"/>
         <p:cNvGrpSpPr/>
         <p:nvPr/>
       </p:nvGrpSpPr>
@@ -3149,9 +3038,11 @@
       <p:sp>
         <p:nvSpPr>
           <p:cNvPr id="129" name="Google Shape;129;p12"/>
-          <p:cNvSpPr txBox="1"/>
+          <p:cNvSpPr txBox="1">
+            <a:spLocks noGrp="1"/>
+          </p:cNvSpPr>
           <p:nvPr>
-            <p:ph idx="12" type="sldNum"/>
+            <p:ph type="sldNum" idx="12"/>
           </p:nvPr>
         </p:nvSpPr>
         <p:spPr>
@@ -3164,7 +3055,7 @@
           </a:prstGeom>
         </p:spPr>
         <p:txBody>
-          <a:bodyPr anchorCtr="0" anchor="ctr" bIns="91425" lIns="91425" spcFirstLastPara="1" rIns="91425" wrap="square" tIns="91425">
+          <a:bodyPr spcFirstLastPara="1" wrap="square" lIns="91425" tIns="91425" rIns="91425" bIns="91425" anchor="ctr" anchorCtr="0">
             <a:noAutofit/>
           </a:bodyPr>
           <a:lstStyle>
@@ -3206,7 +3097,7 @@
             </a:lvl9pPr>
           </a:lstStyle>
           <a:p>
-            <a:pPr indent="0" lvl="0" marL="0" rtl="0" algn="r">
+            <a:pPr marL="0" lvl="0" indent="0" algn="r" rtl="0">
               <a:spcBef>
                 <a:spcPts val="0"/>
               </a:spcBef>
@@ -3232,11 +3123,11 @@
 </file>
 
 <file path=ppt/slideLayouts/slideLayout2.xml><?xml version="1.0" encoding="utf-8"?>
-<p:sldLayout xmlns:a="http://schemas.openxmlformats.org/drawingml/2006/main" xmlns:r="http://schemas.openxmlformats.org/officeDocument/2006/relationships" xmlns:mc="http://schemas.openxmlformats.org/markup-compatibility/2006" xmlns:mv="urn:schemas-microsoft-com:mac:vml" xmlns:p="http://schemas.openxmlformats.org/presentationml/2006/main" xmlns:c="http://schemas.openxmlformats.org/drawingml/2006/chart" xmlns:dgm="http://schemas.openxmlformats.org/drawingml/2006/diagram" xmlns:o="urn:schemas-microsoft-com:office:office" xmlns:v="urn:schemas-microsoft-com:vml" xmlns:pvml="urn:schemas-microsoft-com:office:powerpoint" xmlns:com="http://schemas.openxmlformats.org/drawingml/2006/compatibility" xmlns:p14="http://schemas.microsoft.com/office/powerpoint/2010/main" xmlns:p15="http://schemas.microsoft.com/office/powerpoint/2012/main" matchingName="Section header" type="secHead">
+<p:sldLayout xmlns:a="http://schemas.openxmlformats.org/drawingml/2006/main" xmlns:r="http://schemas.openxmlformats.org/officeDocument/2006/relationships" xmlns:p="http://schemas.openxmlformats.org/presentationml/2006/main" matchingName="Section header" type="secHead">
   <p:cSld name="SECTION_HEADER">
     <p:spTree>
       <p:nvGrpSpPr>
-        <p:cNvPr id="19" name="Shape 19"/>
+        <p:cNvPr id="1" name="Shape 19"/>
         <p:cNvGrpSpPr/>
         <p:nvPr/>
       </p:nvGrpSpPr>
@@ -3275,7 +3166,7 @@
             </a:xfrm>
             <a:prstGeom prst="diagStripe">
               <a:avLst>
-                <a:gd fmla="val 49469" name="adj"/>
+                <a:gd name="adj" fmla="val 49469"/>
               </a:avLst>
             </a:prstGeom>
             <a:solidFill>
@@ -3288,12 +3179,12 @@
             </a:ln>
           </p:spPr>
           <p:txBody>
-            <a:bodyPr anchorCtr="0" anchor="ctr" bIns="91425" lIns="91425" spcFirstLastPara="1" rIns="91425" wrap="square" tIns="91425">
+            <a:bodyPr spcFirstLastPara="1" wrap="square" lIns="91425" tIns="91425" rIns="91425" bIns="91425" anchor="ctr" anchorCtr="0">
               <a:noAutofit/>
             </a:bodyPr>
             <a:lstStyle/>
             <a:p>
-              <a:pPr indent="0" lvl="0" marL="0" rtl="0" algn="l">
+              <a:pPr marL="0" lvl="0" indent="0" algn="l" rtl="0">
                 <a:spcBef>
                   <a:spcPts val="0"/>
                 </a:spcBef>
@@ -3302,9 +3193,6 @@
                 </a:spcAft>
                 <a:buNone/>
               </a:pPr>
-              <a:r>
-                <a:t/>
-              </a:r>
               <a:endParaRPr/>
             </a:p>
           </p:txBody>
@@ -3322,7 +3210,7 @@
             </a:xfrm>
             <a:prstGeom prst="diagStripe">
               <a:avLst>
-                <a:gd fmla="val 0" name="adj"/>
+                <a:gd name="adj" fmla="val 0"/>
               </a:avLst>
             </a:prstGeom>
             <a:solidFill>
@@ -3335,12 +3223,12 @@
             </a:ln>
           </p:spPr>
           <p:txBody>
-            <a:bodyPr anchorCtr="0" anchor="ctr" bIns="91425" lIns="91425" spcFirstLastPara="1" rIns="91425" wrap="square" tIns="91425">
+            <a:bodyPr spcFirstLastPara="1" wrap="square" lIns="91425" tIns="91425" rIns="91425" bIns="91425" anchor="ctr" anchorCtr="0">
               <a:noAutofit/>
             </a:bodyPr>
             <a:lstStyle/>
             <a:p>
-              <a:pPr indent="0" lvl="0" marL="0" rtl="0" algn="l">
+              <a:pPr marL="0" lvl="0" indent="0" algn="l" rtl="0">
                 <a:spcBef>
                   <a:spcPts val="0"/>
                 </a:spcBef>
@@ -3349,9 +3237,6 @@
                 </a:spcAft>
                 <a:buNone/>
               </a:pPr>
-              <a:r>
-                <a:t/>
-              </a:r>
               <a:endParaRPr/>
             </a:p>
           </p:txBody>
@@ -3369,7 +3254,7 @@
             </a:xfrm>
             <a:prstGeom prst="diagStripe">
               <a:avLst>
-                <a:gd fmla="val 50000" name="adj"/>
+                <a:gd name="adj" fmla="val 50000"/>
               </a:avLst>
             </a:prstGeom>
             <a:solidFill>
@@ -3382,12 +3267,12 @@
             </a:ln>
           </p:spPr>
           <p:txBody>
-            <a:bodyPr anchorCtr="0" anchor="ctr" bIns="91425" lIns="91425" spcFirstLastPara="1" rIns="91425" wrap="square" tIns="91425">
+            <a:bodyPr spcFirstLastPara="1" wrap="square" lIns="91425" tIns="91425" rIns="91425" bIns="91425" anchor="ctr" anchorCtr="0">
               <a:noAutofit/>
             </a:bodyPr>
             <a:lstStyle/>
             <a:p>
-              <a:pPr indent="0" lvl="0" marL="0" rtl="0" algn="l">
+              <a:pPr marL="0" lvl="0" indent="0" algn="l" rtl="0">
                 <a:spcBef>
                   <a:spcPts val="0"/>
                 </a:spcBef>
@@ -3396,9 +3281,6 @@
                 </a:spcAft>
                 <a:buNone/>
               </a:pPr>
-              <a:r>
-                <a:t/>
-              </a:r>
               <a:endParaRPr/>
             </a:p>
           </p:txBody>
@@ -3416,7 +3298,7 @@
             </a:xfrm>
             <a:prstGeom prst="diagStripe">
               <a:avLst>
-                <a:gd fmla="val 50000" name="adj"/>
+                <a:gd name="adj" fmla="val 50000"/>
               </a:avLst>
             </a:prstGeom>
             <a:solidFill>
@@ -3429,12 +3311,12 @@
             </a:ln>
           </p:spPr>
           <p:txBody>
-            <a:bodyPr anchorCtr="0" anchor="ctr" bIns="91425" lIns="91425" spcFirstLastPara="1" rIns="91425" wrap="square" tIns="91425">
+            <a:bodyPr spcFirstLastPara="1" wrap="square" lIns="91425" tIns="91425" rIns="91425" bIns="91425" anchor="ctr" anchorCtr="0">
               <a:noAutofit/>
             </a:bodyPr>
             <a:lstStyle/>
             <a:p>
-              <a:pPr indent="0" lvl="0" marL="0" rtl="0" algn="l">
+              <a:pPr marL="0" lvl="0" indent="0" algn="l" rtl="0">
                 <a:spcBef>
                   <a:spcPts val="0"/>
                 </a:spcBef>
@@ -3443,9 +3325,6 @@
                 </a:spcAft>
                 <a:buNone/>
               </a:pPr>
-              <a:r>
-                <a:t/>
-              </a:r>
               <a:endParaRPr/>
             </a:p>
           </p:txBody>
@@ -3463,7 +3342,7 @@
             </a:xfrm>
             <a:prstGeom prst="diagStripe">
               <a:avLst>
-                <a:gd fmla="val 50000" name="adj"/>
+                <a:gd name="adj" fmla="val 50000"/>
               </a:avLst>
             </a:prstGeom>
             <a:solidFill>
@@ -3476,12 +3355,12 @@
             </a:ln>
           </p:spPr>
           <p:txBody>
-            <a:bodyPr anchorCtr="0" anchor="ctr" bIns="91425" lIns="91425" spcFirstLastPara="1" rIns="91425" wrap="square" tIns="91425">
+            <a:bodyPr spcFirstLastPara="1" wrap="square" lIns="91425" tIns="91425" rIns="91425" bIns="91425" anchor="ctr" anchorCtr="0">
               <a:noAutofit/>
             </a:bodyPr>
             <a:lstStyle/>
             <a:p>
-              <a:pPr indent="0" lvl="0" marL="0" rtl="0" algn="l">
+              <a:pPr marL="0" lvl="0" indent="0" algn="l" rtl="0">
                 <a:spcBef>
                   <a:spcPts val="0"/>
                 </a:spcBef>
@@ -3490,9 +3369,6 @@
                 </a:spcAft>
                 <a:buNone/>
               </a:pPr>
-              <a:r>
-                <a:t/>
-              </a:r>
               <a:endParaRPr/>
             </a:p>
           </p:txBody>
@@ -3510,7 +3386,7 @@
             </a:xfrm>
             <a:prstGeom prst="diagStripe">
               <a:avLst>
-                <a:gd fmla="val 50000" name="adj"/>
+                <a:gd name="adj" fmla="val 50000"/>
               </a:avLst>
             </a:prstGeom>
             <a:solidFill>
@@ -3523,12 +3399,12 @@
             </a:ln>
           </p:spPr>
           <p:txBody>
-            <a:bodyPr anchorCtr="0" anchor="ctr" bIns="91425" lIns="91425" spcFirstLastPara="1" rIns="91425" wrap="square" tIns="91425">
+            <a:bodyPr spcFirstLastPara="1" wrap="square" lIns="91425" tIns="91425" rIns="91425" bIns="91425" anchor="ctr" anchorCtr="0">
               <a:noAutofit/>
             </a:bodyPr>
             <a:lstStyle/>
             <a:p>
-              <a:pPr indent="0" lvl="0" marL="0" rtl="0" algn="l">
+              <a:pPr marL="0" lvl="0" indent="0" algn="l" rtl="0">
                 <a:spcBef>
                   <a:spcPts val="0"/>
                 </a:spcBef>
@@ -3537,9 +3413,6 @@
                 </a:spcAft>
                 <a:buNone/>
               </a:pPr>
-              <a:r>
-                <a:t/>
-              </a:r>
               <a:endParaRPr/>
             </a:p>
           </p:txBody>
@@ -3557,7 +3430,7 @@
             </a:xfrm>
             <a:prstGeom prst="diagStripe">
               <a:avLst>
-                <a:gd fmla="val 50000" name="adj"/>
+                <a:gd name="adj" fmla="val 50000"/>
               </a:avLst>
             </a:prstGeom>
             <a:solidFill>
@@ -3570,12 +3443,12 @@
             </a:ln>
           </p:spPr>
           <p:txBody>
-            <a:bodyPr anchorCtr="0" anchor="ctr" bIns="91425" lIns="91425" spcFirstLastPara="1" rIns="91425" wrap="square" tIns="91425">
+            <a:bodyPr spcFirstLastPara="1" wrap="square" lIns="91425" tIns="91425" rIns="91425" bIns="91425" anchor="ctr" anchorCtr="0">
               <a:noAutofit/>
             </a:bodyPr>
             <a:lstStyle/>
             <a:p>
-              <a:pPr indent="0" lvl="0" marL="0" rtl="0" algn="l">
+              <a:pPr marL="0" lvl="0" indent="0" algn="l" rtl="0">
                 <a:spcBef>
                   <a:spcPts val="0"/>
                 </a:spcBef>
@@ -3584,9 +3457,6 @@
                 </a:spcAft>
                 <a:buNone/>
               </a:pPr>
-              <a:r>
-                <a:t/>
-              </a:r>
               <a:endParaRPr/>
             </a:p>
           </p:txBody>
@@ -3604,7 +3474,7 @@
             </a:xfrm>
             <a:prstGeom prst="diagStripe">
               <a:avLst>
-                <a:gd fmla="val 50000" name="adj"/>
+                <a:gd name="adj" fmla="val 50000"/>
               </a:avLst>
             </a:prstGeom>
             <a:solidFill>
@@ -3615,12 +3485,12 @@
             </a:ln>
           </p:spPr>
           <p:txBody>
-            <a:bodyPr anchorCtr="0" anchor="ctr" bIns="91425" lIns="91425" spcFirstLastPara="1" rIns="91425" wrap="square" tIns="91425">
+            <a:bodyPr spcFirstLastPara="1" wrap="square" lIns="91425" tIns="91425" rIns="91425" bIns="91425" anchor="ctr" anchorCtr="0">
               <a:noAutofit/>
             </a:bodyPr>
             <a:lstStyle/>
             <a:p>
-              <a:pPr indent="0" lvl="0" marL="0" rtl="0" algn="l">
+              <a:pPr marL="0" lvl="0" indent="0" algn="l" rtl="0">
                 <a:spcBef>
                   <a:spcPts val="0"/>
                 </a:spcBef>
@@ -3629,9 +3499,6 @@
                 </a:spcAft>
                 <a:buNone/>
               </a:pPr>
-              <a:r>
-                <a:t/>
-              </a:r>
               <a:endParaRPr/>
             </a:p>
           </p:txBody>
@@ -3649,7 +3516,7 @@
             </a:xfrm>
             <a:prstGeom prst="diagStripe">
               <a:avLst>
-                <a:gd fmla="val 50000" name="adj"/>
+                <a:gd name="adj" fmla="val 50000"/>
               </a:avLst>
             </a:prstGeom>
             <a:solidFill>
@@ -3662,12 +3529,12 @@
             </a:ln>
           </p:spPr>
           <p:txBody>
-            <a:bodyPr anchorCtr="0" anchor="ctr" bIns="91425" lIns="91425" spcFirstLastPara="1" rIns="91425" wrap="square" tIns="91425">
+            <a:bodyPr spcFirstLastPara="1" wrap="square" lIns="91425" tIns="91425" rIns="91425" bIns="91425" anchor="ctr" anchorCtr="0">
               <a:noAutofit/>
             </a:bodyPr>
             <a:lstStyle/>
             <a:p>
-              <a:pPr indent="0" lvl="0" marL="0" rtl="0" algn="l">
+              <a:pPr marL="0" lvl="0" indent="0" algn="l" rtl="0">
                 <a:spcBef>
                   <a:spcPts val="0"/>
                 </a:spcBef>
@@ -3676,9 +3543,6 @@
                 </a:spcAft>
                 <a:buNone/>
               </a:pPr>
-              <a:r>
-                <a:t/>
-              </a:r>
               <a:endParaRPr/>
             </a:p>
           </p:txBody>
@@ -3696,7 +3560,7 @@
             </a:xfrm>
             <a:prstGeom prst="diagStripe">
               <a:avLst>
-                <a:gd fmla="val 50000" name="adj"/>
+                <a:gd name="adj" fmla="val 50000"/>
               </a:avLst>
             </a:prstGeom>
             <a:solidFill>
@@ -3709,12 +3573,12 @@
             </a:ln>
           </p:spPr>
           <p:txBody>
-            <a:bodyPr anchorCtr="0" anchor="ctr" bIns="91425" lIns="91425" spcFirstLastPara="1" rIns="91425" wrap="square" tIns="91425">
+            <a:bodyPr spcFirstLastPara="1" wrap="square" lIns="91425" tIns="91425" rIns="91425" bIns="91425" anchor="ctr" anchorCtr="0">
               <a:noAutofit/>
             </a:bodyPr>
             <a:lstStyle/>
             <a:p>
-              <a:pPr indent="0" lvl="0" marL="0" rtl="0" algn="l">
+              <a:pPr marL="0" lvl="0" indent="0" algn="l" rtl="0">
                 <a:spcBef>
                   <a:spcPts val="0"/>
                 </a:spcBef>
@@ -3723,9 +3587,6 @@
                 </a:spcAft>
                 <a:buNone/>
               </a:pPr>
-              <a:r>
-                <a:t/>
-              </a:r>
               <a:endParaRPr/>
             </a:p>
           </p:txBody>
@@ -3743,7 +3604,7 @@
             </a:xfrm>
             <a:prstGeom prst="diagStripe">
               <a:avLst>
-                <a:gd fmla="val 50000" name="adj"/>
+                <a:gd name="adj" fmla="val 50000"/>
               </a:avLst>
             </a:prstGeom>
             <a:solidFill>
@@ -3756,12 +3617,12 @@
             </a:ln>
           </p:spPr>
           <p:txBody>
-            <a:bodyPr anchorCtr="0" anchor="ctr" bIns="91425" lIns="91425" spcFirstLastPara="1" rIns="91425" wrap="square" tIns="91425">
+            <a:bodyPr spcFirstLastPara="1" wrap="square" lIns="91425" tIns="91425" rIns="91425" bIns="91425" anchor="ctr" anchorCtr="0">
               <a:noAutofit/>
             </a:bodyPr>
             <a:lstStyle/>
             <a:p>
-              <a:pPr indent="0" lvl="0" marL="0" rtl="0" algn="l">
+              <a:pPr marL="0" lvl="0" indent="0" algn="l" rtl="0">
                 <a:spcBef>
                   <a:spcPts val="0"/>
                 </a:spcBef>
@@ -3770,9 +3631,6 @@
                 </a:spcAft>
                 <a:buNone/>
               </a:pPr>
-              <a:r>
-                <a:t/>
-              </a:r>
               <a:endParaRPr/>
             </a:p>
           </p:txBody>
@@ -3790,7 +3648,7 @@
             </a:xfrm>
             <a:prstGeom prst="diagStripe">
               <a:avLst>
-                <a:gd fmla="val 50000" name="adj"/>
+                <a:gd name="adj" fmla="val 50000"/>
               </a:avLst>
             </a:prstGeom>
             <a:solidFill>
@@ -3803,12 +3661,12 @@
             </a:ln>
           </p:spPr>
           <p:txBody>
-            <a:bodyPr anchorCtr="0" anchor="ctr" bIns="91425" lIns="91425" spcFirstLastPara="1" rIns="91425" wrap="square" tIns="91425">
+            <a:bodyPr spcFirstLastPara="1" wrap="square" lIns="91425" tIns="91425" rIns="91425" bIns="91425" anchor="ctr" anchorCtr="0">
               <a:noAutofit/>
             </a:bodyPr>
             <a:lstStyle/>
             <a:p>
-              <a:pPr indent="0" lvl="0" marL="0" rtl="0" algn="l">
+              <a:pPr marL="0" lvl="0" indent="0" algn="l" rtl="0">
                 <a:spcBef>
                   <a:spcPts val="0"/>
                 </a:spcBef>
@@ -3817,9 +3675,6 @@
                 </a:spcAft>
                 <a:buNone/>
               </a:pPr>
-              <a:r>
-                <a:t/>
-              </a:r>
               <a:endParaRPr/>
             </a:p>
           </p:txBody>
@@ -3837,7 +3692,7 @@
             </a:xfrm>
             <a:prstGeom prst="diagStripe">
               <a:avLst>
-                <a:gd fmla="val 50000" name="adj"/>
+                <a:gd name="adj" fmla="val 50000"/>
               </a:avLst>
             </a:prstGeom>
             <a:solidFill>
@@ -3850,12 +3705,12 @@
             </a:ln>
           </p:spPr>
           <p:txBody>
-            <a:bodyPr anchorCtr="0" anchor="ctr" bIns="91425" lIns="91425" spcFirstLastPara="1" rIns="91425" wrap="square" tIns="91425">
+            <a:bodyPr spcFirstLastPara="1" wrap="square" lIns="91425" tIns="91425" rIns="91425" bIns="91425" anchor="ctr" anchorCtr="0">
               <a:noAutofit/>
             </a:bodyPr>
             <a:lstStyle/>
             <a:p>
-              <a:pPr indent="0" lvl="0" marL="0" rtl="0" algn="l">
+              <a:pPr marL="0" lvl="0" indent="0" algn="l" rtl="0">
                 <a:spcBef>
                   <a:spcPts val="0"/>
                 </a:spcBef>
@@ -3864,9 +3719,6 @@
                 </a:spcAft>
                 <a:buNone/>
               </a:pPr>
-              <a:r>
-                <a:t/>
-              </a:r>
               <a:endParaRPr/>
             </a:p>
           </p:txBody>
@@ -3884,7 +3736,7 @@
             </a:xfrm>
             <a:prstGeom prst="diagStripe">
               <a:avLst>
-                <a:gd fmla="val 50000" name="adj"/>
+                <a:gd name="adj" fmla="val 50000"/>
               </a:avLst>
             </a:prstGeom>
             <a:solidFill>
@@ -3895,12 +3747,12 @@
             </a:ln>
           </p:spPr>
           <p:txBody>
-            <a:bodyPr anchorCtr="0" anchor="ctr" bIns="91425" lIns="91425" spcFirstLastPara="1" rIns="91425" wrap="square" tIns="91425">
+            <a:bodyPr spcFirstLastPara="1" wrap="square" lIns="91425" tIns="91425" rIns="91425" bIns="91425" anchor="ctr" anchorCtr="0">
               <a:noAutofit/>
             </a:bodyPr>
             <a:lstStyle/>
             <a:p>
-              <a:pPr indent="0" lvl="0" marL="0" rtl="0" algn="l">
+              <a:pPr marL="0" lvl="0" indent="0" algn="l" rtl="0">
                 <a:spcBef>
                   <a:spcPts val="0"/>
                 </a:spcBef>
@@ -3909,9 +3761,6 @@
                 </a:spcAft>
                 <a:buNone/>
               </a:pPr>
-              <a:r>
-                <a:t/>
-              </a:r>
               <a:endParaRPr/>
             </a:p>
           </p:txBody>
@@ -3929,7 +3778,7 @@
             </a:xfrm>
             <a:prstGeom prst="diagStripe">
               <a:avLst>
-                <a:gd fmla="val 50000" name="adj"/>
+                <a:gd name="adj" fmla="val 50000"/>
               </a:avLst>
             </a:prstGeom>
             <a:solidFill>
@@ -3942,12 +3791,12 @@
             </a:ln>
           </p:spPr>
           <p:txBody>
-            <a:bodyPr anchorCtr="0" anchor="ctr" bIns="91425" lIns="91425" spcFirstLastPara="1" rIns="91425" wrap="square" tIns="91425">
+            <a:bodyPr spcFirstLastPara="1" wrap="square" lIns="91425" tIns="91425" rIns="91425" bIns="91425" anchor="ctr" anchorCtr="0">
               <a:noAutofit/>
             </a:bodyPr>
             <a:lstStyle/>
             <a:p>
-              <a:pPr indent="0" lvl="0" marL="0" rtl="0" algn="l">
+              <a:pPr marL="0" lvl="0" indent="0" algn="l" rtl="0">
                 <a:spcBef>
                   <a:spcPts val="0"/>
                 </a:spcBef>
@@ -3956,9 +3805,6 @@
                 </a:spcAft>
                 <a:buNone/>
               </a:pPr>
-              <a:r>
-                <a:t/>
-              </a:r>
               <a:endParaRPr/>
             </a:p>
           </p:txBody>
@@ -3976,7 +3822,7 @@
             </a:xfrm>
             <a:prstGeom prst="diagStripe">
               <a:avLst>
-                <a:gd fmla="val 50000" name="adj"/>
+                <a:gd name="adj" fmla="val 50000"/>
               </a:avLst>
             </a:prstGeom>
             <a:solidFill>
@@ -3989,12 +3835,12 @@
             </a:ln>
           </p:spPr>
           <p:txBody>
-            <a:bodyPr anchorCtr="0" anchor="ctr" bIns="91425" lIns="91425" spcFirstLastPara="1" rIns="91425" wrap="square" tIns="91425">
+            <a:bodyPr spcFirstLastPara="1" wrap="square" lIns="91425" tIns="91425" rIns="91425" bIns="91425" anchor="ctr" anchorCtr="0">
               <a:noAutofit/>
             </a:bodyPr>
             <a:lstStyle/>
             <a:p>
-              <a:pPr indent="0" lvl="0" marL="0" rtl="0" algn="l">
+              <a:pPr marL="0" lvl="0" indent="0" algn="l" rtl="0">
                 <a:spcBef>
                   <a:spcPts val="0"/>
                 </a:spcBef>
@@ -4003,9 +3849,6 @@
                 </a:spcAft>
                 <a:buNone/>
               </a:pPr>
-              <a:r>
-                <a:t/>
-              </a:r>
               <a:endParaRPr/>
             </a:p>
           </p:txBody>
@@ -4023,7 +3866,7 @@
             </a:xfrm>
             <a:prstGeom prst="diagStripe">
               <a:avLst>
-                <a:gd fmla="val 50000" name="adj"/>
+                <a:gd name="adj" fmla="val 50000"/>
               </a:avLst>
             </a:prstGeom>
             <a:solidFill>
@@ -4036,12 +3879,12 @@
             </a:ln>
           </p:spPr>
           <p:txBody>
-            <a:bodyPr anchorCtr="0" anchor="ctr" bIns="91425" lIns="91425" spcFirstLastPara="1" rIns="91425" wrap="square" tIns="91425">
+            <a:bodyPr spcFirstLastPara="1" wrap="square" lIns="91425" tIns="91425" rIns="91425" bIns="91425" anchor="ctr" anchorCtr="0">
               <a:noAutofit/>
             </a:bodyPr>
             <a:lstStyle/>
             <a:p>
-              <a:pPr indent="0" lvl="0" marL="0" rtl="0" algn="l">
+              <a:pPr marL="0" lvl="0" indent="0" algn="l" rtl="0">
                 <a:spcBef>
                   <a:spcPts val="0"/>
                 </a:spcBef>
@@ -4050,9 +3893,6 @@
                 </a:spcAft>
                 <a:buNone/>
               </a:pPr>
-              <a:r>
-                <a:t/>
-              </a:r>
               <a:endParaRPr/>
             </a:p>
           </p:txBody>
@@ -4070,7 +3910,7 @@
             </a:xfrm>
             <a:prstGeom prst="diagStripe">
               <a:avLst>
-                <a:gd fmla="val 50000" name="adj"/>
+                <a:gd name="adj" fmla="val 50000"/>
               </a:avLst>
             </a:prstGeom>
             <a:solidFill>
@@ -4083,12 +3923,12 @@
             </a:ln>
           </p:spPr>
           <p:txBody>
-            <a:bodyPr anchorCtr="0" anchor="ctr" bIns="91425" lIns="91425" spcFirstLastPara="1" rIns="91425" wrap="square" tIns="91425">
+            <a:bodyPr spcFirstLastPara="1" wrap="square" lIns="91425" tIns="91425" rIns="91425" bIns="91425" anchor="ctr" anchorCtr="0">
               <a:noAutofit/>
             </a:bodyPr>
             <a:lstStyle/>
             <a:p>
-              <a:pPr indent="0" lvl="0" marL="0" rtl="0" algn="l">
+              <a:pPr marL="0" lvl="0" indent="0" algn="l" rtl="0">
                 <a:spcBef>
                   <a:spcPts val="0"/>
                 </a:spcBef>
@@ -4097,9 +3937,6 @@
                 </a:spcAft>
                 <a:buNone/>
               </a:pPr>
-              <a:r>
-                <a:t/>
-              </a:r>
               <a:endParaRPr/>
             </a:p>
           </p:txBody>
@@ -4108,7 +3945,9 @@
       <p:sp>
         <p:nvSpPr>
           <p:cNvPr id="39" name="Google Shape;39;p3"/>
-          <p:cNvSpPr txBox="1"/>
+          <p:cNvSpPr txBox="1">
+            <a:spLocks noGrp="1"/>
+          </p:cNvSpPr>
           <p:nvPr>
             <p:ph type="title"/>
           </p:nvPr>
@@ -4123,7 +3962,7 @@
           </a:prstGeom>
         </p:spPr>
         <p:txBody>
-          <a:bodyPr anchorCtr="0" anchor="ctr" bIns="91425" lIns="91425" spcFirstLastPara="1" rIns="91425" wrap="square" tIns="91425"/>
+          <a:bodyPr spcFirstLastPara="1" wrap="square" lIns="91425" tIns="91425" rIns="91425" bIns="91425" anchor="ctr" anchorCtr="0"/>
           <a:lstStyle>
             <a:lvl1pPr lvl="0">
               <a:spcBef>
@@ -4225,15 +4064,19 @@
               <a:defRPr/>
             </a:lvl9pPr>
           </a:lstStyle>
-          <a:p/>
+          <a:p>
+            <a:endParaRPr/>
+          </a:p>
         </p:txBody>
       </p:sp>
       <p:sp>
         <p:nvSpPr>
           <p:cNvPr id="40" name="Google Shape;40;p3"/>
-          <p:cNvSpPr txBox="1"/>
+          <p:cNvSpPr txBox="1">
+            <a:spLocks noGrp="1"/>
+          </p:cNvSpPr>
           <p:nvPr>
-            <p:ph idx="12" type="sldNum"/>
+            <p:ph type="sldNum" idx="12"/>
           </p:nvPr>
         </p:nvSpPr>
         <p:spPr>
@@ -4246,7 +4089,7 @@
           </a:prstGeom>
         </p:spPr>
         <p:txBody>
-          <a:bodyPr anchorCtr="0" anchor="ctr" bIns="91425" lIns="91425" spcFirstLastPara="1" rIns="91425" wrap="square" tIns="91425">
+          <a:bodyPr spcFirstLastPara="1" wrap="square" lIns="91425" tIns="91425" rIns="91425" bIns="91425" anchor="ctr" anchorCtr="0">
             <a:noAutofit/>
           </a:bodyPr>
           <a:lstStyle>
@@ -4288,7 +4131,7 @@
             </a:lvl9pPr>
           </a:lstStyle>
           <a:p>
-            <a:pPr indent="0" lvl="0" marL="0" rtl="0" algn="r">
+            <a:pPr marL="0" lvl="0" indent="0" algn="r" rtl="0">
               <a:spcBef>
                 <a:spcPts val="0"/>
               </a:spcBef>
@@ -4314,11 +4157,11 @@
 </file>
 
 <file path=ppt/slideLayouts/slideLayout3.xml><?xml version="1.0" encoding="utf-8"?>
-<p:sldLayout xmlns:a="http://schemas.openxmlformats.org/drawingml/2006/main" xmlns:r="http://schemas.openxmlformats.org/officeDocument/2006/relationships" xmlns:mc="http://schemas.openxmlformats.org/markup-compatibility/2006" xmlns:mv="urn:schemas-microsoft-com:mac:vml" xmlns:p="http://schemas.openxmlformats.org/presentationml/2006/main" xmlns:c="http://schemas.openxmlformats.org/drawingml/2006/chart" xmlns:dgm="http://schemas.openxmlformats.org/drawingml/2006/diagram" xmlns:o="urn:schemas-microsoft-com:office:office" xmlns:v="urn:schemas-microsoft-com:vml" xmlns:pvml="urn:schemas-microsoft-com:office:powerpoint" xmlns:com="http://schemas.openxmlformats.org/drawingml/2006/compatibility" xmlns:p14="http://schemas.microsoft.com/office/powerpoint/2010/main" xmlns:p15="http://schemas.microsoft.com/office/powerpoint/2012/main" matchingName="Title and body" type="tx">
+<p:sldLayout xmlns:a="http://schemas.openxmlformats.org/drawingml/2006/main" xmlns:r="http://schemas.openxmlformats.org/officeDocument/2006/relationships" xmlns:p="http://schemas.openxmlformats.org/presentationml/2006/main" matchingName="Title and body" type="tx">
   <p:cSld name="TITLE_AND_BODY">
     <p:spTree>
       <p:nvGrpSpPr>
-        <p:cNvPr id="41" name="Shape 41"/>
+        <p:cNvPr id="1" name="Shape 41"/>
         <p:cNvGrpSpPr/>
         <p:nvPr/>
       </p:nvGrpSpPr>
@@ -4357,7 +4200,7 @@
             </a:xfrm>
             <a:prstGeom prst="diagStripe">
               <a:avLst>
-                <a:gd fmla="val 50000" name="adj"/>
+                <a:gd name="adj" fmla="val 50000"/>
               </a:avLst>
             </a:prstGeom>
             <a:solidFill>
@@ -4368,12 +4211,12 @@
             </a:ln>
           </p:spPr>
           <p:txBody>
-            <a:bodyPr anchorCtr="0" anchor="ctr" bIns="91425" lIns="91425" spcFirstLastPara="1" rIns="91425" wrap="square" tIns="91425">
+            <a:bodyPr spcFirstLastPara="1" wrap="square" lIns="91425" tIns="91425" rIns="91425" bIns="91425" anchor="ctr" anchorCtr="0">
               <a:noAutofit/>
             </a:bodyPr>
             <a:lstStyle/>
             <a:p>
-              <a:pPr indent="0" lvl="0" marL="0" rtl="0" algn="l">
+              <a:pPr marL="0" lvl="0" indent="0" algn="l" rtl="0">
                 <a:spcBef>
                   <a:spcPts val="0"/>
                 </a:spcBef>
@@ -4382,9 +4225,6 @@
                 </a:spcAft>
                 <a:buNone/>
               </a:pPr>
-              <a:r>
-                <a:t/>
-              </a:r>
               <a:endParaRPr/>
             </a:p>
           </p:txBody>
@@ -4402,7 +4242,7 @@
             </a:xfrm>
             <a:prstGeom prst="diagStripe">
               <a:avLst>
-                <a:gd fmla="val 50000" name="adj"/>
+                <a:gd name="adj" fmla="val 50000"/>
               </a:avLst>
             </a:prstGeom>
             <a:solidFill>
@@ -4413,12 +4253,12 @@
             </a:ln>
           </p:spPr>
           <p:txBody>
-            <a:bodyPr anchorCtr="0" anchor="ctr" bIns="91425" lIns="91425" spcFirstLastPara="1" rIns="91425" wrap="square" tIns="91425">
+            <a:bodyPr spcFirstLastPara="1" wrap="square" lIns="91425" tIns="91425" rIns="91425" bIns="91425" anchor="ctr" anchorCtr="0">
               <a:noAutofit/>
             </a:bodyPr>
             <a:lstStyle/>
             <a:p>
-              <a:pPr indent="0" lvl="0" marL="0" rtl="0" algn="l">
+              <a:pPr marL="0" lvl="0" indent="0" algn="l" rtl="0">
                 <a:spcBef>
                   <a:spcPts val="0"/>
                 </a:spcBef>
@@ -4427,9 +4267,6 @@
                 </a:spcAft>
                 <a:buNone/>
               </a:pPr>
-              <a:r>
-                <a:t/>
-              </a:r>
               <a:endParaRPr/>
             </a:p>
           </p:txBody>
@@ -4438,7 +4275,9 @@
       <p:sp>
         <p:nvSpPr>
           <p:cNvPr id="45" name="Google Shape;45;p4"/>
-          <p:cNvSpPr txBox="1"/>
+          <p:cNvSpPr txBox="1">
+            <a:spLocks noGrp="1"/>
+          </p:cNvSpPr>
           <p:nvPr>
             <p:ph type="title"/>
           </p:nvPr>
@@ -4453,7 +4292,7 @@
           </a:prstGeom>
         </p:spPr>
         <p:txBody>
-          <a:bodyPr anchorCtr="0" anchor="t" bIns="91425" lIns="91425" spcFirstLastPara="1" rIns="91425" wrap="square" tIns="91425"/>
+          <a:bodyPr spcFirstLastPara="1" wrap="square" lIns="91425" tIns="91425" rIns="91425" bIns="91425" anchor="t" anchorCtr="0"/>
           <a:lstStyle>
             <a:lvl1pPr lvl="0">
               <a:spcBef>
@@ -4555,15 +4394,19 @@
               <a:defRPr sz="2400"/>
             </a:lvl9pPr>
           </a:lstStyle>
-          <a:p/>
+          <a:p>
+            <a:endParaRPr/>
+          </a:p>
         </p:txBody>
       </p:sp>
       <p:sp>
         <p:nvSpPr>
           <p:cNvPr id="46" name="Google Shape;46;p4"/>
-          <p:cNvSpPr txBox="1"/>
+          <p:cNvSpPr txBox="1">
+            <a:spLocks noGrp="1"/>
+          </p:cNvSpPr>
           <p:nvPr>
-            <p:ph idx="1" type="body"/>
+            <p:ph type="body" idx="1"/>
           </p:nvPr>
         </p:nvSpPr>
         <p:spPr>
@@ -4576,9 +4419,9 @@
           </a:prstGeom>
         </p:spPr>
         <p:txBody>
-          <a:bodyPr anchorCtr="0" anchor="t" bIns="91425" lIns="91425" spcFirstLastPara="1" rIns="91425" wrap="square" tIns="91425"/>
+          <a:bodyPr spcFirstLastPara="1" wrap="square" lIns="91425" tIns="91425" rIns="91425" bIns="91425" anchor="t" anchorCtr="0"/>
           <a:lstStyle>
-            <a:lvl1pPr indent="-311150" lvl="0" marL="457200">
+            <a:lvl1pPr marL="457200" lvl="0" indent="-311150">
               <a:spcBef>
                 <a:spcPts val="0"/>
               </a:spcBef>
@@ -4589,7 +4432,7 @@
               <a:buChar char="●"/>
               <a:defRPr/>
             </a:lvl1pPr>
-            <a:lvl2pPr indent="-298450" lvl="1" marL="914400">
+            <a:lvl2pPr marL="914400" lvl="1" indent="-298450">
               <a:spcBef>
                 <a:spcPts val="1600"/>
               </a:spcBef>
@@ -4600,7 +4443,7 @@
               <a:buChar char="○"/>
               <a:defRPr/>
             </a:lvl2pPr>
-            <a:lvl3pPr indent="-298450" lvl="2" marL="1371600">
+            <a:lvl3pPr marL="1371600" lvl="2" indent="-298450">
               <a:spcBef>
                 <a:spcPts val="1600"/>
               </a:spcBef>
@@ -4611,7 +4454,7 @@
               <a:buChar char="■"/>
               <a:defRPr/>
             </a:lvl3pPr>
-            <a:lvl4pPr indent="-298450" lvl="3" marL="1828800">
+            <a:lvl4pPr marL="1828800" lvl="3" indent="-298450">
               <a:spcBef>
                 <a:spcPts val="1600"/>
               </a:spcBef>
@@ -4622,7 +4465,7 @@
               <a:buChar char="●"/>
               <a:defRPr/>
             </a:lvl4pPr>
-            <a:lvl5pPr indent="-298450" lvl="4" marL="2286000">
+            <a:lvl5pPr marL="2286000" lvl="4" indent="-298450">
               <a:spcBef>
                 <a:spcPts val="1600"/>
               </a:spcBef>
@@ -4633,7 +4476,7 @@
               <a:buChar char="○"/>
               <a:defRPr/>
             </a:lvl5pPr>
-            <a:lvl6pPr indent="-298450" lvl="5" marL="2743200">
+            <a:lvl6pPr marL="2743200" lvl="5" indent="-298450">
               <a:spcBef>
                 <a:spcPts val="1600"/>
               </a:spcBef>
@@ -4644,7 +4487,7 @@
               <a:buChar char="■"/>
               <a:defRPr/>
             </a:lvl6pPr>
-            <a:lvl7pPr indent="-298450" lvl="6" marL="3200400">
+            <a:lvl7pPr marL="3200400" lvl="6" indent="-298450">
               <a:spcBef>
                 <a:spcPts val="1600"/>
               </a:spcBef>
@@ -4655,7 +4498,7 @@
               <a:buChar char="●"/>
               <a:defRPr/>
             </a:lvl7pPr>
-            <a:lvl8pPr indent="-298450" lvl="7" marL="3657600">
+            <a:lvl8pPr marL="3657600" lvl="7" indent="-298450">
               <a:spcBef>
                 <a:spcPts val="1600"/>
               </a:spcBef>
@@ -4666,7 +4509,7 @@
               <a:buChar char="○"/>
               <a:defRPr/>
             </a:lvl8pPr>
-            <a:lvl9pPr indent="-298450" lvl="8" marL="4114800">
+            <a:lvl9pPr marL="4114800" lvl="8" indent="-298450">
               <a:spcBef>
                 <a:spcPts val="1600"/>
               </a:spcBef>
@@ -4678,15 +4521,19 @@
               <a:defRPr/>
             </a:lvl9pPr>
           </a:lstStyle>
-          <a:p/>
+          <a:p>
+            <a:endParaRPr/>
+          </a:p>
         </p:txBody>
       </p:sp>
       <p:sp>
         <p:nvSpPr>
           <p:cNvPr id="47" name="Google Shape;47;p4"/>
-          <p:cNvSpPr txBox="1"/>
+          <p:cNvSpPr txBox="1">
+            <a:spLocks noGrp="1"/>
+          </p:cNvSpPr>
           <p:nvPr>
-            <p:ph idx="12" type="sldNum"/>
+            <p:ph type="sldNum" idx="12"/>
           </p:nvPr>
         </p:nvSpPr>
         <p:spPr>
@@ -4699,7 +4546,7 @@
           </a:prstGeom>
         </p:spPr>
         <p:txBody>
-          <a:bodyPr anchorCtr="0" anchor="ctr" bIns="91425" lIns="91425" spcFirstLastPara="1" rIns="91425" wrap="square" tIns="91425">
+          <a:bodyPr spcFirstLastPara="1" wrap="square" lIns="91425" tIns="91425" rIns="91425" bIns="91425" anchor="ctr" anchorCtr="0">
             <a:noAutofit/>
           </a:bodyPr>
           <a:lstStyle>
@@ -4741,7 +4588,7 @@
             </a:lvl9pPr>
           </a:lstStyle>
           <a:p>
-            <a:pPr indent="0" lvl="0" marL="0" rtl="0" algn="r">
+            <a:pPr marL="0" lvl="0" indent="0" algn="r" rtl="0">
               <a:spcBef>
                 <a:spcPts val="0"/>
               </a:spcBef>
@@ -4767,11 +4614,11 @@
 </file>
 
 <file path=ppt/slideLayouts/slideLayout4.xml><?xml version="1.0" encoding="utf-8"?>
-<p:sldLayout xmlns:a="http://schemas.openxmlformats.org/drawingml/2006/main" xmlns:r="http://schemas.openxmlformats.org/officeDocument/2006/relationships" xmlns:mc="http://schemas.openxmlformats.org/markup-compatibility/2006" xmlns:mv="urn:schemas-microsoft-com:mac:vml" xmlns:p="http://schemas.openxmlformats.org/presentationml/2006/main" xmlns:c="http://schemas.openxmlformats.org/drawingml/2006/chart" xmlns:dgm="http://schemas.openxmlformats.org/drawingml/2006/diagram" xmlns:o="urn:schemas-microsoft-com:office:office" xmlns:v="urn:schemas-microsoft-com:vml" xmlns:pvml="urn:schemas-microsoft-com:office:powerpoint" xmlns:com="http://schemas.openxmlformats.org/drawingml/2006/compatibility" xmlns:p14="http://schemas.microsoft.com/office/powerpoint/2010/main" xmlns:p15="http://schemas.microsoft.com/office/powerpoint/2012/main" matchingName="Title and two columns" type="twoColTx">
+<p:sldLayout xmlns:a="http://schemas.openxmlformats.org/drawingml/2006/main" xmlns:r="http://schemas.openxmlformats.org/officeDocument/2006/relationships" xmlns:p="http://schemas.openxmlformats.org/presentationml/2006/main" matchingName="Title and two columns" type="twoColTx">
   <p:cSld name="TITLE_AND_TWO_COLUMNS">
     <p:spTree>
       <p:nvGrpSpPr>
-        <p:cNvPr id="48" name="Shape 48"/>
+        <p:cNvPr id="1" name="Shape 48"/>
         <p:cNvGrpSpPr/>
         <p:nvPr/>
       </p:nvGrpSpPr>
@@ -4810,7 +4657,7 @@
             </a:xfrm>
             <a:prstGeom prst="diagStripe">
               <a:avLst>
-                <a:gd fmla="val 50000" name="adj"/>
+                <a:gd name="adj" fmla="val 50000"/>
               </a:avLst>
             </a:prstGeom>
             <a:solidFill>
@@ -4821,12 +4668,12 @@
             </a:ln>
           </p:spPr>
           <p:txBody>
-            <a:bodyPr anchorCtr="0" anchor="ctr" bIns="91425" lIns="91425" spcFirstLastPara="1" rIns="91425" wrap="square" tIns="91425">
+            <a:bodyPr spcFirstLastPara="1" wrap="square" lIns="91425" tIns="91425" rIns="91425" bIns="91425" anchor="ctr" anchorCtr="0">
               <a:noAutofit/>
             </a:bodyPr>
             <a:lstStyle/>
             <a:p>
-              <a:pPr indent="0" lvl="0" marL="0" rtl="0" algn="l">
+              <a:pPr marL="0" lvl="0" indent="0" algn="l" rtl="0">
                 <a:spcBef>
                   <a:spcPts val="0"/>
                 </a:spcBef>
@@ -4835,9 +4682,6 @@
                 </a:spcAft>
                 <a:buNone/>
               </a:pPr>
-              <a:r>
-                <a:t/>
-              </a:r>
               <a:endParaRPr/>
             </a:p>
           </p:txBody>
@@ -4855,7 +4699,7 @@
             </a:xfrm>
             <a:prstGeom prst="diagStripe">
               <a:avLst>
-                <a:gd fmla="val 50000" name="adj"/>
+                <a:gd name="adj" fmla="val 50000"/>
               </a:avLst>
             </a:prstGeom>
             <a:solidFill>
@@ -4866,12 +4710,12 @@
             </a:ln>
           </p:spPr>
           <p:txBody>
-            <a:bodyPr anchorCtr="0" anchor="ctr" bIns="91425" lIns="91425" spcFirstLastPara="1" rIns="91425" wrap="square" tIns="91425">
+            <a:bodyPr spcFirstLastPara="1" wrap="square" lIns="91425" tIns="91425" rIns="91425" bIns="91425" anchor="ctr" anchorCtr="0">
               <a:noAutofit/>
             </a:bodyPr>
             <a:lstStyle/>
             <a:p>
-              <a:pPr indent="0" lvl="0" marL="0" rtl="0" algn="l">
+              <a:pPr marL="0" lvl="0" indent="0" algn="l" rtl="0">
                 <a:spcBef>
                   <a:spcPts val="0"/>
                 </a:spcBef>
@@ -4880,9 +4724,6 @@
                 </a:spcAft>
                 <a:buNone/>
               </a:pPr>
-              <a:r>
-                <a:t/>
-              </a:r>
               <a:endParaRPr/>
             </a:p>
           </p:txBody>
@@ -4891,7 +4732,9 @@
       <p:sp>
         <p:nvSpPr>
           <p:cNvPr id="52" name="Google Shape;52;p5"/>
-          <p:cNvSpPr txBox="1"/>
+          <p:cNvSpPr txBox="1">
+            <a:spLocks noGrp="1"/>
+          </p:cNvSpPr>
           <p:nvPr>
             <p:ph type="title"/>
           </p:nvPr>
@@ -4906,7 +4749,7 @@
           </a:prstGeom>
         </p:spPr>
         <p:txBody>
-          <a:bodyPr anchorCtr="0" anchor="t" bIns="91425" lIns="91425" spcFirstLastPara="1" rIns="91425" wrap="square" tIns="91425"/>
+          <a:bodyPr spcFirstLastPara="1" wrap="square" lIns="91425" tIns="91425" rIns="91425" bIns="91425" anchor="t" anchorCtr="0"/>
           <a:lstStyle>
             <a:lvl1pPr lvl="0">
               <a:spcBef>
@@ -5008,15 +4851,19 @@
               <a:defRPr sz="2400"/>
             </a:lvl9pPr>
           </a:lstStyle>
-          <a:p/>
+          <a:p>
+            <a:endParaRPr/>
+          </a:p>
         </p:txBody>
       </p:sp>
       <p:sp>
         <p:nvSpPr>
           <p:cNvPr id="53" name="Google Shape;53;p5"/>
-          <p:cNvSpPr txBox="1"/>
+          <p:cNvSpPr txBox="1">
+            <a:spLocks noGrp="1"/>
+          </p:cNvSpPr>
           <p:nvPr>
-            <p:ph idx="1" type="body"/>
+            <p:ph type="body" idx="1"/>
           </p:nvPr>
         </p:nvSpPr>
         <p:spPr>
@@ -5029,9 +4876,9 @@
           </a:prstGeom>
         </p:spPr>
         <p:txBody>
-          <a:bodyPr anchorCtr="0" anchor="t" bIns="91425" lIns="91425" spcFirstLastPara="1" rIns="91425" wrap="square" tIns="91425"/>
+          <a:bodyPr spcFirstLastPara="1" wrap="square" lIns="91425" tIns="91425" rIns="91425" bIns="91425" anchor="t" anchorCtr="0"/>
           <a:lstStyle>
-            <a:lvl1pPr indent="-311150" lvl="0" marL="457200">
+            <a:lvl1pPr marL="457200" lvl="0" indent="-311150">
               <a:spcBef>
                 <a:spcPts val="0"/>
               </a:spcBef>
@@ -5042,7 +4889,7 @@
               <a:buChar char="●"/>
               <a:defRPr/>
             </a:lvl1pPr>
-            <a:lvl2pPr indent="-298450" lvl="1" marL="914400">
+            <a:lvl2pPr marL="914400" lvl="1" indent="-298450">
               <a:spcBef>
                 <a:spcPts val="1600"/>
               </a:spcBef>
@@ -5053,7 +4900,7 @@
               <a:buChar char="○"/>
               <a:defRPr/>
             </a:lvl2pPr>
-            <a:lvl3pPr indent="-298450" lvl="2" marL="1371600">
+            <a:lvl3pPr marL="1371600" lvl="2" indent="-298450">
               <a:spcBef>
                 <a:spcPts val="1600"/>
               </a:spcBef>
@@ -5064,7 +4911,7 @@
               <a:buChar char="■"/>
               <a:defRPr/>
             </a:lvl3pPr>
-            <a:lvl4pPr indent="-298450" lvl="3" marL="1828800">
+            <a:lvl4pPr marL="1828800" lvl="3" indent="-298450">
               <a:spcBef>
                 <a:spcPts val="1600"/>
               </a:spcBef>
@@ -5075,7 +4922,7 @@
               <a:buChar char="●"/>
               <a:defRPr/>
             </a:lvl4pPr>
-            <a:lvl5pPr indent="-298450" lvl="4" marL="2286000">
+            <a:lvl5pPr marL="2286000" lvl="4" indent="-298450">
               <a:spcBef>
                 <a:spcPts val="1600"/>
               </a:spcBef>
@@ -5086,7 +4933,7 @@
               <a:buChar char="○"/>
               <a:defRPr/>
             </a:lvl5pPr>
-            <a:lvl6pPr indent="-298450" lvl="5" marL="2743200">
+            <a:lvl6pPr marL="2743200" lvl="5" indent="-298450">
               <a:spcBef>
                 <a:spcPts val="1600"/>
               </a:spcBef>
@@ -5097,7 +4944,7 @@
               <a:buChar char="■"/>
               <a:defRPr/>
             </a:lvl6pPr>
-            <a:lvl7pPr indent="-298450" lvl="6" marL="3200400">
+            <a:lvl7pPr marL="3200400" lvl="6" indent="-298450">
               <a:spcBef>
                 <a:spcPts val="1600"/>
               </a:spcBef>
@@ -5108,7 +4955,7 @@
               <a:buChar char="●"/>
               <a:defRPr/>
             </a:lvl7pPr>
-            <a:lvl8pPr indent="-298450" lvl="7" marL="3657600">
+            <a:lvl8pPr marL="3657600" lvl="7" indent="-298450">
               <a:spcBef>
                 <a:spcPts val="1600"/>
               </a:spcBef>
@@ -5119,7 +4966,7 @@
               <a:buChar char="○"/>
               <a:defRPr/>
             </a:lvl8pPr>
-            <a:lvl9pPr indent="-298450" lvl="8" marL="4114800">
+            <a:lvl9pPr marL="4114800" lvl="8" indent="-298450">
               <a:spcBef>
                 <a:spcPts val="1600"/>
               </a:spcBef>
@@ -5131,15 +4978,19 @@
               <a:defRPr/>
             </a:lvl9pPr>
           </a:lstStyle>
-          <a:p/>
+          <a:p>
+            <a:endParaRPr/>
+          </a:p>
         </p:txBody>
       </p:sp>
       <p:sp>
         <p:nvSpPr>
           <p:cNvPr id="54" name="Google Shape;54;p5"/>
-          <p:cNvSpPr txBox="1"/>
+          <p:cNvSpPr txBox="1">
+            <a:spLocks noGrp="1"/>
+          </p:cNvSpPr>
           <p:nvPr>
-            <p:ph idx="2" type="body"/>
+            <p:ph type="body" idx="2"/>
           </p:nvPr>
         </p:nvSpPr>
         <p:spPr>
@@ -5152,9 +5003,9 @@
           </a:prstGeom>
         </p:spPr>
         <p:txBody>
-          <a:bodyPr anchorCtr="0" anchor="t" bIns="91425" lIns="91425" spcFirstLastPara="1" rIns="91425" wrap="square" tIns="91425"/>
+          <a:bodyPr spcFirstLastPara="1" wrap="square" lIns="91425" tIns="91425" rIns="91425" bIns="91425" anchor="t" anchorCtr="0"/>
           <a:lstStyle>
-            <a:lvl1pPr indent="-311150" lvl="0" marL="457200">
+            <a:lvl1pPr marL="457200" lvl="0" indent="-311150">
               <a:spcBef>
                 <a:spcPts val="0"/>
               </a:spcBef>
@@ -5165,7 +5016,7 @@
               <a:buChar char="●"/>
               <a:defRPr/>
             </a:lvl1pPr>
-            <a:lvl2pPr indent="-298450" lvl="1" marL="914400">
+            <a:lvl2pPr marL="914400" lvl="1" indent="-298450">
               <a:spcBef>
                 <a:spcPts val="1600"/>
               </a:spcBef>
@@ -5176,7 +5027,7 @@
               <a:buChar char="○"/>
               <a:defRPr/>
             </a:lvl2pPr>
-            <a:lvl3pPr indent="-298450" lvl="2" marL="1371600">
+            <a:lvl3pPr marL="1371600" lvl="2" indent="-298450">
               <a:spcBef>
                 <a:spcPts val="1600"/>
               </a:spcBef>
@@ -5187,7 +5038,7 @@
               <a:buChar char="■"/>
               <a:defRPr/>
             </a:lvl3pPr>
-            <a:lvl4pPr indent="-298450" lvl="3" marL="1828800">
+            <a:lvl4pPr marL="1828800" lvl="3" indent="-298450">
               <a:spcBef>
                 <a:spcPts val="1600"/>
               </a:spcBef>
@@ -5198,7 +5049,7 @@
               <a:buChar char="●"/>
               <a:defRPr/>
             </a:lvl4pPr>
-            <a:lvl5pPr indent="-298450" lvl="4" marL="2286000">
+            <a:lvl5pPr marL="2286000" lvl="4" indent="-298450">
               <a:spcBef>
                 <a:spcPts val="1600"/>
               </a:spcBef>
@@ -5209,7 +5060,7 @@
               <a:buChar char="○"/>
               <a:defRPr/>
             </a:lvl5pPr>
-            <a:lvl6pPr indent="-298450" lvl="5" marL="2743200">
+            <a:lvl6pPr marL="2743200" lvl="5" indent="-298450">
               <a:spcBef>
                 <a:spcPts val="1600"/>
               </a:spcBef>
@@ -5220,7 +5071,7 @@
               <a:buChar char="■"/>
               <a:defRPr/>
             </a:lvl6pPr>
-            <a:lvl7pPr indent="-298450" lvl="6" marL="3200400">
+            <a:lvl7pPr marL="3200400" lvl="6" indent="-298450">
               <a:spcBef>
                 <a:spcPts val="1600"/>
               </a:spcBef>
@@ -5231,7 +5082,7 @@
               <a:buChar char="●"/>
               <a:defRPr/>
             </a:lvl7pPr>
-            <a:lvl8pPr indent="-298450" lvl="7" marL="3657600">
+            <a:lvl8pPr marL="3657600" lvl="7" indent="-298450">
               <a:spcBef>
                 <a:spcPts val="1600"/>
               </a:spcBef>
@@ -5242,7 +5093,7 @@
               <a:buChar char="○"/>
               <a:defRPr/>
             </a:lvl8pPr>
-            <a:lvl9pPr indent="-298450" lvl="8" marL="4114800">
+            <a:lvl9pPr marL="4114800" lvl="8" indent="-298450">
               <a:spcBef>
                 <a:spcPts val="1600"/>
               </a:spcBef>
@@ -5254,15 +5105,19 @@
               <a:defRPr/>
             </a:lvl9pPr>
           </a:lstStyle>
-          <a:p/>
+          <a:p>
+            <a:endParaRPr/>
+          </a:p>
         </p:txBody>
       </p:sp>
       <p:sp>
         <p:nvSpPr>
           <p:cNvPr id="55" name="Google Shape;55;p5"/>
-          <p:cNvSpPr txBox="1"/>
+          <p:cNvSpPr txBox="1">
+            <a:spLocks noGrp="1"/>
+          </p:cNvSpPr>
           <p:nvPr>
-            <p:ph idx="12" type="sldNum"/>
+            <p:ph type="sldNum" idx="12"/>
           </p:nvPr>
         </p:nvSpPr>
         <p:spPr>
@@ -5275,7 +5130,7 @@
           </a:prstGeom>
         </p:spPr>
         <p:txBody>
-          <a:bodyPr anchorCtr="0" anchor="ctr" bIns="91425" lIns="91425" spcFirstLastPara="1" rIns="91425" wrap="square" tIns="91425">
+          <a:bodyPr spcFirstLastPara="1" wrap="square" lIns="91425" tIns="91425" rIns="91425" bIns="91425" anchor="ctr" anchorCtr="0">
             <a:noAutofit/>
           </a:bodyPr>
           <a:lstStyle>
@@ -5317,7 +5172,7 @@
             </a:lvl9pPr>
           </a:lstStyle>
           <a:p>
-            <a:pPr indent="0" lvl="0" marL="0" rtl="0" algn="r">
+            <a:pPr marL="0" lvl="0" indent="0" algn="r" rtl="0">
               <a:spcBef>
                 <a:spcPts val="0"/>
               </a:spcBef>
@@ -5343,11 +5198,11 @@
 </file>
 
 <file path=ppt/slideLayouts/slideLayout5.xml><?xml version="1.0" encoding="utf-8"?>
-<p:sldLayout xmlns:a="http://schemas.openxmlformats.org/drawingml/2006/main" xmlns:r="http://schemas.openxmlformats.org/officeDocument/2006/relationships" xmlns:mc="http://schemas.openxmlformats.org/markup-compatibility/2006" xmlns:mv="urn:schemas-microsoft-com:mac:vml" xmlns:p="http://schemas.openxmlformats.org/presentationml/2006/main" xmlns:c="http://schemas.openxmlformats.org/drawingml/2006/chart" xmlns:dgm="http://schemas.openxmlformats.org/drawingml/2006/diagram" xmlns:o="urn:schemas-microsoft-com:office:office" xmlns:v="urn:schemas-microsoft-com:vml" xmlns:pvml="urn:schemas-microsoft-com:office:powerpoint" xmlns:com="http://schemas.openxmlformats.org/drawingml/2006/compatibility" xmlns:p14="http://schemas.microsoft.com/office/powerpoint/2010/main" xmlns:p15="http://schemas.microsoft.com/office/powerpoint/2012/main" matchingName="Title only" type="titleOnly">
+<p:sldLayout xmlns:a="http://schemas.openxmlformats.org/drawingml/2006/main" xmlns:r="http://schemas.openxmlformats.org/officeDocument/2006/relationships" xmlns:p="http://schemas.openxmlformats.org/presentationml/2006/main" matchingName="Title only" type="titleOnly">
   <p:cSld name="TITLE_ONLY">
     <p:spTree>
       <p:nvGrpSpPr>
-        <p:cNvPr id="56" name="Shape 56"/>
+        <p:cNvPr id="1" name="Shape 56"/>
         <p:cNvGrpSpPr/>
         <p:nvPr/>
       </p:nvGrpSpPr>
@@ -5386,7 +5241,7 @@
             </a:xfrm>
             <a:prstGeom prst="diagStripe">
               <a:avLst>
-                <a:gd fmla="val 50000" name="adj"/>
+                <a:gd name="adj" fmla="val 50000"/>
               </a:avLst>
             </a:prstGeom>
             <a:solidFill>
@@ -5397,12 +5252,12 @@
             </a:ln>
           </p:spPr>
           <p:txBody>
-            <a:bodyPr anchorCtr="0" anchor="ctr" bIns="91425" lIns="91425" spcFirstLastPara="1" rIns="91425" wrap="square" tIns="91425">
+            <a:bodyPr spcFirstLastPara="1" wrap="square" lIns="91425" tIns="91425" rIns="91425" bIns="91425" anchor="ctr" anchorCtr="0">
               <a:noAutofit/>
             </a:bodyPr>
             <a:lstStyle/>
             <a:p>
-              <a:pPr indent="0" lvl="0" marL="0" rtl="0" algn="l">
+              <a:pPr marL="0" lvl="0" indent="0" algn="l" rtl="0">
                 <a:spcBef>
                   <a:spcPts val="0"/>
                 </a:spcBef>
@@ -5411,9 +5266,6 @@
                 </a:spcAft>
                 <a:buNone/>
               </a:pPr>
-              <a:r>
-                <a:t/>
-              </a:r>
               <a:endParaRPr/>
             </a:p>
           </p:txBody>
@@ -5431,7 +5283,7 @@
             </a:xfrm>
             <a:prstGeom prst="diagStripe">
               <a:avLst>
-                <a:gd fmla="val 50000" name="adj"/>
+                <a:gd name="adj" fmla="val 50000"/>
               </a:avLst>
             </a:prstGeom>
             <a:solidFill>
@@ -5442,12 +5294,12 @@
             </a:ln>
           </p:spPr>
           <p:txBody>
-            <a:bodyPr anchorCtr="0" anchor="ctr" bIns="91425" lIns="91425" spcFirstLastPara="1" rIns="91425" wrap="square" tIns="91425">
+            <a:bodyPr spcFirstLastPara="1" wrap="square" lIns="91425" tIns="91425" rIns="91425" bIns="91425" anchor="ctr" anchorCtr="0">
               <a:noAutofit/>
             </a:bodyPr>
             <a:lstStyle/>
             <a:p>
-              <a:pPr indent="0" lvl="0" marL="0" rtl="0" algn="l">
+              <a:pPr marL="0" lvl="0" indent="0" algn="l" rtl="0">
                 <a:spcBef>
                   <a:spcPts val="0"/>
                 </a:spcBef>
@@ -5456,9 +5308,6 @@
                 </a:spcAft>
                 <a:buNone/>
               </a:pPr>
-              <a:r>
-                <a:t/>
-              </a:r>
               <a:endParaRPr/>
             </a:p>
           </p:txBody>
@@ -5467,7 +5316,9 @@
       <p:sp>
         <p:nvSpPr>
           <p:cNvPr id="60" name="Google Shape;60;p6"/>
-          <p:cNvSpPr txBox="1"/>
+          <p:cNvSpPr txBox="1">
+            <a:spLocks noGrp="1"/>
+          </p:cNvSpPr>
           <p:nvPr>
             <p:ph type="title"/>
           </p:nvPr>
@@ -5482,7 +5333,7 @@
           </a:prstGeom>
         </p:spPr>
         <p:txBody>
-          <a:bodyPr anchorCtr="0" anchor="t" bIns="91425" lIns="91425" spcFirstLastPara="1" rIns="91425" wrap="square" tIns="91425"/>
+          <a:bodyPr spcFirstLastPara="1" wrap="square" lIns="91425" tIns="91425" rIns="91425" bIns="91425" anchor="t" anchorCtr="0"/>
           <a:lstStyle>
             <a:lvl1pPr lvl="0">
               <a:spcBef>
@@ -5584,15 +5435,19 @@
               <a:defRPr sz="2400"/>
             </a:lvl9pPr>
           </a:lstStyle>
-          <a:p/>
+          <a:p>
+            <a:endParaRPr/>
+          </a:p>
         </p:txBody>
       </p:sp>
       <p:sp>
         <p:nvSpPr>
           <p:cNvPr id="61" name="Google Shape;61;p6"/>
-          <p:cNvSpPr txBox="1"/>
+          <p:cNvSpPr txBox="1">
+            <a:spLocks noGrp="1"/>
+          </p:cNvSpPr>
           <p:nvPr>
-            <p:ph idx="12" type="sldNum"/>
+            <p:ph type="sldNum" idx="12"/>
           </p:nvPr>
         </p:nvSpPr>
         <p:spPr>
@@ -5605,7 +5460,7 @@
           </a:prstGeom>
         </p:spPr>
         <p:txBody>
-          <a:bodyPr anchorCtr="0" anchor="ctr" bIns="91425" lIns="91425" spcFirstLastPara="1" rIns="91425" wrap="square" tIns="91425">
+          <a:bodyPr spcFirstLastPara="1" wrap="square" lIns="91425" tIns="91425" rIns="91425" bIns="91425" anchor="ctr" anchorCtr="0">
             <a:noAutofit/>
           </a:bodyPr>
           <a:lstStyle>
@@ -5647,7 +5502,7 @@
             </a:lvl9pPr>
           </a:lstStyle>
           <a:p>
-            <a:pPr indent="0" lvl="0" marL="0" rtl="0" algn="r">
+            <a:pPr marL="0" lvl="0" indent="0" algn="r" rtl="0">
               <a:spcBef>
                 <a:spcPts val="0"/>
               </a:spcBef>
@@ -5673,11 +5528,11 @@
 </file>
 
 <file path=ppt/slideLayouts/slideLayout6.xml><?xml version="1.0" encoding="utf-8"?>
-<p:sldLayout xmlns:a="http://schemas.openxmlformats.org/drawingml/2006/main" xmlns:r="http://schemas.openxmlformats.org/officeDocument/2006/relationships" xmlns:mc="http://schemas.openxmlformats.org/markup-compatibility/2006" xmlns:mv="urn:schemas-microsoft-com:mac:vml" xmlns:p="http://schemas.openxmlformats.org/presentationml/2006/main" xmlns:c="http://schemas.openxmlformats.org/drawingml/2006/chart" xmlns:dgm="http://schemas.openxmlformats.org/drawingml/2006/diagram" xmlns:o="urn:schemas-microsoft-com:office:office" xmlns:v="urn:schemas-microsoft-com:vml" xmlns:pvml="urn:schemas-microsoft-com:office:powerpoint" xmlns:com="http://schemas.openxmlformats.org/drawingml/2006/compatibility" xmlns:p14="http://schemas.microsoft.com/office/powerpoint/2010/main" xmlns:p15="http://schemas.microsoft.com/office/powerpoint/2012/main" matchingName="One column text">
+<p:sldLayout xmlns:a="http://schemas.openxmlformats.org/drawingml/2006/main" xmlns:r="http://schemas.openxmlformats.org/officeDocument/2006/relationships" xmlns:p="http://schemas.openxmlformats.org/presentationml/2006/main" matchingName="One column text">
   <p:cSld name="ONE_COLUMN_TEXT">
     <p:spTree>
       <p:nvGrpSpPr>
-        <p:cNvPr id="62" name="Shape 62"/>
+        <p:cNvPr id="1" name="Shape 62"/>
         <p:cNvGrpSpPr/>
         <p:nvPr/>
       </p:nvGrpSpPr>
@@ -5716,7 +5571,7 @@
             </a:xfrm>
             <a:prstGeom prst="diagStripe">
               <a:avLst>
-                <a:gd fmla="val 50000" name="adj"/>
+                <a:gd name="adj" fmla="val 50000"/>
               </a:avLst>
             </a:prstGeom>
             <a:solidFill>
@@ -5727,12 +5582,12 @@
             </a:ln>
           </p:spPr>
           <p:txBody>
-            <a:bodyPr anchorCtr="0" anchor="ctr" bIns="91425" lIns="91425" spcFirstLastPara="1" rIns="91425" wrap="square" tIns="91425">
+            <a:bodyPr spcFirstLastPara="1" wrap="square" lIns="91425" tIns="91425" rIns="91425" bIns="91425" anchor="ctr" anchorCtr="0">
               <a:noAutofit/>
             </a:bodyPr>
             <a:lstStyle/>
             <a:p>
-              <a:pPr indent="0" lvl="0" marL="0" rtl="0" algn="l">
+              <a:pPr marL="0" lvl="0" indent="0" algn="l" rtl="0">
                 <a:spcBef>
                   <a:spcPts val="0"/>
                 </a:spcBef>
@@ -5741,9 +5596,6 @@
                 </a:spcAft>
                 <a:buNone/>
               </a:pPr>
-              <a:r>
-                <a:t/>
-              </a:r>
               <a:endParaRPr/>
             </a:p>
           </p:txBody>
@@ -5761,7 +5613,7 @@
             </a:xfrm>
             <a:prstGeom prst="diagStripe">
               <a:avLst>
-                <a:gd fmla="val 50000" name="adj"/>
+                <a:gd name="adj" fmla="val 50000"/>
               </a:avLst>
             </a:prstGeom>
             <a:solidFill>
@@ -5772,12 +5624,12 @@
             </a:ln>
           </p:spPr>
           <p:txBody>
-            <a:bodyPr anchorCtr="0" anchor="ctr" bIns="91425" lIns="91425" spcFirstLastPara="1" rIns="91425" wrap="square" tIns="91425">
+            <a:bodyPr spcFirstLastPara="1" wrap="square" lIns="91425" tIns="91425" rIns="91425" bIns="91425" anchor="ctr" anchorCtr="0">
               <a:noAutofit/>
             </a:bodyPr>
             <a:lstStyle/>
             <a:p>
-              <a:pPr indent="0" lvl="0" marL="0" rtl="0" algn="l">
+              <a:pPr marL="0" lvl="0" indent="0" algn="l" rtl="0">
                 <a:spcBef>
                   <a:spcPts val="0"/>
                 </a:spcBef>
@@ -5786,9 +5638,6 @@
                 </a:spcAft>
                 <a:buNone/>
               </a:pPr>
-              <a:r>
-                <a:t/>
-              </a:r>
               <a:endParaRPr/>
             </a:p>
           </p:txBody>
@@ -5797,7 +5646,9 @@
       <p:sp>
         <p:nvSpPr>
           <p:cNvPr id="66" name="Google Shape;66;p7"/>
-          <p:cNvSpPr txBox="1"/>
+          <p:cNvSpPr txBox="1">
+            <a:spLocks noGrp="1"/>
+          </p:cNvSpPr>
           <p:nvPr>
             <p:ph type="title"/>
           </p:nvPr>
@@ -5812,7 +5663,7 @@
           </a:prstGeom>
         </p:spPr>
         <p:txBody>
-          <a:bodyPr anchorCtr="0" anchor="t" bIns="91425" lIns="91425" spcFirstLastPara="1" rIns="91425" wrap="square" tIns="91425"/>
+          <a:bodyPr spcFirstLastPara="1" wrap="square" lIns="91425" tIns="91425" rIns="91425" bIns="91425" anchor="t" anchorCtr="0"/>
           <a:lstStyle>
             <a:lvl1pPr lvl="0">
               <a:spcBef>
@@ -5914,15 +5765,19 @@
               <a:defRPr sz="2400"/>
             </a:lvl9pPr>
           </a:lstStyle>
-          <a:p/>
+          <a:p>
+            <a:endParaRPr/>
+          </a:p>
         </p:txBody>
       </p:sp>
       <p:sp>
         <p:nvSpPr>
           <p:cNvPr id="67" name="Google Shape;67;p7"/>
-          <p:cNvSpPr txBox="1"/>
+          <p:cNvSpPr txBox="1">
+            <a:spLocks noGrp="1"/>
+          </p:cNvSpPr>
           <p:nvPr>
-            <p:ph idx="1" type="body"/>
+            <p:ph type="body" idx="1"/>
           </p:nvPr>
         </p:nvSpPr>
         <p:spPr>
@@ -5935,9 +5790,9 @@
           </a:prstGeom>
         </p:spPr>
         <p:txBody>
-          <a:bodyPr anchorCtr="0" anchor="t" bIns="91425" lIns="91425" spcFirstLastPara="1" rIns="91425" wrap="square" tIns="91425"/>
+          <a:bodyPr spcFirstLastPara="1" wrap="square" lIns="91425" tIns="91425" rIns="91425" bIns="91425" anchor="t" anchorCtr="0"/>
           <a:lstStyle>
-            <a:lvl1pPr indent="-311150" lvl="0" marL="457200">
+            <a:lvl1pPr marL="457200" lvl="0" indent="-311150">
               <a:spcBef>
                 <a:spcPts val="0"/>
               </a:spcBef>
@@ -5948,7 +5803,7 @@
               <a:buChar char="●"/>
               <a:defRPr/>
             </a:lvl1pPr>
-            <a:lvl2pPr indent="-298450" lvl="1" marL="914400">
+            <a:lvl2pPr marL="914400" lvl="1" indent="-298450">
               <a:spcBef>
                 <a:spcPts val="1600"/>
               </a:spcBef>
@@ -5959,7 +5814,7 @@
               <a:buChar char="○"/>
               <a:defRPr/>
             </a:lvl2pPr>
-            <a:lvl3pPr indent="-298450" lvl="2" marL="1371600">
+            <a:lvl3pPr marL="1371600" lvl="2" indent="-298450">
               <a:spcBef>
                 <a:spcPts val="1600"/>
               </a:spcBef>
@@ -5970,7 +5825,7 @@
               <a:buChar char="■"/>
               <a:defRPr/>
             </a:lvl3pPr>
-            <a:lvl4pPr indent="-298450" lvl="3" marL="1828800">
+            <a:lvl4pPr marL="1828800" lvl="3" indent="-298450">
               <a:spcBef>
                 <a:spcPts val="1600"/>
               </a:spcBef>
@@ -5981,7 +5836,7 @@
               <a:buChar char="●"/>
               <a:defRPr/>
             </a:lvl4pPr>
-            <a:lvl5pPr indent="-298450" lvl="4" marL="2286000">
+            <a:lvl5pPr marL="2286000" lvl="4" indent="-298450">
               <a:spcBef>
                 <a:spcPts val="1600"/>
               </a:spcBef>
@@ -5992,7 +5847,7 @@
               <a:buChar char="○"/>
               <a:defRPr/>
             </a:lvl5pPr>
-            <a:lvl6pPr indent="-298450" lvl="5" marL="2743200">
+            <a:lvl6pPr marL="2743200" lvl="5" indent="-298450">
               <a:spcBef>
                 <a:spcPts val="1600"/>
               </a:spcBef>
@@ -6003,7 +5858,7 @@
               <a:buChar char="■"/>
               <a:defRPr/>
             </a:lvl6pPr>
-            <a:lvl7pPr indent="-298450" lvl="6" marL="3200400">
+            <a:lvl7pPr marL="3200400" lvl="6" indent="-298450">
               <a:spcBef>
                 <a:spcPts val="1600"/>
               </a:spcBef>
@@ -6014,7 +5869,7 @@
               <a:buChar char="●"/>
               <a:defRPr/>
             </a:lvl7pPr>
-            <a:lvl8pPr indent="-298450" lvl="7" marL="3657600">
+            <a:lvl8pPr marL="3657600" lvl="7" indent="-298450">
               <a:spcBef>
                 <a:spcPts val="1600"/>
               </a:spcBef>
@@ -6025,7 +5880,7 @@
               <a:buChar char="○"/>
               <a:defRPr/>
             </a:lvl8pPr>
-            <a:lvl9pPr indent="-298450" lvl="8" marL="4114800">
+            <a:lvl9pPr marL="4114800" lvl="8" indent="-298450">
               <a:spcBef>
                 <a:spcPts val="1600"/>
               </a:spcBef>
@@ -6037,15 +5892,19 @@
               <a:defRPr/>
             </a:lvl9pPr>
           </a:lstStyle>
-          <a:p/>
+          <a:p>
+            <a:endParaRPr/>
+          </a:p>
         </p:txBody>
       </p:sp>
       <p:sp>
         <p:nvSpPr>
           <p:cNvPr id="68" name="Google Shape;68;p7"/>
-          <p:cNvSpPr txBox="1"/>
+          <p:cNvSpPr txBox="1">
+            <a:spLocks noGrp="1"/>
+          </p:cNvSpPr>
           <p:nvPr>
-            <p:ph idx="12" type="sldNum"/>
+            <p:ph type="sldNum" idx="12"/>
           </p:nvPr>
         </p:nvSpPr>
         <p:spPr>
@@ -6058,7 +5917,7 @@
           </a:prstGeom>
         </p:spPr>
         <p:txBody>
-          <a:bodyPr anchorCtr="0" anchor="ctr" bIns="91425" lIns="91425" spcFirstLastPara="1" rIns="91425" wrap="square" tIns="91425">
+          <a:bodyPr spcFirstLastPara="1" wrap="square" lIns="91425" tIns="91425" rIns="91425" bIns="91425" anchor="ctr" anchorCtr="0">
             <a:noAutofit/>
           </a:bodyPr>
           <a:lstStyle>
@@ -6100,7 +5959,7 @@
             </a:lvl9pPr>
           </a:lstStyle>
           <a:p>
-            <a:pPr indent="0" lvl="0" marL="0" rtl="0" algn="r">
+            <a:pPr marL="0" lvl="0" indent="0" algn="r" rtl="0">
               <a:spcBef>
                 <a:spcPts val="0"/>
               </a:spcBef>
@@ -6126,11 +5985,11 @@
 </file>
 
 <file path=ppt/slideLayouts/slideLayout7.xml><?xml version="1.0" encoding="utf-8"?>
-<p:sldLayout xmlns:a="http://schemas.openxmlformats.org/drawingml/2006/main" xmlns:r="http://schemas.openxmlformats.org/officeDocument/2006/relationships" xmlns:mc="http://schemas.openxmlformats.org/markup-compatibility/2006" xmlns:mv="urn:schemas-microsoft-com:mac:vml" xmlns:p="http://schemas.openxmlformats.org/presentationml/2006/main" xmlns:c="http://schemas.openxmlformats.org/drawingml/2006/chart" xmlns:dgm="http://schemas.openxmlformats.org/drawingml/2006/diagram" xmlns:o="urn:schemas-microsoft-com:office:office" xmlns:v="urn:schemas-microsoft-com:vml" xmlns:pvml="urn:schemas-microsoft-com:office:powerpoint" xmlns:com="http://schemas.openxmlformats.org/drawingml/2006/compatibility" xmlns:p14="http://schemas.microsoft.com/office/powerpoint/2010/main" xmlns:p15="http://schemas.microsoft.com/office/powerpoint/2012/main" matchingName="Main point">
+<p:sldLayout xmlns:a="http://schemas.openxmlformats.org/drawingml/2006/main" xmlns:r="http://schemas.openxmlformats.org/officeDocument/2006/relationships" xmlns:p="http://schemas.openxmlformats.org/presentationml/2006/main" matchingName="Main point">
   <p:cSld name="MAIN_POINT">
     <p:spTree>
       <p:nvGrpSpPr>
-        <p:cNvPr id="69" name="Shape 69"/>
+        <p:cNvPr id="1" name="Shape 69"/>
         <p:cNvGrpSpPr/>
         <p:nvPr/>
       </p:nvGrpSpPr>
@@ -6169,7 +6028,7 @@
             </a:xfrm>
             <a:prstGeom prst="diagStripe">
               <a:avLst>
-                <a:gd fmla="val 49469" name="adj"/>
+                <a:gd name="adj" fmla="val 49469"/>
               </a:avLst>
             </a:prstGeom>
             <a:solidFill>
@@ -6182,12 +6041,12 @@
             </a:ln>
           </p:spPr>
           <p:txBody>
-            <a:bodyPr anchorCtr="0" anchor="ctr" bIns="91425" lIns="91425" spcFirstLastPara="1" rIns="91425" wrap="square" tIns="91425">
+            <a:bodyPr spcFirstLastPara="1" wrap="square" lIns="91425" tIns="91425" rIns="91425" bIns="91425" anchor="ctr" anchorCtr="0">
               <a:noAutofit/>
             </a:bodyPr>
             <a:lstStyle/>
             <a:p>
-              <a:pPr indent="0" lvl="0" marL="0" rtl="0" algn="l">
+              <a:pPr marL="0" lvl="0" indent="0" algn="l" rtl="0">
                 <a:spcBef>
                   <a:spcPts val="0"/>
                 </a:spcBef>
@@ -6196,9 +6055,6 @@
                 </a:spcAft>
                 <a:buNone/>
               </a:pPr>
-              <a:r>
-                <a:t/>
-              </a:r>
               <a:endParaRPr/>
             </a:p>
           </p:txBody>
@@ -6216,7 +6072,7 @@
             </a:xfrm>
             <a:prstGeom prst="diagStripe">
               <a:avLst>
-                <a:gd fmla="val 0" name="adj"/>
+                <a:gd name="adj" fmla="val 0"/>
               </a:avLst>
             </a:prstGeom>
             <a:solidFill>
@@ -6229,12 +6085,12 @@
             </a:ln>
           </p:spPr>
           <p:txBody>
-            <a:bodyPr anchorCtr="0" anchor="ctr" bIns="91425" lIns="91425" spcFirstLastPara="1" rIns="91425" wrap="square" tIns="91425">
+            <a:bodyPr spcFirstLastPara="1" wrap="square" lIns="91425" tIns="91425" rIns="91425" bIns="91425" anchor="ctr" anchorCtr="0">
               <a:noAutofit/>
             </a:bodyPr>
             <a:lstStyle/>
             <a:p>
-              <a:pPr indent="0" lvl="0" marL="0" rtl="0" algn="l">
+              <a:pPr marL="0" lvl="0" indent="0" algn="l" rtl="0">
                 <a:spcBef>
                   <a:spcPts val="0"/>
                 </a:spcBef>
@@ -6243,9 +6099,6 @@
                 </a:spcAft>
                 <a:buNone/>
               </a:pPr>
-              <a:r>
-                <a:t/>
-              </a:r>
               <a:endParaRPr/>
             </a:p>
           </p:txBody>
@@ -6263,7 +6116,7 @@
             </a:xfrm>
             <a:prstGeom prst="diagStripe">
               <a:avLst>
-                <a:gd fmla="val 50000" name="adj"/>
+                <a:gd name="adj" fmla="val 50000"/>
               </a:avLst>
             </a:prstGeom>
             <a:solidFill>
@@ -6276,12 +6129,12 @@
             </a:ln>
           </p:spPr>
           <p:txBody>
-            <a:bodyPr anchorCtr="0" anchor="ctr" bIns="91425" lIns="91425" spcFirstLastPara="1" rIns="91425" wrap="square" tIns="91425">
+            <a:bodyPr spcFirstLastPara="1" wrap="square" lIns="91425" tIns="91425" rIns="91425" bIns="91425" anchor="ctr" anchorCtr="0">
               <a:noAutofit/>
             </a:bodyPr>
             <a:lstStyle/>
             <a:p>
-              <a:pPr indent="0" lvl="0" marL="0" rtl="0" algn="l">
+              <a:pPr marL="0" lvl="0" indent="0" algn="l" rtl="0">
                 <a:spcBef>
                   <a:spcPts val="0"/>
                 </a:spcBef>
@@ -6290,9 +6143,6 @@
                 </a:spcAft>
                 <a:buNone/>
               </a:pPr>
-              <a:r>
-                <a:t/>
-              </a:r>
               <a:endParaRPr/>
             </a:p>
           </p:txBody>
@@ -6310,7 +6160,7 @@
             </a:xfrm>
             <a:prstGeom prst="diagStripe">
               <a:avLst>
-                <a:gd fmla="val 50000" name="adj"/>
+                <a:gd name="adj" fmla="val 50000"/>
               </a:avLst>
             </a:prstGeom>
             <a:solidFill>
@@ -6323,12 +6173,12 @@
             </a:ln>
           </p:spPr>
           <p:txBody>
-            <a:bodyPr anchorCtr="0" anchor="ctr" bIns="91425" lIns="91425" spcFirstLastPara="1" rIns="91425" wrap="square" tIns="91425">
+            <a:bodyPr spcFirstLastPara="1" wrap="square" lIns="91425" tIns="91425" rIns="91425" bIns="91425" anchor="ctr" anchorCtr="0">
               <a:noAutofit/>
             </a:bodyPr>
             <a:lstStyle/>
             <a:p>
-              <a:pPr indent="0" lvl="0" marL="0" rtl="0" algn="l">
+              <a:pPr marL="0" lvl="0" indent="0" algn="l" rtl="0">
                 <a:spcBef>
                   <a:spcPts val="0"/>
                 </a:spcBef>
@@ -6337,9 +6187,6 @@
                 </a:spcAft>
                 <a:buNone/>
               </a:pPr>
-              <a:r>
-                <a:t/>
-              </a:r>
               <a:endParaRPr/>
             </a:p>
           </p:txBody>
@@ -6357,7 +6204,7 @@
             </a:xfrm>
             <a:prstGeom prst="diagStripe">
               <a:avLst>
-                <a:gd fmla="val 50000" name="adj"/>
+                <a:gd name="adj" fmla="val 50000"/>
               </a:avLst>
             </a:prstGeom>
             <a:solidFill>
@@ -6370,12 +6217,12 @@
             </a:ln>
           </p:spPr>
           <p:txBody>
-            <a:bodyPr anchorCtr="0" anchor="ctr" bIns="91425" lIns="91425" spcFirstLastPara="1" rIns="91425" wrap="square" tIns="91425">
+            <a:bodyPr spcFirstLastPara="1" wrap="square" lIns="91425" tIns="91425" rIns="91425" bIns="91425" anchor="ctr" anchorCtr="0">
               <a:noAutofit/>
             </a:bodyPr>
             <a:lstStyle/>
             <a:p>
-              <a:pPr indent="0" lvl="0" marL="0" rtl="0" algn="l">
+              <a:pPr marL="0" lvl="0" indent="0" algn="l" rtl="0">
                 <a:spcBef>
                   <a:spcPts val="0"/>
                 </a:spcBef>
@@ -6384,9 +6231,6 @@
                 </a:spcAft>
                 <a:buNone/>
               </a:pPr>
-              <a:r>
-                <a:t/>
-              </a:r>
               <a:endParaRPr/>
             </a:p>
           </p:txBody>
@@ -6404,7 +6248,7 @@
             </a:xfrm>
             <a:prstGeom prst="diagStripe">
               <a:avLst>
-                <a:gd fmla="val 50000" name="adj"/>
+                <a:gd name="adj" fmla="val 50000"/>
               </a:avLst>
             </a:prstGeom>
             <a:solidFill>
@@ -6417,12 +6261,12 @@
             </a:ln>
           </p:spPr>
           <p:txBody>
-            <a:bodyPr anchorCtr="0" anchor="ctr" bIns="91425" lIns="91425" spcFirstLastPara="1" rIns="91425" wrap="square" tIns="91425">
+            <a:bodyPr spcFirstLastPara="1" wrap="square" lIns="91425" tIns="91425" rIns="91425" bIns="91425" anchor="ctr" anchorCtr="0">
               <a:noAutofit/>
             </a:bodyPr>
             <a:lstStyle/>
             <a:p>
-              <a:pPr indent="0" lvl="0" marL="0" rtl="0" algn="l">
+              <a:pPr marL="0" lvl="0" indent="0" algn="l" rtl="0">
                 <a:spcBef>
                   <a:spcPts val="0"/>
                 </a:spcBef>
@@ -6431,9 +6275,6 @@
                 </a:spcAft>
                 <a:buNone/>
               </a:pPr>
-              <a:r>
-                <a:t/>
-              </a:r>
               <a:endParaRPr/>
             </a:p>
           </p:txBody>
@@ -6451,7 +6292,7 @@
             </a:xfrm>
             <a:prstGeom prst="diagStripe">
               <a:avLst>
-                <a:gd fmla="val 50000" name="adj"/>
+                <a:gd name="adj" fmla="val 50000"/>
               </a:avLst>
             </a:prstGeom>
             <a:solidFill>
@@ -6464,12 +6305,12 @@
             </a:ln>
           </p:spPr>
           <p:txBody>
-            <a:bodyPr anchorCtr="0" anchor="ctr" bIns="91425" lIns="91425" spcFirstLastPara="1" rIns="91425" wrap="square" tIns="91425">
+            <a:bodyPr spcFirstLastPara="1" wrap="square" lIns="91425" tIns="91425" rIns="91425" bIns="91425" anchor="ctr" anchorCtr="0">
               <a:noAutofit/>
             </a:bodyPr>
             <a:lstStyle/>
             <a:p>
-              <a:pPr indent="0" lvl="0" marL="0" rtl="0" algn="l">
+              <a:pPr marL="0" lvl="0" indent="0" algn="l" rtl="0">
                 <a:spcBef>
                   <a:spcPts val="0"/>
                 </a:spcBef>
@@ -6478,9 +6319,6 @@
                 </a:spcAft>
                 <a:buNone/>
               </a:pPr>
-              <a:r>
-                <a:t/>
-              </a:r>
               <a:endParaRPr/>
             </a:p>
           </p:txBody>
@@ -6498,7 +6336,7 @@
             </a:xfrm>
             <a:prstGeom prst="diagStripe">
               <a:avLst>
-                <a:gd fmla="val 50000" name="adj"/>
+                <a:gd name="adj" fmla="val 50000"/>
               </a:avLst>
             </a:prstGeom>
             <a:solidFill>
@@ -6509,12 +6347,12 @@
             </a:ln>
           </p:spPr>
           <p:txBody>
-            <a:bodyPr anchorCtr="0" anchor="ctr" bIns="91425" lIns="91425" spcFirstLastPara="1" rIns="91425" wrap="square" tIns="91425">
+            <a:bodyPr spcFirstLastPara="1" wrap="square" lIns="91425" tIns="91425" rIns="91425" bIns="91425" anchor="ctr" anchorCtr="0">
               <a:noAutofit/>
             </a:bodyPr>
             <a:lstStyle/>
             <a:p>
-              <a:pPr indent="0" lvl="0" marL="0" rtl="0" algn="l">
+              <a:pPr marL="0" lvl="0" indent="0" algn="l" rtl="0">
                 <a:spcBef>
                   <a:spcPts val="0"/>
                 </a:spcBef>
@@ -6523,9 +6361,6 @@
                 </a:spcAft>
                 <a:buNone/>
               </a:pPr>
-              <a:r>
-                <a:t/>
-              </a:r>
               <a:endParaRPr/>
             </a:p>
           </p:txBody>
@@ -6543,7 +6378,7 @@
             </a:xfrm>
             <a:prstGeom prst="diagStripe">
               <a:avLst>
-                <a:gd fmla="val 50000" name="adj"/>
+                <a:gd name="adj" fmla="val 50000"/>
               </a:avLst>
             </a:prstGeom>
             <a:solidFill>
@@ -6556,12 +6391,12 @@
             </a:ln>
           </p:spPr>
           <p:txBody>
-            <a:bodyPr anchorCtr="0" anchor="ctr" bIns="91425" lIns="91425" spcFirstLastPara="1" rIns="91425" wrap="square" tIns="91425">
+            <a:bodyPr spcFirstLastPara="1" wrap="square" lIns="91425" tIns="91425" rIns="91425" bIns="91425" anchor="ctr" anchorCtr="0">
               <a:noAutofit/>
             </a:bodyPr>
             <a:lstStyle/>
             <a:p>
-              <a:pPr indent="0" lvl="0" marL="0" rtl="0" algn="l">
+              <a:pPr marL="0" lvl="0" indent="0" algn="l" rtl="0">
                 <a:spcBef>
                   <a:spcPts val="0"/>
                 </a:spcBef>
@@ -6570,9 +6405,6 @@
                 </a:spcAft>
                 <a:buNone/>
               </a:pPr>
-              <a:r>
-                <a:t/>
-              </a:r>
               <a:endParaRPr/>
             </a:p>
           </p:txBody>
@@ -6590,7 +6422,7 @@
             </a:xfrm>
             <a:prstGeom prst="diagStripe">
               <a:avLst>
-                <a:gd fmla="val 50000" name="adj"/>
+                <a:gd name="adj" fmla="val 50000"/>
               </a:avLst>
             </a:prstGeom>
             <a:solidFill>
@@ -6603,12 +6435,12 @@
             </a:ln>
           </p:spPr>
           <p:txBody>
-            <a:bodyPr anchorCtr="0" anchor="ctr" bIns="91425" lIns="91425" spcFirstLastPara="1" rIns="91425" wrap="square" tIns="91425">
+            <a:bodyPr spcFirstLastPara="1" wrap="square" lIns="91425" tIns="91425" rIns="91425" bIns="91425" anchor="ctr" anchorCtr="0">
               <a:noAutofit/>
             </a:bodyPr>
             <a:lstStyle/>
             <a:p>
-              <a:pPr indent="0" lvl="0" marL="0" rtl="0" algn="l">
+              <a:pPr marL="0" lvl="0" indent="0" algn="l" rtl="0">
                 <a:spcBef>
                   <a:spcPts val="0"/>
                 </a:spcBef>
@@ -6617,9 +6449,6 @@
                 </a:spcAft>
                 <a:buNone/>
               </a:pPr>
-              <a:r>
-                <a:t/>
-              </a:r>
               <a:endParaRPr/>
             </a:p>
           </p:txBody>
@@ -6637,7 +6466,7 @@
             </a:xfrm>
             <a:prstGeom prst="diagStripe">
               <a:avLst>
-                <a:gd fmla="val 50000" name="adj"/>
+                <a:gd name="adj" fmla="val 50000"/>
               </a:avLst>
             </a:prstGeom>
             <a:solidFill>
@@ -6650,12 +6479,12 @@
             </a:ln>
           </p:spPr>
           <p:txBody>
-            <a:bodyPr anchorCtr="0" anchor="ctr" bIns="91425" lIns="91425" spcFirstLastPara="1" rIns="91425" wrap="square" tIns="91425">
+            <a:bodyPr spcFirstLastPara="1" wrap="square" lIns="91425" tIns="91425" rIns="91425" bIns="91425" anchor="ctr" anchorCtr="0">
               <a:noAutofit/>
             </a:bodyPr>
             <a:lstStyle/>
             <a:p>
-              <a:pPr indent="0" lvl="0" marL="0" rtl="0" algn="l">
+              <a:pPr marL="0" lvl="0" indent="0" algn="l" rtl="0">
                 <a:spcBef>
                   <a:spcPts val="0"/>
                 </a:spcBef>
@@ -6664,9 +6493,6 @@
                 </a:spcAft>
                 <a:buNone/>
               </a:pPr>
-              <a:r>
-                <a:t/>
-              </a:r>
               <a:endParaRPr/>
             </a:p>
           </p:txBody>
@@ -6684,7 +6510,7 @@
             </a:xfrm>
             <a:prstGeom prst="diagStripe">
               <a:avLst>
-                <a:gd fmla="val 50000" name="adj"/>
+                <a:gd name="adj" fmla="val 50000"/>
               </a:avLst>
             </a:prstGeom>
             <a:solidFill>
@@ -6697,12 +6523,12 @@
             </a:ln>
           </p:spPr>
           <p:txBody>
-            <a:bodyPr anchorCtr="0" anchor="ctr" bIns="91425" lIns="91425" spcFirstLastPara="1" rIns="91425" wrap="square" tIns="91425">
+            <a:bodyPr spcFirstLastPara="1" wrap="square" lIns="91425" tIns="91425" rIns="91425" bIns="91425" anchor="ctr" anchorCtr="0">
               <a:noAutofit/>
             </a:bodyPr>
             <a:lstStyle/>
             <a:p>
-              <a:pPr indent="0" lvl="0" marL="0" rtl="0" algn="l">
+              <a:pPr marL="0" lvl="0" indent="0" algn="l" rtl="0">
                 <a:spcBef>
                   <a:spcPts val="0"/>
                 </a:spcBef>
@@ -6711,9 +6537,6 @@
                 </a:spcAft>
                 <a:buNone/>
               </a:pPr>
-              <a:r>
-                <a:t/>
-              </a:r>
               <a:endParaRPr/>
             </a:p>
           </p:txBody>
@@ -6731,7 +6554,7 @@
             </a:xfrm>
             <a:prstGeom prst="diagStripe">
               <a:avLst>
-                <a:gd fmla="val 50000" name="adj"/>
+                <a:gd name="adj" fmla="val 50000"/>
               </a:avLst>
             </a:prstGeom>
             <a:solidFill>
@@ -6744,12 +6567,12 @@
             </a:ln>
           </p:spPr>
           <p:txBody>
-            <a:bodyPr anchorCtr="0" anchor="ctr" bIns="91425" lIns="91425" spcFirstLastPara="1" rIns="91425" wrap="square" tIns="91425">
+            <a:bodyPr spcFirstLastPara="1" wrap="square" lIns="91425" tIns="91425" rIns="91425" bIns="91425" anchor="ctr" anchorCtr="0">
               <a:noAutofit/>
             </a:bodyPr>
             <a:lstStyle/>
             <a:p>
-              <a:pPr indent="0" lvl="0" marL="0" rtl="0" algn="l">
+              <a:pPr marL="0" lvl="0" indent="0" algn="l" rtl="0">
                 <a:spcBef>
                   <a:spcPts val="0"/>
                 </a:spcBef>
@@ -6758,9 +6581,6 @@
                 </a:spcAft>
                 <a:buNone/>
               </a:pPr>
-              <a:r>
-                <a:t/>
-              </a:r>
               <a:endParaRPr/>
             </a:p>
           </p:txBody>
@@ -6778,7 +6598,7 @@
             </a:xfrm>
             <a:prstGeom prst="diagStripe">
               <a:avLst>
-                <a:gd fmla="val 50000" name="adj"/>
+                <a:gd name="adj" fmla="val 50000"/>
               </a:avLst>
             </a:prstGeom>
             <a:solidFill>
@@ -6789,12 +6609,12 @@
             </a:ln>
           </p:spPr>
           <p:txBody>
-            <a:bodyPr anchorCtr="0" anchor="ctr" bIns="91425" lIns="91425" spcFirstLastPara="1" rIns="91425" wrap="square" tIns="91425">
+            <a:bodyPr spcFirstLastPara="1" wrap="square" lIns="91425" tIns="91425" rIns="91425" bIns="91425" anchor="ctr" anchorCtr="0">
               <a:noAutofit/>
             </a:bodyPr>
             <a:lstStyle/>
             <a:p>
-              <a:pPr indent="0" lvl="0" marL="0" rtl="0" algn="l">
+              <a:pPr marL="0" lvl="0" indent="0" algn="l" rtl="0">
                 <a:spcBef>
                   <a:spcPts val="0"/>
                 </a:spcBef>
@@ -6803,9 +6623,6 @@
                 </a:spcAft>
                 <a:buNone/>
               </a:pPr>
-              <a:r>
-                <a:t/>
-              </a:r>
               <a:endParaRPr/>
             </a:p>
           </p:txBody>
@@ -6823,7 +6640,7 @@
             </a:xfrm>
             <a:prstGeom prst="diagStripe">
               <a:avLst>
-                <a:gd fmla="val 50000" name="adj"/>
+                <a:gd name="adj" fmla="val 50000"/>
               </a:avLst>
             </a:prstGeom>
             <a:solidFill>
@@ -6836,12 +6653,12 @@
             </a:ln>
           </p:spPr>
           <p:txBody>
-            <a:bodyPr anchorCtr="0" anchor="ctr" bIns="91425" lIns="91425" spcFirstLastPara="1" rIns="91425" wrap="square" tIns="91425">
+            <a:bodyPr spcFirstLastPara="1" wrap="square" lIns="91425" tIns="91425" rIns="91425" bIns="91425" anchor="ctr" anchorCtr="0">
               <a:noAutofit/>
             </a:bodyPr>
             <a:lstStyle/>
             <a:p>
-              <a:pPr indent="0" lvl="0" marL="0" rtl="0" algn="l">
+              <a:pPr marL="0" lvl="0" indent="0" algn="l" rtl="0">
                 <a:spcBef>
                   <a:spcPts val="0"/>
                 </a:spcBef>
@@ -6850,9 +6667,6 @@
                 </a:spcAft>
                 <a:buNone/>
               </a:pPr>
-              <a:r>
-                <a:t/>
-              </a:r>
               <a:endParaRPr/>
             </a:p>
           </p:txBody>
@@ -6870,7 +6684,7 @@
             </a:xfrm>
             <a:prstGeom prst="diagStripe">
               <a:avLst>
-                <a:gd fmla="val 50000" name="adj"/>
+                <a:gd name="adj" fmla="val 50000"/>
               </a:avLst>
             </a:prstGeom>
             <a:solidFill>
@@ -6883,12 +6697,12 @@
             </a:ln>
           </p:spPr>
           <p:txBody>
-            <a:bodyPr anchorCtr="0" anchor="ctr" bIns="91425" lIns="91425" spcFirstLastPara="1" rIns="91425" wrap="square" tIns="91425">
+            <a:bodyPr spcFirstLastPara="1" wrap="square" lIns="91425" tIns="91425" rIns="91425" bIns="91425" anchor="ctr" anchorCtr="0">
               <a:noAutofit/>
             </a:bodyPr>
             <a:lstStyle/>
             <a:p>
-              <a:pPr indent="0" lvl="0" marL="0" rtl="0" algn="l">
+              <a:pPr marL="0" lvl="0" indent="0" algn="l" rtl="0">
                 <a:spcBef>
                   <a:spcPts val="0"/>
                 </a:spcBef>
@@ -6897,9 +6711,6 @@
                 </a:spcAft>
                 <a:buNone/>
               </a:pPr>
-              <a:r>
-                <a:t/>
-              </a:r>
               <a:endParaRPr/>
             </a:p>
           </p:txBody>
@@ -6917,7 +6728,7 @@
             </a:xfrm>
             <a:prstGeom prst="diagStripe">
               <a:avLst>
-                <a:gd fmla="val 50000" name="adj"/>
+                <a:gd name="adj" fmla="val 50000"/>
               </a:avLst>
             </a:prstGeom>
             <a:solidFill>
@@ -6930,12 +6741,12 @@
             </a:ln>
           </p:spPr>
           <p:txBody>
-            <a:bodyPr anchorCtr="0" anchor="ctr" bIns="91425" lIns="91425" spcFirstLastPara="1" rIns="91425" wrap="square" tIns="91425">
+            <a:bodyPr spcFirstLastPara="1" wrap="square" lIns="91425" tIns="91425" rIns="91425" bIns="91425" anchor="ctr" anchorCtr="0">
               <a:noAutofit/>
             </a:bodyPr>
             <a:lstStyle/>
             <a:p>
-              <a:pPr indent="0" lvl="0" marL="0" rtl="0" algn="l">
+              <a:pPr marL="0" lvl="0" indent="0" algn="l" rtl="0">
                 <a:spcBef>
                   <a:spcPts val="0"/>
                 </a:spcBef>
@@ -6944,9 +6755,6 @@
                 </a:spcAft>
                 <a:buNone/>
               </a:pPr>
-              <a:r>
-                <a:t/>
-              </a:r>
               <a:endParaRPr/>
             </a:p>
           </p:txBody>
@@ -6964,7 +6772,7 @@
             </a:xfrm>
             <a:prstGeom prst="diagStripe">
               <a:avLst>
-                <a:gd fmla="val 50000" name="adj"/>
+                <a:gd name="adj" fmla="val 50000"/>
               </a:avLst>
             </a:prstGeom>
             <a:solidFill>
@@ -6977,12 +6785,12 @@
             </a:ln>
           </p:spPr>
           <p:txBody>
-            <a:bodyPr anchorCtr="0" anchor="ctr" bIns="91425" lIns="91425" spcFirstLastPara="1" rIns="91425" wrap="square" tIns="91425">
+            <a:bodyPr spcFirstLastPara="1" wrap="square" lIns="91425" tIns="91425" rIns="91425" bIns="91425" anchor="ctr" anchorCtr="0">
               <a:noAutofit/>
             </a:bodyPr>
             <a:lstStyle/>
             <a:p>
-              <a:pPr indent="0" lvl="0" marL="0" rtl="0" algn="l">
+              <a:pPr marL="0" lvl="0" indent="0" algn="l" rtl="0">
                 <a:spcBef>
                   <a:spcPts val="0"/>
                 </a:spcBef>
@@ -6991,9 +6799,6 @@
                 </a:spcAft>
                 <a:buNone/>
               </a:pPr>
-              <a:r>
-                <a:t/>
-              </a:r>
               <a:endParaRPr/>
             </a:p>
           </p:txBody>
@@ -7002,7 +6807,9 @@
       <p:sp>
         <p:nvSpPr>
           <p:cNvPr id="89" name="Google Shape;89;p8"/>
-          <p:cNvSpPr txBox="1"/>
+          <p:cNvSpPr txBox="1">
+            <a:spLocks noGrp="1"/>
+          </p:cNvSpPr>
           <p:nvPr>
             <p:ph type="title"/>
           </p:nvPr>
@@ -7017,7 +6824,7 @@
           </a:prstGeom>
         </p:spPr>
         <p:txBody>
-          <a:bodyPr anchorCtr="0" anchor="ctr" bIns="91425" lIns="91425" spcFirstLastPara="1" rIns="91425" wrap="square" tIns="91425"/>
+          <a:bodyPr spcFirstLastPara="1" wrap="square" lIns="91425" tIns="91425" rIns="91425" bIns="91425" anchor="ctr" anchorCtr="0"/>
           <a:lstStyle>
             <a:lvl1pPr lvl="0">
               <a:spcBef>
@@ -7119,15 +6926,19 @@
               <a:defRPr/>
             </a:lvl9pPr>
           </a:lstStyle>
-          <a:p/>
+          <a:p>
+            <a:endParaRPr/>
+          </a:p>
         </p:txBody>
       </p:sp>
       <p:sp>
         <p:nvSpPr>
           <p:cNvPr id="90" name="Google Shape;90;p8"/>
-          <p:cNvSpPr txBox="1"/>
+          <p:cNvSpPr txBox="1">
+            <a:spLocks noGrp="1"/>
+          </p:cNvSpPr>
           <p:nvPr>
-            <p:ph idx="12" type="sldNum"/>
+            <p:ph type="sldNum" idx="12"/>
           </p:nvPr>
         </p:nvSpPr>
         <p:spPr>
@@ -7140,7 +6951,7 @@
           </a:prstGeom>
         </p:spPr>
         <p:txBody>
-          <a:bodyPr anchorCtr="0" anchor="ctr" bIns="91425" lIns="91425" spcFirstLastPara="1" rIns="91425" wrap="square" tIns="91425">
+          <a:bodyPr spcFirstLastPara="1" wrap="square" lIns="91425" tIns="91425" rIns="91425" bIns="91425" anchor="ctr" anchorCtr="0">
             <a:noAutofit/>
           </a:bodyPr>
           <a:lstStyle>
@@ -7182,7 +6993,7 @@
             </a:lvl9pPr>
           </a:lstStyle>
           <a:p>
-            <a:pPr indent="0" lvl="0" marL="0" rtl="0" algn="r">
+            <a:pPr marL="0" lvl="0" indent="0" algn="r" rtl="0">
               <a:spcBef>
                 <a:spcPts val="0"/>
               </a:spcBef>
@@ -7208,11 +7019,11 @@
 </file>
 
 <file path=ppt/slideLayouts/slideLayout8.xml><?xml version="1.0" encoding="utf-8"?>
-<p:sldLayout xmlns:a="http://schemas.openxmlformats.org/drawingml/2006/main" xmlns:r="http://schemas.openxmlformats.org/officeDocument/2006/relationships" xmlns:mc="http://schemas.openxmlformats.org/markup-compatibility/2006" xmlns:mv="urn:schemas-microsoft-com:mac:vml" xmlns:p="http://schemas.openxmlformats.org/presentationml/2006/main" xmlns:c="http://schemas.openxmlformats.org/drawingml/2006/chart" xmlns:dgm="http://schemas.openxmlformats.org/drawingml/2006/diagram" xmlns:o="urn:schemas-microsoft-com:office:office" xmlns:v="urn:schemas-microsoft-com:vml" xmlns:pvml="urn:schemas-microsoft-com:office:powerpoint" xmlns:com="http://schemas.openxmlformats.org/drawingml/2006/compatibility" xmlns:p14="http://schemas.microsoft.com/office/powerpoint/2010/main" xmlns:p15="http://schemas.microsoft.com/office/powerpoint/2012/main" matchingName="Section title and description">
+<p:sldLayout xmlns:a="http://schemas.openxmlformats.org/drawingml/2006/main" xmlns:r="http://schemas.openxmlformats.org/officeDocument/2006/relationships" xmlns:p="http://schemas.openxmlformats.org/presentationml/2006/main" matchingName="Section title and description">
   <p:cSld name="SECTION_TITLE_AND_DESCRIPTION">
     <p:spTree>
       <p:nvGrpSpPr>
-        <p:cNvPr id="91" name="Shape 91"/>
+        <p:cNvPr id="1" name="Shape 91"/>
         <p:cNvGrpSpPr/>
         <p:nvPr/>
       </p:nvGrpSpPr>
@@ -7251,7 +7062,7 @@
             </a:xfrm>
             <a:prstGeom prst="diagStripe">
               <a:avLst>
-                <a:gd fmla="val 50000" name="adj"/>
+                <a:gd name="adj" fmla="val 50000"/>
               </a:avLst>
             </a:prstGeom>
             <a:solidFill>
@@ -7262,12 +7073,12 @@
             </a:ln>
           </p:spPr>
           <p:txBody>
-            <a:bodyPr anchorCtr="0" anchor="ctr" bIns="91425" lIns="91425" spcFirstLastPara="1" rIns="91425" wrap="square" tIns="91425">
+            <a:bodyPr spcFirstLastPara="1" wrap="square" lIns="91425" tIns="91425" rIns="91425" bIns="91425" anchor="ctr" anchorCtr="0">
               <a:noAutofit/>
             </a:bodyPr>
             <a:lstStyle/>
             <a:p>
-              <a:pPr indent="0" lvl="0" marL="0" rtl="0" algn="l">
+              <a:pPr marL="0" lvl="0" indent="0" algn="l" rtl="0">
                 <a:spcBef>
                   <a:spcPts val="0"/>
                 </a:spcBef>
@@ -7276,9 +7087,6 @@
                 </a:spcAft>
                 <a:buNone/>
               </a:pPr>
-              <a:r>
-                <a:t/>
-              </a:r>
               <a:endParaRPr/>
             </a:p>
           </p:txBody>
@@ -7296,7 +7104,7 @@
             </a:xfrm>
             <a:prstGeom prst="diagStripe">
               <a:avLst>
-                <a:gd fmla="val 50000" name="adj"/>
+                <a:gd name="adj" fmla="val 50000"/>
               </a:avLst>
             </a:prstGeom>
             <a:solidFill>
@@ -7307,12 +7115,12 @@
             </a:ln>
           </p:spPr>
           <p:txBody>
-            <a:bodyPr anchorCtr="0" anchor="ctr" bIns="91425" lIns="91425" spcFirstLastPara="1" rIns="91425" wrap="square" tIns="91425">
+            <a:bodyPr spcFirstLastPara="1" wrap="square" lIns="91425" tIns="91425" rIns="91425" bIns="91425" anchor="ctr" anchorCtr="0">
               <a:noAutofit/>
             </a:bodyPr>
             <a:lstStyle/>
             <a:p>
-              <a:pPr indent="0" lvl="0" marL="0" rtl="0" algn="l">
+              <a:pPr marL="0" lvl="0" indent="0" algn="l" rtl="0">
                 <a:spcBef>
                   <a:spcPts val="0"/>
                 </a:spcBef>
@@ -7321,9 +7129,6 @@
                 </a:spcAft>
                 <a:buNone/>
               </a:pPr>
-              <a:r>
-                <a:t/>
-              </a:r>
               <a:endParaRPr/>
             </a:p>
           </p:txBody>
@@ -7332,7 +7137,9 @@
       <p:sp>
         <p:nvSpPr>
           <p:cNvPr id="95" name="Google Shape;95;p9"/>
-          <p:cNvSpPr txBox="1"/>
+          <p:cNvSpPr txBox="1">
+            <a:spLocks noGrp="1"/>
+          </p:cNvSpPr>
           <p:nvPr>
             <p:ph type="title"/>
           </p:nvPr>
@@ -7347,7 +7154,7 @@
           </a:prstGeom>
         </p:spPr>
         <p:txBody>
-          <a:bodyPr anchorCtr="0" anchor="t" bIns="91425" lIns="91425" spcFirstLastPara="1" rIns="91425" wrap="square" tIns="91425"/>
+          <a:bodyPr spcFirstLastPara="1" wrap="square" lIns="91425" tIns="91425" rIns="91425" bIns="91425" anchor="t" anchorCtr="0"/>
           <a:lstStyle>
             <a:lvl1pPr lvl="0">
               <a:spcBef>
@@ -7449,15 +7256,19 @@
               <a:defRPr sz="2400"/>
             </a:lvl9pPr>
           </a:lstStyle>
-          <a:p/>
+          <a:p>
+            <a:endParaRPr/>
+          </a:p>
         </p:txBody>
       </p:sp>
       <p:sp>
         <p:nvSpPr>
           <p:cNvPr id="96" name="Google Shape;96;p9"/>
-          <p:cNvSpPr txBox="1"/>
+          <p:cNvSpPr txBox="1">
+            <a:spLocks noGrp="1"/>
+          </p:cNvSpPr>
           <p:nvPr>
-            <p:ph idx="1" type="subTitle"/>
+            <p:ph type="subTitle" idx="1"/>
           </p:nvPr>
         </p:nvSpPr>
         <p:spPr>
@@ -7470,7 +7281,7 @@
           </a:prstGeom>
         </p:spPr>
         <p:txBody>
-          <a:bodyPr anchorCtr="0" anchor="t" bIns="91425" lIns="91425" spcFirstLastPara="1" rIns="91425" wrap="square" tIns="91425"/>
+          <a:bodyPr spcFirstLastPara="1" wrap="square" lIns="91425" tIns="91425" rIns="91425" bIns="91425" anchor="t" anchorCtr="0"/>
           <a:lstStyle>
             <a:lvl1pPr lvl="0">
               <a:lnSpc>
@@ -7599,15 +7410,19 @@
               <a:defRPr sz="1300"/>
             </a:lvl9pPr>
           </a:lstStyle>
-          <a:p/>
+          <a:p>
+            <a:endParaRPr/>
+          </a:p>
         </p:txBody>
       </p:sp>
       <p:sp>
         <p:nvSpPr>
           <p:cNvPr id="97" name="Google Shape;97;p9"/>
-          <p:cNvSpPr txBox="1"/>
+          <p:cNvSpPr txBox="1">
+            <a:spLocks noGrp="1"/>
+          </p:cNvSpPr>
           <p:nvPr>
-            <p:ph idx="2" type="body"/>
+            <p:ph type="body" idx="2"/>
           </p:nvPr>
         </p:nvSpPr>
         <p:spPr>
@@ -7620,9 +7435,9 @@
           </a:prstGeom>
         </p:spPr>
         <p:txBody>
-          <a:bodyPr anchorCtr="0" anchor="t" bIns="91425" lIns="91425" spcFirstLastPara="1" rIns="91425" wrap="square" tIns="91425"/>
+          <a:bodyPr spcFirstLastPara="1" wrap="square" lIns="91425" tIns="91425" rIns="91425" bIns="91425" anchor="t" anchorCtr="0"/>
           <a:lstStyle>
-            <a:lvl1pPr indent="-311150" lvl="0" marL="457200">
+            <a:lvl1pPr marL="457200" lvl="0" indent="-311150">
               <a:spcBef>
                 <a:spcPts val="0"/>
               </a:spcBef>
@@ -7633,7 +7448,7 @@
               <a:buChar char="●"/>
               <a:defRPr/>
             </a:lvl1pPr>
-            <a:lvl2pPr indent="-298450" lvl="1" marL="914400">
+            <a:lvl2pPr marL="914400" lvl="1" indent="-298450">
               <a:spcBef>
                 <a:spcPts val="1600"/>
               </a:spcBef>
@@ -7644,7 +7459,7 @@
               <a:buChar char="○"/>
               <a:defRPr/>
             </a:lvl2pPr>
-            <a:lvl3pPr indent="-298450" lvl="2" marL="1371600">
+            <a:lvl3pPr marL="1371600" lvl="2" indent="-298450">
               <a:spcBef>
                 <a:spcPts val="1600"/>
               </a:spcBef>
@@ -7655,7 +7470,7 @@
               <a:buChar char="■"/>
               <a:defRPr/>
             </a:lvl3pPr>
-            <a:lvl4pPr indent="-298450" lvl="3" marL="1828800">
+            <a:lvl4pPr marL="1828800" lvl="3" indent="-298450">
               <a:spcBef>
                 <a:spcPts val="1600"/>
               </a:spcBef>
@@ -7666,7 +7481,7 @@
               <a:buChar char="●"/>
               <a:defRPr/>
             </a:lvl4pPr>
-            <a:lvl5pPr indent="-298450" lvl="4" marL="2286000">
+            <a:lvl5pPr marL="2286000" lvl="4" indent="-298450">
               <a:spcBef>
                 <a:spcPts val="1600"/>
               </a:spcBef>
@@ -7677,7 +7492,7 @@
               <a:buChar char="○"/>
               <a:defRPr/>
             </a:lvl5pPr>
-            <a:lvl6pPr indent="-298450" lvl="5" marL="2743200">
+            <a:lvl6pPr marL="2743200" lvl="5" indent="-298450">
               <a:spcBef>
                 <a:spcPts val="1600"/>
               </a:spcBef>
@@ -7688,7 +7503,7 @@
               <a:buChar char="■"/>
               <a:defRPr/>
             </a:lvl6pPr>
-            <a:lvl7pPr indent="-298450" lvl="6" marL="3200400">
+            <a:lvl7pPr marL="3200400" lvl="6" indent="-298450">
               <a:spcBef>
                 <a:spcPts val="1600"/>
               </a:spcBef>
@@ -7699,7 +7514,7 @@
               <a:buChar char="●"/>
               <a:defRPr/>
             </a:lvl7pPr>
-            <a:lvl8pPr indent="-298450" lvl="7" marL="3657600">
+            <a:lvl8pPr marL="3657600" lvl="7" indent="-298450">
               <a:spcBef>
                 <a:spcPts val="1600"/>
               </a:spcBef>
@@ -7710,7 +7525,7 @@
               <a:buChar char="○"/>
               <a:defRPr/>
             </a:lvl8pPr>
-            <a:lvl9pPr indent="-298450" lvl="8" marL="4114800">
+            <a:lvl9pPr marL="4114800" lvl="8" indent="-298450">
               <a:spcBef>
                 <a:spcPts val="1600"/>
               </a:spcBef>
@@ -7722,15 +7537,19 @@
               <a:defRPr/>
             </a:lvl9pPr>
           </a:lstStyle>
-          <a:p/>
+          <a:p>
+            <a:endParaRPr/>
+          </a:p>
         </p:txBody>
       </p:sp>
       <p:sp>
         <p:nvSpPr>
           <p:cNvPr id="98" name="Google Shape;98;p9"/>
-          <p:cNvSpPr txBox="1"/>
+          <p:cNvSpPr txBox="1">
+            <a:spLocks noGrp="1"/>
+          </p:cNvSpPr>
           <p:nvPr>
-            <p:ph idx="12" type="sldNum"/>
+            <p:ph type="sldNum" idx="12"/>
           </p:nvPr>
         </p:nvSpPr>
         <p:spPr>
@@ -7743,7 +7562,7 @@
           </a:prstGeom>
         </p:spPr>
         <p:txBody>
-          <a:bodyPr anchorCtr="0" anchor="ctr" bIns="91425" lIns="91425" spcFirstLastPara="1" rIns="91425" wrap="square" tIns="91425">
+          <a:bodyPr spcFirstLastPara="1" wrap="square" lIns="91425" tIns="91425" rIns="91425" bIns="91425" anchor="ctr" anchorCtr="0">
             <a:noAutofit/>
           </a:bodyPr>
           <a:lstStyle>
@@ -7785,7 +7604,7 @@
             </a:lvl9pPr>
           </a:lstStyle>
           <a:p>
-            <a:pPr indent="0" lvl="0" marL="0" rtl="0" algn="r">
+            <a:pPr marL="0" lvl="0" indent="0" algn="r" rtl="0">
               <a:spcBef>
                 <a:spcPts val="0"/>
               </a:spcBef>
@@ -7811,11 +7630,11 @@
 </file>
 
 <file path=ppt/slideLayouts/slideLayout9.xml><?xml version="1.0" encoding="utf-8"?>
-<p:sldLayout xmlns:a="http://schemas.openxmlformats.org/drawingml/2006/main" xmlns:r="http://schemas.openxmlformats.org/officeDocument/2006/relationships" xmlns:mc="http://schemas.openxmlformats.org/markup-compatibility/2006" xmlns:mv="urn:schemas-microsoft-com:mac:vml" xmlns:p="http://schemas.openxmlformats.org/presentationml/2006/main" xmlns:c="http://schemas.openxmlformats.org/drawingml/2006/chart" xmlns:dgm="http://schemas.openxmlformats.org/drawingml/2006/diagram" xmlns:o="urn:schemas-microsoft-com:office:office" xmlns:v="urn:schemas-microsoft-com:vml" xmlns:pvml="urn:schemas-microsoft-com:office:powerpoint" xmlns:com="http://schemas.openxmlformats.org/drawingml/2006/compatibility" xmlns:p14="http://schemas.microsoft.com/office/powerpoint/2010/main" xmlns:p15="http://schemas.microsoft.com/office/powerpoint/2012/main" matchingName="Caption">
+<p:sldLayout xmlns:a="http://schemas.openxmlformats.org/drawingml/2006/main" xmlns:r="http://schemas.openxmlformats.org/officeDocument/2006/relationships" xmlns:p="http://schemas.openxmlformats.org/presentationml/2006/main" matchingName="Caption">
   <p:cSld name="CAPTION_ONLY">
     <p:spTree>
       <p:nvGrpSpPr>
-        <p:cNvPr id="99" name="Shape 99"/>
+        <p:cNvPr id="1" name="Shape 99"/>
         <p:cNvGrpSpPr/>
         <p:nvPr/>
       </p:nvGrpSpPr>
@@ -7854,7 +7673,7 @@
             </a:xfrm>
             <a:prstGeom prst="diagStripe">
               <a:avLst>
-                <a:gd fmla="val 50000" name="adj"/>
+                <a:gd name="adj" fmla="val 50000"/>
               </a:avLst>
             </a:prstGeom>
             <a:solidFill>
@@ -7867,12 +7686,12 @@
             </a:ln>
           </p:spPr>
           <p:txBody>
-            <a:bodyPr anchorCtr="0" anchor="ctr" bIns="91425" lIns="91425" spcFirstLastPara="1" rIns="91425" wrap="square" tIns="91425">
+            <a:bodyPr spcFirstLastPara="1" wrap="square" lIns="91425" tIns="91425" rIns="91425" bIns="91425" anchor="ctr" anchorCtr="0">
               <a:noAutofit/>
             </a:bodyPr>
             <a:lstStyle/>
             <a:p>
-              <a:pPr indent="0" lvl="0" marL="0" rtl="0" algn="l">
+              <a:pPr marL="0" lvl="0" indent="0" algn="l" rtl="0">
                 <a:spcBef>
                   <a:spcPts val="0"/>
                 </a:spcBef>
@@ -7881,9 +7700,6 @@
                 </a:spcAft>
                 <a:buNone/>
               </a:pPr>
-              <a:r>
-                <a:t/>
-              </a:r>
               <a:endParaRPr/>
             </a:p>
           </p:txBody>
@@ -7901,7 +7717,7 @@
             </a:xfrm>
             <a:prstGeom prst="diagStripe">
               <a:avLst>
-                <a:gd fmla="val 50000" name="adj"/>
+                <a:gd name="adj" fmla="val 50000"/>
               </a:avLst>
             </a:prstGeom>
             <a:solidFill>
@@ -7914,12 +7730,12 @@
             </a:ln>
           </p:spPr>
           <p:txBody>
-            <a:bodyPr anchorCtr="0" anchor="ctr" bIns="91425" lIns="91425" spcFirstLastPara="1" rIns="91425" wrap="square" tIns="91425">
+            <a:bodyPr spcFirstLastPara="1" wrap="square" lIns="91425" tIns="91425" rIns="91425" bIns="91425" anchor="ctr" anchorCtr="0">
               <a:noAutofit/>
             </a:bodyPr>
             <a:lstStyle/>
             <a:p>
-              <a:pPr indent="0" lvl="0" marL="0" rtl="0" algn="l">
+              <a:pPr marL="0" lvl="0" indent="0" algn="l" rtl="0">
                 <a:spcBef>
                   <a:spcPts val="0"/>
                 </a:spcBef>
@@ -7928,9 +7744,6 @@
                 </a:spcAft>
                 <a:buNone/>
               </a:pPr>
-              <a:r>
-                <a:t/>
-              </a:r>
               <a:endParaRPr/>
             </a:p>
           </p:txBody>
@@ -7939,9 +7752,11 @@
       <p:sp>
         <p:nvSpPr>
           <p:cNvPr id="103" name="Google Shape;103;p10"/>
-          <p:cNvSpPr txBox="1"/>
+          <p:cNvSpPr txBox="1">
+            <a:spLocks noGrp="1"/>
+          </p:cNvSpPr>
           <p:nvPr>
-            <p:ph idx="1" type="body"/>
+            <p:ph type="body" idx="1"/>
           </p:nvPr>
         </p:nvSpPr>
         <p:spPr>
@@ -7954,9 +7769,9 @@
           </a:prstGeom>
         </p:spPr>
         <p:txBody>
-          <a:bodyPr anchorCtr="0" anchor="ctr" bIns="91425" lIns="91425" spcFirstLastPara="1" rIns="91425" wrap="square" tIns="91425"/>
+          <a:bodyPr spcFirstLastPara="1" wrap="square" lIns="91425" tIns="91425" rIns="91425" bIns="91425" anchor="ctr" anchorCtr="0"/>
           <a:lstStyle>
-            <a:lvl1pPr indent="-228600" lvl="0" marL="457200">
+            <a:lvl1pPr marL="457200" lvl="0" indent="-228600">
               <a:lnSpc>
                 <a:spcPct val="100000"/>
               </a:lnSpc>
@@ -7971,15 +7786,19 @@
               <a:defRPr/>
             </a:lvl1pPr>
           </a:lstStyle>
-          <a:p/>
+          <a:p>
+            <a:endParaRPr/>
+          </a:p>
         </p:txBody>
       </p:sp>
       <p:sp>
         <p:nvSpPr>
           <p:cNvPr id="104" name="Google Shape;104;p10"/>
-          <p:cNvSpPr txBox="1"/>
+          <p:cNvSpPr txBox="1">
+            <a:spLocks noGrp="1"/>
+          </p:cNvSpPr>
           <p:nvPr>
-            <p:ph idx="12" type="sldNum"/>
+            <p:ph type="sldNum" idx="12"/>
           </p:nvPr>
         </p:nvSpPr>
         <p:spPr>
@@ -7992,7 +7811,7 @@
           </a:prstGeom>
         </p:spPr>
         <p:txBody>
-          <a:bodyPr anchorCtr="0" anchor="ctr" bIns="91425" lIns="91425" spcFirstLastPara="1" rIns="91425" wrap="square" tIns="91425">
+          <a:bodyPr spcFirstLastPara="1" wrap="square" lIns="91425" tIns="91425" rIns="91425" bIns="91425" anchor="ctr" anchorCtr="0">
             <a:noAutofit/>
           </a:bodyPr>
           <a:lstStyle>
@@ -8034,7 +7853,7 @@
             </a:lvl9pPr>
           </a:lstStyle>
           <a:p>
-            <a:pPr indent="0" lvl="0" marL="0" rtl="0" algn="r">
+            <a:pPr marL="0" lvl="0" indent="0" algn="r" rtl="0">
               <a:spcBef>
                 <a:spcPts val="0"/>
               </a:spcBef>
@@ -8060,18 +7879,19 @@
 </file>
 
 <file path=ppt/slideMasters/slideMaster1.xml><?xml version="1.0" encoding="utf-8"?>
-<p:sldMaster xmlns:a="http://schemas.openxmlformats.org/drawingml/2006/main" xmlns:r="http://schemas.openxmlformats.org/officeDocument/2006/relationships" xmlns:mc="http://schemas.openxmlformats.org/markup-compatibility/2006" xmlns:mv="urn:schemas-microsoft-com:mac:vml" xmlns:p="http://schemas.openxmlformats.org/presentationml/2006/main" xmlns:c="http://schemas.openxmlformats.org/drawingml/2006/chart" xmlns:dgm="http://schemas.openxmlformats.org/drawingml/2006/diagram" xmlns:o="urn:schemas-microsoft-com:office:office" xmlns:v="urn:schemas-microsoft-com:vml" xmlns:pvml="urn:schemas-microsoft-com:office:powerpoint" xmlns:com="http://schemas.openxmlformats.org/drawingml/2006/compatibility" xmlns:p14="http://schemas.microsoft.com/office/powerpoint/2010/main" xmlns:p15="http://schemas.microsoft.com/office/powerpoint/2012/main">
+<p:sldMaster xmlns:a="http://schemas.openxmlformats.org/drawingml/2006/main" xmlns:r="http://schemas.openxmlformats.org/officeDocument/2006/relationships" xmlns:p="http://schemas.openxmlformats.org/presentationml/2006/main">
   <p:cSld name="focus">
     <p:bg>
       <p:bgPr>
         <a:solidFill>
           <a:schemeClr val="dk1"/>
         </a:solidFill>
+        <a:effectLst/>
       </p:bgPr>
     </p:bg>
     <p:spTree>
       <p:nvGrpSpPr>
-        <p:cNvPr id="5" name="Shape 5"/>
+        <p:cNvPr id="1" name="Shape 5"/>
         <p:cNvGrpSpPr/>
         <p:nvPr/>
       </p:nvGrpSpPr>
@@ -8086,7 +7906,9 @@
       <p:sp>
         <p:nvSpPr>
           <p:cNvPr id="6" name="Google Shape;6;p1"/>
-          <p:cNvSpPr txBox="1"/>
+          <p:cNvSpPr txBox="1">
+            <a:spLocks noGrp="1"/>
+          </p:cNvSpPr>
           <p:nvPr>
             <p:ph type="title"/>
           </p:nvPr>
@@ -8105,7 +7927,7 @@
           </a:ln>
         </p:spPr>
         <p:txBody>
-          <a:bodyPr anchorCtr="0" anchor="t" bIns="91425" lIns="91425" spcFirstLastPara="1" rIns="91425" wrap="square" tIns="91425"/>
+          <a:bodyPr spcFirstLastPara="1" wrap="square" lIns="91425" tIns="91425" rIns="91425" bIns="91425" anchor="t" anchorCtr="0"/>
           <a:lstStyle>
             <a:lvl1pPr lvl="0">
               <a:spcBef>
@@ -8315,15 +8137,19 @@
               </a:defRPr>
             </a:lvl9pPr>
           </a:lstStyle>
-          <a:p/>
+          <a:p>
+            <a:endParaRPr/>
+          </a:p>
         </p:txBody>
       </p:sp>
       <p:sp>
         <p:nvSpPr>
           <p:cNvPr id="7" name="Google Shape;7;p1"/>
-          <p:cNvSpPr txBox="1"/>
+          <p:cNvSpPr txBox="1">
+            <a:spLocks noGrp="1"/>
+          </p:cNvSpPr>
           <p:nvPr>
-            <p:ph idx="1" type="body"/>
+            <p:ph type="body" idx="1"/>
           </p:nvPr>
         </p:nvSpPr>
         <p:spPr>
@@ -8340,9 +8166,9 @@
           </a:ln>
         </p:spPr>
         <p:txBody>
-          <a:bodyPr anchorCtr="0" anchor="t" bIns="91425" lIns="91425" spcFirstLastPara="1" rIns="91425" wrap="square" tIns="91425"/>
+          <a:bodyPr spcFirstLastPara="1" wrap="square" lIns="91425" tIns="91425" rIns="91425" bIns="91425" anchor="t" anchorCtr="0"/>
           <a:lstStyle>
-            <a:lvl1pPr indent="-311150" lvl="0" marL="457200">
+            <a:lvl1pPr marL="457200" lvl="0" indent="-311150">
               <a:lnSpc>
                 <a:spcPct val="115000"/>
               </a:lnSpc>
@@ -8368,7 +8194,7 @@
                 <a:sym typeface="Lato"/>
               </a:defRPr>
             </a:lvl1pPr>
-            <a:lvl2pPr indent="-298450" lvl="1" marL="914400">
+            <a:lvl2pPr marL="914400" lvl="1" indent="-298450">
               <a:lnSpc>
                 <a:spcPct val="115000"/>
               </a:lnSpc>
@@ -8394,7 +8220,7 @@
                 <a:sym typeface="Lato"/>
               </a:defRPr>
             </a:lvl2pPr>
-            <a:lvl3pPr indent="-298450" lvl="2" marL="1371600">
+            <a:lvl3pPr marL="1371600" lvl="2" indent="-298450">
               <a:lnSpc>
                 <a:spcPct val="115000"/>
               </a:lnSpc>
@@ -8420,7 +8246,7 @@
                 <a:sym typeface="Lato"/>
               </a:defRPr>
             </a:lvl3pPr>
-            <a:lvl4pPr indent="-298450" lvl="3" marL="1828800">
+            <a:lvl4pPr marL="1828800" lvl="3" indent="-298450">
               <a:lnSpc>
                 <a:spcPct val="115000"/>
               </a:lnSpc>
@@ -8446,7 +8272,7 @@
                 <a:sym typeface="Lato"/>
               </a:defRPr>
             </a:lvl4pPr>
-            <a:lvl5pPr indent="-298450" lvl="4" marL="2286000">
+            <a:lvl5pPr marL="2286000" lvl="4" indent="-298450">
               <a:lnSpc>
                 <a:spcPct val="115000"/>
               </a:lnSpc>
@@ -8472,7 +8298,7 @@
                 <a:sym typeface="Lato"/>
               </a:defRPr>
             </a:lvl5pPr>
-            <a:lvl6pPr indent="-298450" lvl="5" marL="2743200">
+            <a:lvl6pPr marL="2743200" lvl="5" indent="-298450">
               <a:lnSpc>
                 <a:spcPct val="115000"/>
               </a:lnSpc>
@@ -8498,7 +8324,7 @@
                 <a:sym typeface="Lato"/>
               </a:defRPr>
             </a:lvl6pPr>
-            <a:lvl7pPr indent="-298450" lvl="6" marL="3200400">
+            <a:lvl7pPr marL="3200400" lvl="6" indent="-298450">
               <a:lnSpc>
                 <a:spcPct val="115000"/>
               </a:lnSpc>
@@ -8524,7 +8350,7 @@
                 <a:sym typeface="Lato"/>
               </a:defRPr>
             </a:lvl7pPr>
-            <a:lvl8pPr indent="-298450" lvl="7" marL="3657600">
+            <a:lvl8pPr marL="3657600" lvl="7" indent="-298450">
               <a:lnSpc>
                 <a:spcPct val="115000"/>
               </a:lnSpc>
@@ -8550,7 +8376,7 @@
                 <a:sym typeface="Lato"/>
               </a:defRPr>
             </a:lvl8pPr>
-            <a:lvl9pPr indent="-298450" lvl="8" marL="4114800">
+            <a:lvl9pPr marL="4114800" lvl="8" indent="-298450">
               <a:lnSpc>
                 <a:spcPct val="115000"/>
               </a:lnSpc>
@@ -8577,15 +8403,19 @@
               </a:defRPr>
             </a:lvl9pPr>
           </a:lstStyle>
-          <a:p/>
+          <a:p>
+            <a:endParaRPr/>
+          </a:p>
         </p:txBody>
       </p:sp>
       <p:sp>
         <p:nvSpPr>
           <p:cNvPr id="8" name="Google Shape;8;p1"/>
-          <p:cNvSpPr txBox="1"/>
+          <p:cNvSpPr txBox="1">
+            <a:spLocks noGrp="1"/>
+          </p:cNvSpPr>
           <p:nvPr>
-            <p:ph idx="12" type="sldNum"/>
+            <p:ph type="sldNum" idx="12"/>
           </p:nvPr>
         </p:nvSpPr>
         <p:spPr>
@@ -8602,7 +8432,7 @@
           </a:ln>
         </p:spPr>
         <p:txBody>
-          <a:bodyPr anchorCtr="0" anchor="ctr" bIns="91425" lIns="91425" spcFirstLastPara="1" rIns="91425" wrap="square" tIns="91425">
+          <a:bodyPr spcFirstLastPara="1" wrap="square" lIns="91425" tIns="91425" rIns="91425" bIns="91425" anchor="ctr" anchorCtr="0">
             <a:noAutofit/>
           </a:bodyPr>
           <a:lstStyle>
@@ -8716,7 +8546,7 @@
             </a:lvl9pPr>
           </a:lstStyle>
           <a:p>
-            <a:pPr indent="0" lvl="0" marL="0" rtl="0" algn="r">
+            <a:pPr marL="0" lvl="0" indent="0" algn="r" rtl="0">
               <a:spcBef>
                 <a:spcPts val="0"/>
               </a:spcBef>
@@ -8735,7 +8565,7 @@
       </p:sp>
     </p:spTree>
   </p:cSld>
-  <p:clrMap accent1="accent1" accent2="accent2" accent3="accent3" accent4="accent4" accent5="accent5" accent6="accent6" bg1="lt1" bg2="dk2" tx1="dk1" tx2="lt2" folHlink="folHlink" hlink="hlink"/>
+  <p:clrMap bg1="lt1" tx1="dk1" bg2="dk2" tx2="lt2" accent1="accent1" accent2="accent2" accent3="accent3" accent4="accent4" accent5="accent5" accent6="accent6" hlink="hlink" folHlink="folHlink"/>
   <p:sldLayoutIdLst>
     <p:sldLayoutId id="2147483648" r:id="rId1"/>
     <p:sldLayoutId id="2147483649" r:id="rId2"/>
@@ -8749,10 +8579,10 @@
     <p:sldLayoutId id="2147483657" r:id="rId10"/>
     <p:sldLayoutId id="2147483658" r:id="rId11"/>
   </p:sldLayoutIdLst>
-  <p:hf dt="0" ftr="0" hdr="0" sldNum="0"/>
+  <p:hf sldNum="0" hdr="0" ftr="0" dt="0"/>
   <p:txStyles>
     <p:titleStyle>
-      <a:defPPr lvl="0" marR="0" rtl="0" algn="l">
+      <a:defPPr marR="0" lvl="0" algn="l" rtl="0">
         <a:lnSpc>
           <a:spcPct val="100000"/>
         </a:lnSpc>
@@ -8763,7 +8593,7 @@
           <a:spcPts val="0"/>
         </a:spcAft>
       </a:defPPr>
-      <a:lvl1pPr lvl="0" marR="0" rtl="0" algn="l">
+      <a:lvl1pPr marR="0" lvl="0" algn="l" rtl="0">
         <a:lnSpc>
           <a:spcPct val="100000"/>
         </a:lnSpc>
@@ -8777,7 +8607,7 @@
           <a:srgbClr val="000000"/>
         </a:buClr>
         <a:buFont typeface="Arial"/>
-        <a:defRPr b="0" i="0" sz="1400" u="none" cap="none" strike="noStrike">
+        <a:defRPr sz="1400" b="0" i="0" u="none" strike="noStrike" cap="none">
           <a:solidFill>
             <a:srgbClr val="000000"/>
           </a:solidFill>
@@ -8787,7 +8617,7 @@
           <a:sym typeface="Arial"/>
         </a:defRPr>
       </a:lvl1pPr>
-      <a:lvl2pPr lvl="1" marR="0" rtl="0" algn="l">
+      <a:lvl2pPr marR="0" lvl="1" algn="l" rtl="0">
         <a:lnSpc>
           <a:spcPct val="100000"/>
         </a:lnSpc>
@@ -8801,7 +8631,7 @@
           <a:srgbClr val="000000"/>
         </a:buClr>
         <a:buFont typeface="Arial"/>
-        <a:defRPr b="0" i="0" sz="1400" u="none" cap="none" strike="noStrike">
+        <a:defRPr sz="1400" b="0" i="0" u="none" strike="noStrike" cap="none">
           <a:solidFill>
             <a:srgbClr val="000000"/>
           </a:solidFill>
@@ -8811,7 +8641,7 @@
           <a:sym typeface="Arial"/>
         </a:defRPr>
       </a:lvl2pPr>
-      <a:lvl3pPr lvl="2" marR="0" rtl="0" algn="l">
+      <a:lvl3pPr marR="0" lvl="2" algn="l" rtl="0">
         <a:lnSpc>
           <a:spcPct val="100000"/>
         </a:lnSpc>
@@ -8825,7 +8655,7 @@
           <a:srgbClr val="000000"/>
         </a:buClr>
         <a:buFont typeface="Arial"/>
-        <a:defRPr b="0" i="0" sz="1400" u="none" cap="none" strike="noStrike">
+        <a:defRPr sz="1400" b="0" i="0" u="none" strike="noStrike" cap="none">
           <a:solidFill>
             <a:srgbClr val="000000"/>
           </a:solidFill>
@@ -8835,7 +8665,7 @@
           <a:sym typeface="Arial"/>
         </a:defRPr>
       </a:lvl3pPr>
-      <a:lvl4pPr lvl="3" marR="0" rtl="0" algn="l">
+      <a:lvl4pPr marR="0" lvl="3" algn="l" rtl="0">
         <a:lnSpc>
           <a:spcPct val="100000"/>
         </a:lnSpc>
@@ -8849,7 +8679,7 @@
           <a:srgbClr val="000000"/>
         </a:buClr>
         <a:buFont typeface="Arial"/>
-        <a:defRPr b="0" i="0" sz="1400" u="none" cap="none" strike="noStrike">
+        <a:defRPr sz="1400" b="0" i="0" u="none" strike="noStrike" cap="none">
           <a:solidFill>
             <a:srgbClr val="000000"/>
           </a:solidFill>
@@ -8859,7 +8689,7 @@
           <a:sym typeface="Arial"/>
         </a:defRPr>
       </a:lvl4pPr>
-      <a:lvl5pPr lvl="4" marR="0" rtl="0" algn="l">
+      <a:lvl5pPr marR="0" lvl="4" algn="l" rtl="0">
         <a:lnSpc>
           <a:spcPct val="100000"/>
         </a:lnSpc>
@@ -8873,7 +8703,7 @@
           <a:srgbClr val="000000"/>
         </a:buClr>
         <a:buFont typeface="Arial"/>
-        <a:defRPr b="0" i="0" sz="1400" u="none" cap="none" strike="noStrike">
+        <a:defRPr sz="1400" b="0" i="0" u="none" strike="noStrike" cap="none">
           <a:solidFill>
             <a:srgbClr val="000000"/>
           </a:solidFill>
@@ -8883,7 +8713,7 @@
           <a:sym typeface="Arial"/>
         </a:defRPr>
       </a:lvl5pPr>
-      <a:lvl6pPr lvl="5" marR="0" rtl="0" algn="l">
+      <a:lvl6pPr marR="0" lvl="5" algn="l" rtl="0">
         <a:lnSpc>
           <a:spcPct val="100000"/>
         </a:lnSpc>
@@ -8897,7 +8727,7 @@
           <a:srgbClr val="000000"/>
         </a:buClr>
         <a:buFont typeface="Arial"/>
-        <a:defRPr b="0" i="0" sz="1400" u="none" cap="none" strike="noStrike">
+        <a:defRPr sz="1400" b="0" i="0" u="none" strike="noStrike" cap="none">
           <a:solidFill>
             <a:srgbClr val="000000"/>
           </a:solidFill>
@@ -8907,7 +8737,7 @@
           <a:sym typeface="Arial"/>
         </a:defRPr>
       </a:lvl6pPr>
-      <a:lvl7pPr lvl="6" marR="0" rtl="0" algn="l">
+      <a:lvl7pPr marR="0" lvl="6" algn="l" rtl="0">
         <a:lnSpc>
           <a:spcPct val="100000"/>
         </a:lnSpc>
@@ -8921,7 +8751,7 @@
           <a:srgbClr val="000000"/>
         </a:buClr>
         <a:buFont typeface="Arial"/>
-        <a:defRPr b="0" i="0" sz="1400" u="none" cap="none" strike="noStrike">
+        <a:defRPr sz="1400" b="0" i="0" u="none" strike="noStrike" cap="none">
           <a:solidFill>
             <a:srgbClr val="000000"/>
           </a:solidFill>
@@ -8931,7 +8761,7 @@
           <a:sym typeface="Arial"/>
         </a:defRPr>
       </a:lvl7pPr>
-      <a:lvl8pPr lvl="7" marR="0" rtl="0" algn="l">
+      <a:lvl8pPr marR="0" lvl="7" algn="l" rtl="0">
         <a:lnSpc>
           <a:spcPct val="100000"/>
         </a:lnSpc>
@@ -8945,7 +8775,7 @@
           <a:srgbClr val="000000"/>
         </a:buClr>
         <a:buFont typeface="Arial"/>
-        <a:defRPr b="0" i="0" sz="1400" u="none" cap="none" strike="noStrike">
+        <a:defRPr sz="1400" b="0" i="0" u="none" strike="noStrike" cap="none">
           <a:solidFill>
             <a:srgbClr val="000000"/>
           </a:solidFill>
@@ -8955,7 +8785,7 @@
           <a:sym typeface="Arial"/>
         </a:defRPr>
       </a:lvl8pPr>
-      <a:lvl9pPr lvl="8" marR="0" rtl="0" algn="l">
+      <a:lvl9pPr marR="0" lvl="8" algn="l" rtl="0">
         <a:lnSpc>
           <a:spcPct val="100000"/>
         </a:lnSpc>
@@ -8969,7 +8799,7 @@
           <a:srgbClr val="000000"/>
         </a:buClr>
         <a:buFont typeface="Arial"/>
-        <a:defRPr b="0" i="0" sz="1400" u="none" cap="none" strike="noStrike">
+        <a:defRPr sz="1400" b="0" i="0" u="none" strike="noStrike" cap="none">
           <a:solidFill>
             <a:srgbClr val="000000"/>
           </a:solidFill>
@@ -8981,7 +8811,7 @@
       </a:lvl9pPr>
     </p:titleStyle>
     <p:bodyStyle>
-      <a:defPPr lvl="0" marR="0" rtl="0" algn="l">
+      <a:defPPr marR="0" lvl="0" algn="l" rtl="0">
         <a:lnSpc>
           <a:spcPct val="100000"/>
         </a:lnSpc>
@@ -8992,7 +8822,7 @@
           <a:spcPts val="0"/>
         </a:spcAft>
       </a:defPPr>
-      <a:lvl1pPr lvl="0" marR="0" rtl="0" algn="l">
+      <a:lvl1pPr marR="0" lvl="0" algn="l" rtl="0">
         <a:lnSpc>
           <a:spcPct val="100000"/>
         </a:lnSpc>
@@ -9006,7 +8836,7 @@
           <a:srgbClr val="000000"/>
         </a:buClr>
         <a:buFont typeface="Arial"/>
-        <a:defRPr b="0" i="0" sz="1400" u="none" cap="none" strike="noStrike">
+        <a:defRPr sz="1400" b="0" i="0" u="none" strike="noStrike" cap="none">
           <a:solidFill>
             <a:srgbClr val="000000"/>
           </a:solidFill>
@@ -9016,7 +8846,7 @@
           <a:sym typeface="Arial"/>
         </a:defRPr>
       </a:lvl1pPr>
-      <a:lvl2pPr lvl="1" marR="0" rtl="0" algn="l">
+      <a:lvl2pPr marR="0" lvl="1" algn="l" rtl="0">
         <a:lnSpc>
           <a:spcPct val="100000"/>
         </a:lnSpc>
@@ -9030,7 +8860,7 @@
           <a:srgbClr val="000000"/>
         </a:buClr>
         <a:buFont typeface="Arial"/>
-        <a:defRPr b="0" i="0" sz="1400" u="none" cap="none" strike="noStrike">
+        <a:defRPr sz="1400" b="0" i="0" u="none" strike="noStrike" cap="none">
           <a:solidFill>
             <a:srgbClr val="000000"/>
           </a:solidFill>
@@ -9040,7 +8870,7 @@
           <a:sym typeface="Arial"/>
         </a:defRPr>
       </a:lvl2pPr>
-      <a:lvl3pPr lvl="2" marR="0" rtl="0" algn="l">
+      <a:lvl3pPr marR="0" lvl="2" algn="l" rtl="0">
         <a:lnSpc>
           <a:spcPct val="100000"/>
         </a:lnSpc>
@@ -9054,7 +8884,7 @@
           <a:srgbClr val="000000"/>
         </a:buClr>
         <a:buFont typeface="Arial"/>
-        <a:defRPr b="0" i="0" sz="1400" u="none" cap="none" strike="noStrike">
+        <a:defRPr sz="1400" b="0" i="0" u="none" strike="noStrike" cap="none">
           <a:solidFill>
             <a:srgbClr val="000000"/>
           </a:solidFill>
@@ -9064,7 +8894,7 @@
           <a:sym typeface="Arial"/>
         </a:defRPr>
       </a:lvl3pPr>
-      <a:lvl4pPr lvl="3" marR="0" rtl="0" algn="l">
+      <a:lvl4pPr marR="0" lvl="3" algn="l" rtl="0">
         <a:lnSpc>
           <a:spcPct val="100000"/>
         </a:lnSpc>
@@ -9078,7 +8908,7 @@
           <a:srgbClr val="000000"/>
         </a:buClr>
         <a:buFont typeface="Arial"/>
-        <a:defRPr b="0" i="0" sz="1400" u="none" cap="none" strike="noStrike">
+        <a:defRPr sz="1400" b="0" i="0" u="none" strike="noStrike" cap="none">
           <a:solidFill>
             <a:srgbClr val="000000"/>
           </a:solidFill>
@@ -9088,7 +8918,7 @@
           <a:sym typeface="Arial"/>
         </a:defRPr>
       </a:lvl4pPr>
-      <a:lvl5pPr lvl="4" marR="0" rtl="0" algn="l">
+      <a:lvl5pPr marR="0" lvl="4" algn="l" rtl="0">
         <a:lnSpc>
           <a:spcPct val="100000"/>
         </a:lnSpc>
@@ -9102,7 +8932,7 @@
           <a:srgbClr val="000000"/>
         </a:buClr>
         <a:buFont typeface="Arial"/>
-        <a:defRPr b="0" i="0" sz="1400" u="none" cap="none" strike="noStrike">
+        <a:defRPr sz="1400" b="0" i="0" u="none" strike="noStrike" cap="none">
           <a:solidFill>
             <a:srgbClr val="000000"/>
           </a:solidFill>
@@ -9112,7 +8942,7 @@
           <a:sym typeface="Arial"/>
         </a:defRPr>
       </a:lvl5pPr>
-      <a:lvl6pPr lvl="5" marR="0" rtl="0" algn="l">
+      <a:lvl6pPr marR="0" lvl="5" algn="l" rtl="0">
         <a:lnSpc>
           <a:spcPct val="100000"/>
         </a:lnSpc>
@@ -9126,7 +8956,7 @@
           <a:srgbClr val="000000"/>
         </a:buClr>
         <a:buFont typeface="Arial"/>
-        <a:defRPr b="0" i="0" sz="1400" u="none" cap="none" strike="noStrike">
+        <a:defRPr sz="1400" b="0" i="0" u="none" strike="noStrike" cap="none">
           <a:solidFill>
             <a:srgbClr val="000000"/>
           </a:solidFill>
@@ -9136,7 +8966,7 @@
           <a:sym typeface="Arial"/>
         </a:defRPr>
       </a:lvl6pPr>
-      <a:lvl7pPr lvl="6" marR="0" rtl="0" algn="l">
+      <a:lvl7pPr marR="0" lvl="6" algn="l" rtl="0">
         <a:lnSpc>
           <a:spcPct val="100000"/>
         </a:lnSpc>
@@ -9150,7 +8980,7 @@
           <a:srgbClr val="000000"/>
         </a:buClr>
         <a:buFont typeface="Arial"/>
-        <a:defRPr b="0" i="0" sz="1400" u="none" cap="none" strike="noStrike">
+        <a:defRPr sz="1400" b="0" i="0" u="none" strike="noStrike" cap="none">
           <a:solidFill>
             <a:srgbClr val="000000"/>
           </a:solidFill>
@@ -9160,7 +8990,7 @@
           <a:sym typeface="Arial"/>
         </a:defRPr>
       </a:lvl7pPr>
-      <a:lvl8pPr lvl="7" marR="0" rtl="0" algn="l">
+      <a:lvl8pPr marR="0" lvl="7" algn="l" rtl="0">
         <a:lnSpc>
           <a:spcPct val="100000"/>
         </a:lnSpc>
@@ -9174,7 +9004,7 @@
           <a:srgbClr val="000000"/>
         </a:buClr>
         <a:buFont typeface="Arial"/>
-        <a:defRPr b="0" i="0" sz="1400" u="none" cap="none" strike="noStrike">
+        <a:defRPr sz="1400" b="0" i="0" u="none" strike="noStrike" cap="none">
           <a:solidFill>
             <a:srgbClr val="000000"/>
           </a:solidFill>
@@ -9184,7 +9014,7 @@
           <a:sym typeface="Arial"/>
         </a:defRPr>
       </a:lvl8pPr>
-      <a:lvl9pPr lvl="8" marR="0" rtl="0" algn="l">
+      <a:lvl9pPr marR="0" lvl="8" algn="l" rtl="0">
         <a:lnSpc>
           <a:spcPct val="100000"/>
         </a:lnSpc>
@@ -9198,7 +9028,7 @@
           <a:srgbClr val="000000"/>
         </a:buClr>
         <a:buFont typeface="Arial"/>
-        <a:defRPr b="0" i="0" sz="1400" u="none" cap="none" strike="noStrike">
+        <a:defRPr sz="1400" b="0" i="0" u="none" strike="noStrike" cap="none">
           <a:solidFill>
             <a:srgbClr val="000000"/>
           </a:solidFill>
@@ -9210,7 +9040,7 @@
       </a:lvl9pPr>
     </p:bodyStyle>
     <p:otherStyle>
-      <a:defPPr lvl="0" marR="0" rtl="0" algn="l">
+      <a:defPPr marR="0" lvl="0" algn="l" rtl="0">
         <a:lnSpc>
           <a:spcPct val="100000"/>
         </a:lnSpc>
@@ -9221,7 +9051,7 @@
           <a:spcPts val="0"/>
         </a:spcAft>
       </a:defPPr>
-      <a:lvl1pPr lvl="0" marR="0" rtl="0" algn="l">
+      <a:lvl1pPr marR="0" lvl="0" algn="l" rtl="0">
         <a:lnSpc>
           <a:spcPct val="100000"/>
         </a:lnSpc>
@@ -9235,7 +9065,7 @@
           <a:srgbClr val="000000"/>
         </a:buClr>
         <a:buFont typeface="Arial"/>
-        <a:defRPr b="0" i="0" sz="1400" u="none" cap="none" strike="noStrike">
+        <a:defRPr sz="1400" b="0" i="0" u="none" strike="noStrike" cap="none">
           <a:solidFill>
             <a:srgbClr val="000000"/>
           </a:solidFill>
@@ -9245,7 +9075,7 @@
           <a:sym typeface="Arial"/>
         </a:defRPr>
       </a:lvl1pPr>
-      <a:lvl2pPr lvl="1" marR="0" rtl="0" algn="l">
+      <a:lvl2pPr marR="0" lvl="1" algn="l" rtl="0">
         <a:lnSpc>
           <a:spcPct val="100000"/>
         </a:lnSpc>
@@ -9259,7 +9089,7 @@
           <a:srgbClr val="000000"/>
         </a:buClr>
         <a:buFont typeface="Arial"/>
-        <a:defRPr b="0" i="0" sz="1400" u="none" cap="none" strike="noStrike">
+        <a:defRPr sz="1400" b="0" i="0" u="none" strike="noStrike" cap="none">
           <a:solidFill>
             <a:srgbClr val="000000"/>
           </a:solidFill>
@@ -9269,7 +9099,7 @@
           <a:sym typeface="Arial"/>
         </a:defRPr>
       </a:lvl2pPr>
-      <a:lvl3pPr lvl="2" marR="0" rtl="0" algn="l">
+      <a:lvl3pPr marR="0" lvl="2" algn="l" rtl="0">
         <a:lnSpc>
           <a:spcPct val="100000"/>
         </a:lnSpc>
@@ -9283,7 +9113,7 @@
           <a:srgbClr val="000000"/>
         </a:buClr>
         <a:buFont typeface="Arial"/>
-        <a:defRPr b="0" i="0" sz="1400" u="none" cap="none" strike="noStrike">
+        <a:defRPr sz="1400" b="0" i="0" u="none" strike="noStrike" cap="none">
           <a:solidFill>
             <a:srgbClr val="000000"/>
           </a:solidFill>
@@ -9293,7 +9123,7 @@
           <a:sym typeface="Arial"/>
         </a:defRPr>
       </a:lvl3pPr>
-      <a:lvl4pPr lvl="3" marR="0" rtl="0" algn="l">
+      <a:lvl4pPr marR="0" lvl="3" algn="l" rtl="0">
         <a:lnSpc>
           <a:spcPct val="100000"/>
         </a:lnSpc>
@@ -9307,7 +9137,7 @@
           <a:srgbClr val="000000"/>
         </a:buClr>
         <a:buFont typeface="Arial"/>
-        <a:defRPr b="0" i="0" sz="1400" u="none" cap="none" strike="noStrike">
+        <a:defRPr sz="1400" b="0" i="0" u="none" strike="noStrike" cap="none">
           <a:solidFill>
             <a:srgbClr val="000000"/>
           </a:solidFill>
@@ -9317,7 +9147,7 @@
           <a:sym typeface="Arial"/>
         </a:defRPr>
       </a:lvl4pPr>
-      <a:lvl5pPr lvl="4" marR="0" rtl="0" algn="l">
+      <a:lvl5pPr marR="0" lvl="4" algn="l" rtl="0">
         <a:lnSpc>
           <a:spcPct val="100000"/>
         </a:lnSpc>
@@ -9331,7 +9161,7 @@
           <a:srgbClr val="000000"/>
         </a:buClr>
         <a:buFont typeface="Arial"/>
-        <a:defRPr b="0" i="0" sz="1400" u="none" cap="none" strike="noStrike">
+        <a:defRPr sz="1400" b="0" i="0" u="none" strike="noStrike" cap="none">
           <a:solidFill>
             <a:srgbClr val="000000"/>
           </a:solidFill>
@@ -9341,7 +9171,7 @@
           <a:sym typeface="Arial"/>
         </a:defRPr>
       </a:lvl5pPr>
-      <a:lvl6pPr lvl="5" marR="0" rtl="0" algn="l">
+      <a:lvl6pPr marR="0" lvl="5" algn="l" rtl="0">
         <a:lnSpc>
           <a:spcPct val="100000"/>
         </a:lnSpc>
@@ -9355,7 +9185,7 @@
           <a:srgbClr val="000000"/>
         </a:buClr>
         <a:buFont typeface="Arial"/>
-        <a:defRPr b="0" i="0" sz="1400" u="none" cap="none" strike="noStrike">
+        <a:defRPr sz="1400" b="0" i="0" u="none" strike="noStrike" cap="none">
           <a:solidFill>
             <a:srgbClr val="000000"/>
           </a:solidFill>
@@ -9365,7 +9195,7 @@
           <a:sym typeface="Arial"/>
         </a:defRPr>
       </a:lvl6pPr>
-      <a:lvl7pPr lvl="6" marR="0" rtl="0" algn="l">
+      <a:lvl7pPr marR="0" lvl="6" algn="l" rtl="0">
         <a:lnSpc>
           <a:spcPct val="100000"/>
         </a:lnSpc>
@@ -9379,7 +9209,7 @@
           <a:srgbClr val="000000"/>
         </a:buClr>
         <a:buFont typeface="Arial"/>
-        <a:defRPr b="0" i="0" sz="1400" u="none" cap="none" strike="noStrike">
+        <a:defRPr sz="1400" b="0" i="0" u="none" strike="noStrike" cap="none">
           <a:solidFill>
             <a:srgbClr val="000000"/>
           </a:solidFill>
@@ -9389,7 +9219,7 @@
           <a:sym typeface="Arial"/>
         </a:defRPr>
       </a:lvl7pPr>
-      <a:lvl8pPr lvl="7" marR="0" rtl="0" algn="l">
+      <a:lvl8pPr marR="0" lvl="7" algn="l" rtl="0">
         <a:lnSpc>
           <a:spcPct val="100000"/>
         </a:lnSpc>
@@ -9403,7 +9233,7 @@
           <a:srgbClr val="000000"/>
         </a:buClr>
         <a:buFont typeface="Arial"/>
-        <a:defRPr b="0" i="0" sz="1400" u="none" cap="none" strike="noStrike">
+        <a:defRPr sz="1400" b="0" i="0" u="none" strike="noStrike" cap="none">
           <a:solidFill>
             <a:srgbClr val="000000"/>
           </a:solidFill>
@@ -9413,7 +9243,7 @@
           <a:sym typeface="Arial"/>
         </a:defRPr>
       </a:lvl8pPr>
-      <a:lvl9pPr lvl="8" marR="0" rtl="0" algn="l">
+      <a:lvl9pPr marR="0" lvl="8" algn="l" rtl="0">
         <a:lnSpc>
           <a:spcPct val="100000"/>
         </a:lnSpc>
@@ -9427,7 +9257,7 @@
           <a:srgbClr val="000000"/>
         </a:buClr>
         <a:buFont typeface="Arial"/>
-        <a:defRPr b="0" i="0" sz="1400" u="none" cap="none" strike="noStrike">
+        <a:defRPr sz="1400" b="0" i="0" u="none" strike="noStrike" cap="none">
           <a:solidFill>
             <a:srgbClr val="000000"/>
           </a:solidFill>
@@ -9443,11 +9273,11 @@
 </file>
 
 <file path=ppt/slides/slide1.xml><?xml version="1.0" encoding="utf-8"?>
-<p:sld xmlns:a="http://schemas.openxmlformats.org/drawingml/2006/main" xmlns:r="http://schemas.openxmlformats.org/officeDocument/2006/relationships" xmlns:mc="http://schemas.openxmlformats.org/markup-compatibility/2006" xmlns:mv="urn:schemas-microsoft-com:mac:vml" xmlns:p="http://schemas.openxmlformats.org/presentationml/2006/main" xmlns:c="http://schemas.openxmlformats.org/drawingml/2006/chart" xmlns:dgm="http://schemas.openxmlformats.org/drawingml/2006/diagram" xmlns:o="urn:schemas-microsoft-com:office:office" xmlns:v="urn:schemas-microsoft-com:vml" xmlns:pvml="urn:schemas-microsoft-com:office:powerpoint" xmlns:com="http://schemas.openxmlformats.org/drawingml/2006/compatibility" xmlns:p14="http://schemas.microsoft.com/office/powerpoint/2010/main" xmlns:p15="http://schemas.microsoft.com/office/powerpoint/2012/main">
+<p:sld xmlns:a="http://schemas.openxmlformats.org/drawingml/2006/main" xmlns:r="http://schemas.openxmlformats.org/officeDocument/2006/relationships" xmlns:p="http://schemas.openxmlformats.org/presentationml/2006/main">
   <p:cSld>
     <p:spTree>
       <p:nvGrpSpPr>
-        <p:cNvPr id="133" name="Shape 133"/>
+        <p:cNvPr id="1" name="Shape 133"/>
         <p:cNvGrpSpPr/>
         <p:nvPr/>
       </p:nvGrpSpPr>
@@ -9462,7 +9292,9 @@
       <p:sp>
         <p:nvSpPr>
           <p:cNvPr id="134" name="Google Shape;134;p13"/>
-          <p:cNvSpPr txBox="1"/>
+          <p:cNvSpPr txBox="1">
+            <a:spLocks noGrp="1"/>
+          </p:cNvSpPr>
           <p:nvPr>
             <p:ph type="title"/>
           </p:nvPr>
@@ -9477,12 +9309,12 @@
           </a:prstGeom>
         </p:spPr>
         <p:txBody>
-          <a:bodyPr anchorCtr="0" anchor="t" bIns="91425" lIns="91425" spcFirstLastPara="1" rIns="91425" wrap="square" tIns="91425">
+          <a:bodyPr spcFirstLastPara="1" wrap="square" lIns="91425" tIns="91425" rIns="91425" bIns="91425" anchor="t" anchorCtr="0">
             <a:noAutofit/>
           </a:bodyPr>
           <a:lstStyle/>
           <a:p>
-            <a:pPr indent="457200" lvl="0" marL="1828800" rtl="0" algn="l">
+            <a:pPr marL="1828800" lvl="0" indent="457200" algn="l" rtl="0">
               <a:spcBef>
                 <a:spcPts val="0"/>
               </a:spcBef>
@@ -9502,9 +9334,11 @@
       <p:sp>
         <p:nvSpPr>
           <p:cNvPr id="135" name="Google Shape;135;p13"/>
-          <p:cNvSpPr txBox="1"/>
+          <p:cNvSpPr txBox="1">
+            <a:spLocks noGrp="1"/>
+          </p:cNvSpPr>
           <p:nvPr>
-            <p:ph idx="1" type="body"/>
+            <p:ph type="body" idx="1"/>
           </p:nvPr>
         </p:nvSpPr>
         <p:spPr>
@@ -9517,12 +9351,12 @@
           </a:prstGeom>
         </p:spPr>
         <p:txBody>
-          <a:bodyPr anchorCtr="0" anchor="t" bIns="91425" lIns="91425" spcFirstLastPara="1" rIns="91425" wrap="square" tIns="91425">
+          <a:bodyPr spcFirstLastPara="1" wrap="square" lIns="91425" tIns="91425" rIns="91425" bIns="91425" anchor="t" anchorCtr="0">
             <a:noAutofit/>
           </a:bodyPr>
           <a:lstStyle/>
           <a:p>
-            <a:pPr indent="0" lvl="0" marL="0" rtl="0" algn="l">
+            <a:pPr marL="0" lvl="0" indent="0" algn="l" rtl="0">
               <a:spcBef>
                 <a:spcPts val="0"/>
               </a:spcBef>
@@ -9532,13 +9366,13 @@
               <a:buNone/>
             </a:pPr>
             <a:r>
-              <a:rPr lang="en"/>
+              <a:rPr lang="en" dirty="0"/>
               <a:t>How can we provide more accessibility on public spaces for people with vision impairment?</a:t>
             </a:r>
-            <a:endParaRPr/>
+            <a:endParaRPr dirty="0"/>
           </a:p>
           <a:p>
-            <a:pPr indent="0" lvl="0" marL="0" rtl="0" algn="l">
+            <a:pPr marL="0" lvl="0" indent="0" algn="l" rtl="0">
               <a:spcBef>
                 <a:spcPts val="1600"/>
               </a:spcBef>
@@ -9547,13 +9381,44 @@
               </a:spcAft>
               <a:buNone/>
             </a:pPr>
-            <a:r>
-              <a:t/>
-            </a:r>
-            <a:endParaRPr/>
+            <a:endParaRPr dirty="0"/>
           </a:p>
         </p:txBody>
       </p:sp>
+      <p:pic>
+        <p:nvPicPr>
+          <p:cNvPr id="4" name="Google Shape;154;p16">
+            <a:extLst>
+              <a:ext uri="{FF2B5EF4-FFF2-40B4-BE49-F238E27FC236}">
+                <a16:creationId xmlns:a16="http://schemas.microsoft.com/office/drawing/2014/main" id="{8C933E2E-B2DE-3745-9FBE-91224415D37B}"/>
+              </a:ext>
+            </a:extLst>
+          </p:cNvPr>
+          <p:cNvPicPr preferRelativeResize="0"/>
+          <p:nvPr/>
+        </p:nvPicPr>
+        <p:blipFill>
+          <a:blip r:embed="rId3">
+            <a:alphaModFix/>
+          </a:blip>
+          <a:stretch>
+            <a:fillRect/>
+          </a:stretch>
+        </p:blipFill>
+        <p:spPr>
+          <a:xfrm>
+            <a:off x="1127171" y="2155346"/>
+            <a:ext cx="3552406" cy="2594404"/>
+          </a:xfrm>
+          <a:prstGeom prst="rect">
+            <a:avLst/>
+          </a:prstGeom>
+          <a:noFill/>
+          <a:ln>
+            <a:noFill/>
+          </a:ln>
+        </p:spPr>
+      </p:pic>
     </p:spTree>
   </p:cSld>
   <p:clrMapOvr>
@@ -9563,11 +9428,11 @@
 </file>
 
 <file path=ppt/slides/slide2.xml><?xml version="1.0" encoding="utf-8"?>
-<p:sld xmlns:a="http://schemas.openxmlformats.org/drawingml/2006/main" xmlns:r="http://schemas.openxmlformats.org/officeDocument/2006/relationships" xmlns:mc="http://schemas.openxmlformats.org/markup-compatibility/2006" xmlns:mv="urn:schemas-microsoft-com:mac:vml" xmlns:p="http://schemas.openxmlformats.org/presentationml/2006/main" xmlns:c="http://schemas.openxmlformats.org/drawingml/2006/chart" xmlns:dgm="http://schemas.openxmlformats.org/drawingml/2006/diagram" xmlns:o="urn:schemas-microsoft-com:office:office" xmlns:v="urn:schemas-microsoft-com:vml" xmlns:pvml="urn:schemas-microsoft-com:office:powerpoint" xmlns:com="http://schemas.openxmlformats.org/drawingml/2006/compatibility" xmlns:p14="http://schemas.microsoft.com/office/powerpoint/2010/main" xmlns:p15="http://schemas.microsoft.com/office/powerpoint/2012/main">
+<p:sld xmlns:a="http://schemas.openxmlformats.org/drawingml/2006/main" xmlns:r="http://schemas.openxmlformats.org/officeDocument/2006/relationships" xmlns:p="http://schemas.openxmlformats.org/presentationml/2006/main">
   <p:cSld>
     <p:spTree>
       <p:nvGrpSpPr>
-        <p:cNvPr id="139" name="Shape 139"/>
+        <p:cNvPr id="1" name="Shape 139"/>
         <p:cNvGrpSpPr/>
         <p:nvPr/>
       </p:nvGrpSpPr>
@@ -9582,7 +9447,9 @@
       <p:sp>
         <p:nvSpPr>
           <p:cNvPr id="140" name="Google Shape;140;p14"/>
-          <p:cNvSpPr txBox="1"/>
+          <p:cNvSpPr txBox="1">
+            <a:spLocks noGrp="1"/>
+          </p:cNvSpPr>
           <p:nvPr>
             <p:ph type="title"/>
           </p:nvPr>
@@ -9597,12 +9464,12 @@
           </a:prstGeom>
         </p:spPr>
         <p:txBody>
-          <a:bodyPr anchorCtr="0" anchor="t" bIns="91425" lIns="91425" spcFirstLastPara="1" rIns="91425" wrap="square" tIns="91425">
+          <a:bodyPr spcFirstLastPara="1" wrap="square" lIns="91425" tIns="91425" rIns="91425" bIns="91425" anchor="t" anchorCtr="0">
             <a:noAutofit/>
           </a:bodyPr>
           <a:lstStyle/>
           <a:p>
-            <a:pPr indent="0" lvl="0" marL="0" rtl="0" algn="l">
+            <a:pPr marL="0" lvl="0" indent="0" algn="l" rtl="0">
               <a:spcBef>
                 <a:spcPts val="0"/>
               </a:spcBef>
@@ -9622,9 +9489,11 @@
       <p:sp>
         <p:nvSpPr>
           <p:cNvPr id="141" name="Google Shape;141;p14"/>
-          <p:cNvSpPr txBox="1"/>
+          <p:cNvSpPr txBox="1">
+            <a:spLocks noGrp="1"/>
+          </p:cNvSpPr>
           <p:nvPr>
-            <p:ph idx="1" type="body"/>
+            <p:ph type="body" idx="1"/>
           </p:nvPr>
         </p:nvSpPr>
         <p:spPr>
@@ -9637,12 +9506,12 @@
           </a:prstGeom>
         </p:spPr>
         <p:txBody>
-          <a:bodyPr anchorCtr="0" anchor="t" bIns="91425" lIns="91425" spcFirstLastPara="1" rIns="91425" wrap="square" tIns="91425">
+          <a:bodyPr spcFirstLastPara="1" wrap="square" lIns="91425" tIns="91425" rIns="91425" bIns="91425" anchor="t" anchorCtr="0">
             <a:noAutofit/>
           </a:bodyPr>
           <a:lstStyle/>
           <a:p>
-            <a:pPr indent="0" lvl="0" marL="0" rtl="0" algn="l">
+            <a:pPr marL="0" lvl="0" indent="0" algn="l" rtl="0">
               <a:spcBef>
                 <a:spcPts val="0"/>
               </a:spcBef>
@@ -9652,37 +9521,13 @@
               <a:buNone/>
             </a:pPr>
             <a:r>
-              <a:rPr lang="en"/>
-              <a:t>Created a smart cane that will assist the user by taking pictures of their </a:t>
+              <a:rPr lang="en" dirty="0"/>
+              <a:t>Created a smart cane that will assist the users by taking pictures of their surroundings and provide feedback information to the user of the objects in front of them, with a voice assistant.</a:t>
             </a:r>
-            <a:r>
-              <a:rPr lang="en"/>
-              <a:t>surroundings</a:t>
-            </a:r>
-            <a:r>
-              <a:rPr lang="en"/>
-              <a:t> and </a:t>
-            </a:r>
-            <a:r>
-              <a:rPr lang="en"/>
-              <a:t>feedback</a:t>
-            </a:r>
-            <a:r>
-              <a:rPr lang="en"/>
-              <a:t> information to the user of the objects </a:t>
-            </a:r>
-            <a:r>
-              <a:rPr lang="en"/>
-              <a:t>in front</a:t>
-            </a:r>
-            <a:r>
-              <a:rPr lang="en"/>
-              <a:t> of them, with a voice assistant.</a:t>
-            </a:r>
-            <a:endParaRPr/>
+            <a:endParaRPr dirty="0"/>
           </a:p>
           <a:p>
-            <a:pPr indent="0" lvl="0" marL="0" rtl="0" algn="l">
+            <a:pPr marL="0" lvl="0" indent="0" algn="l" rtl="0">
               <a:spcBef>
                 <a:spcPts val="1600"/>
               </a:spcBef>
@@ -9692,10 +9537,21 @@
               <a:buNone/>
             </a:pPr>
             <a:r>
-              <a:rPr lang="en"/>
+              <a:rPr lang="en" dirty="0"/>
               <a:t>Users will have the choice to select the language of the voice assistant. </a:t>
             </a:r>
-            <a:endParaRPr/>
+          </a:p>
+          <a:p>
+            <a:pPr marL="0" lvl="0" indent="0" algn="l" rtl="0">
+              <a:spcBef>
+                <a:spcPts val="1600"/>
+              </a:spcBef>
+              <a:spcAft>
+                <a:spcPts val="1600"/>
+              </a:spcAft>
+              <a:buNone/>
+            </a:pPr>
+            <a:endParaRPr dirty="0"/>
           </a:p>
         </p:txBody>
       </p:sp>
@@ -9708,11 +9564,11 @@
 </file>
 
 <file path=ppt/slides/slide3.xml><?xml version="1.0" encoding="utf-8"?>
-<p:sld xmlns:a="http://schemas.openxmlformats.org/drawingml/2006/main" xmlns:r="http://schemas.openxmlformats.org/officeDocument/2006/relationships" xmlns:mc="http://schemas.openxmlformats.org/markup-compatibility/2006" xmlns:mv="urn:schemas-microsoft-com:mac:vml" xmlns:p="http://schemas.openxmlformats.org/presentationml/2006/main" xmlns:c="http://schemas.openxmlformats.org/drawingml/2006/chart" xmlns:dgm="http://schemas.openxmlformats.org/drawingml/2006/diagram" xmlns:o="urn:schemas-microsoft-com:office:office" xmlns:v="urn:schemas-microsoft-com:vml" xmlns:pvml="urn:schemas-microsoft-com:office:powerpoint" xmlns:com="http://schemas.openxmlformats.org/drawingml/2006/compatibility" xmlns:p14="http://schemas.microsoft.com/office/powerpoint/2010/main" xmlns:p15="http://schemas.microsoft.com/office/powerpoint/2012/main">
+<p:sld xmlns:a="http://schemas.openxmlformats.org/drawingml/2006/main" xmlns:r="http://schemas.openxmlformats.org/officeDocument/2006/relationships" xmlns:p="http://schemas.openxmlformats.org/presentationml/2006/main">
   <p:cSld>
     <p:spTree>
       <p:nvGrpSpPr>
-        <p:cNvPr id="145" name="Shape 145"/>
+        <p:cNvPr id="1" name="Shape 145"/>
         <p:cNvGrpSpPr/>
         <p:nvPr/>
       </p:nvGrpSpPr>
@@ -9727,7 +9583,9 @@
       <p:sp>
         <p:nvSpPr>
           <p:cNvPr id="146" name="Google Shape;146;p15"/>
-          <p:cNvSpPr txBox="1"/>
+          <p:cNvSpPr txBox="1">
+            <a:spLocks noGrp="1"/>
+          </p:cNvSpPr>
           <p:nvPr>
             <p:ph type="title"/>
           </p:nvPr>
@@ -9742,12 +9600,12 @@
           </a:prstGeom>
         </p:spPr>
         <p:txBody>
-          <a:bodyPr anchorCtr="0" anchor="t" bIns="91425" lIns="91425" spcFirstLastPara="1" rIns="91425" wrap="square" tIns="91425">
+          <a:bodyPr spcFirstLastPara="1" wrap="square" lIns="91425" tIns="91425" rIns="91425" bIns="91425" anchor="t" anchorCtr="0">
             <a:noAutofit/>
           </a:bodyPr>
           <a:lstStyle/>
           <a:p>
-            <a:pPr indent="0" lvl="0" marL="0" rtl="0" algn="l">
+            <a:pPr marL="0" lvl="0" indent="0" algn="l" rtl="0">
               <a:spcBef>
                 <a:spcPts val="0"/>
               </a:spcBef>
@@ -9767,9 +9625,11 @@
       <p:sp>
         <p:nvSpPr>
           <p:cNvPr id="147" name="Google Shape;147;p15"/>
-          <p:cNvSpPr txBox="1"/>
+          <p:cNvSpPr txBox="1">
+            <a:spLocks noGrp="1"/>
+          </p:cNvSpPr>
           <p:nvPr>
-            <p:ph idx="1" type="body"/>
+            <p:ph type="body" idx="1"/>
           </p:nvPr>
         </p:nvSpPr>
         <p:spPr>
@@ -9782,12 +9642,12 @@
           </a:prstGeom>
         </p:spPr>
         <p:txBody>
-          <a:bodyPr anchorCtr="0" anchor="t" bIns="91425" lIns="91425" spcFirstLastPara="1" rIns="91425" wrap="square" tIns="91425">
+          <a:bodyPr spcFirstLastPara="1" wrap="square" lIns="91425" tIns="91425" rIns="91425" bIns="91425" anchor="t" anchorCtr="0">
             <a:noAutofit/>
           </a:bodyPr>
           <a:lstStyle/>
           <a:p>
-            <a:pPr indent="0" lvl="0" marL="0" rtl="0" algn="l">
+            <a:pPr marL="0" lvl="0" indent="0" algn="l" rtl="0">
               <a:spcBef>
                 <a:spcPts val="0"/>
               </a:spcBef>
@@ -9803,7 +9663,7 @@
             <a:endParaRPr/>
           </a:p>
           <a:p>
-            <a:pPr indent="0" lvl="0" marL="0" rtl="0" algn="l">
+            <a:pPr marL="0" lvl="0" indent="0" algn="l" rtl="0">
               <a:spcBef>
                 <a:spcPts val="1600"/>
               </a:spcBef>
@@ -9819,7 +9679,7 @@
             <a:endParaRPr/>
           </a:p>
           <a:p>
-            <a:pPr indent="0" lvl="0" marL="0" rtl="0" algn="l">
+            <a:pPr marL="0" lvl="0" indent="0" algn="l" rtl="0">
               <a:spcBef>
                 <a:spcPts val="1600"/>
               </a:spcBef>
@@ -9845,11 +9705,11 @@
 </file>
 
 <file path=ppt/slides/slide4.xml><?xml version="1.0" encoding="utf-8"?>
-<p:sld xmlns:a="http://schemas.openxmlformats.org/drawingml/2006/main" xmlns:r="http://schemas.openxmlformats.org/officeDocument/2006/relationships" xmlns:mc="http://schemas.openxmlformats.org/markup-compatibility/2006" xmlns:mv="urn:schemas-microsoft-com:mac:vml" xmlns:p="http://schemas.openxmlformats.org/presentationml/2006/main" xmlns:c="http://schemas.openxmlformats.org/drawingml/2006/chart" xmlns:dgm="http://schemas.openxmlformats.org/drawingml/2006/diagram" xmlns:o="urn:schemas-microsoft-com:office:office" xmlns:v="urn:schemas-microsoft-com:vml" xmlns:pvml="urn:schemas-microsoft-com:office:powerpoint" xmlns:com="http://schemas.openxmlformats.org/drawingml/2006/compatibility" xmlns:p14="http://schemas.microsoft.com/office/powerpoint/2010/main" xmlns:p15="http://schemas.microsoft.com/office/powerpoint/2012/main">
+<p:sld xmlns:a="http://schemas.openxmlformats.org/drawingml/2006/main" xmlns:r="http://schemas.openxmlformats.org/officeDocument/2006/relationships" xmlns:p="http://schemas.openxmlformats.org/presentationml/2006/main">
   <p:cSld>
     <p:spTree>
       <p:nvGrpSpPr>
-        <p:cNvPr id="151" name="Shape 151"/>
+        <p:cNvPr id="1" name="Shape 158"/>
         <p:cNvGrpSpPr/>
         <p:nvPr/>
       </p:nvGrpSpPr>
@@ -9863,8 +9723,10 @@
       </p:grpSpPr>
       <p:sp>
         <p:nvSpPr>
-          <p:cNvPr id="152" name="Google Shape;152;p16"/>
-          <p:cNvSpPr txBox="1"/>
+          <p:cNvPr id="159" name="Google Shape;159;p17"/>
+          <p:cNvSpPr txBox="1">
+            <a:spLocks noGrp="1"/>
+          </p:cNvSpPr>
           <p:nvPr>
             <p:ph type="title"/>
           </p:nvPr>
@@ -9879,12 +9741,12 @@
           </a:prstGeom>
         </p:spPr>
         <p:txBody>
-          <a:bodyPr anchorCtr="0" anchor="t" bIns="91425" lIns="91425" spcFirstLastPara="1" rIns="91425" wrap="square" tIns="91425">
+          <a:bodyPr spcFirstLastPara="1" wrap="square" lIns="91425" tIns="91425" rIns="91425" bIns="91425" anchor="t" anchorCtr="0">
             <a:noAutofit/>
           </a:bodyPr>
           <a:lstStyle/>
           <a:p>
-            <a:pPr indent="0" lvl="0" marL="0" rtl="0" algn="l">
+            <a:pPr marL="0" lvl="0" indent="0" algn="l" rtl="0">
               <a:spcBef>
                 <a:spcPts val="0"/>
               </a:spcBef>
@@ -9894,7 +9756,8 @@
               <a:buNone/>
             </a:pPr>
             <a:r>
-              <a:t/>
+              <a:rPr lang="en"/>
+              <a:t>What’s Next?</a:t>
             </a:r>
             <a:endParaRPr/>
           </a:p>
@@ -9902,10 +9765,12 @@
       </p:sp>
       <p:sp>
         <p:nvSpPr>
-          <p:cNvPr id="153" name="Google Shape;153;p16"/>
-          <p:cNvSpPr txBox="1"/>
+          <p:cNvPr id="160" name="Google Shape;160;p17"/>
+          <p:cNvSpPr txBox="1">
+            <a:spLocks noGrp="1"/>
+          </p:cNvSpPr>
           <p:nvPr>
-            <p:ph idx="1" type="body"/>
+            <p:ph type="body" idx="1"/>
           </p:nvPr>
         </p:nvSpPr>
         <p:spPr>
@@ -9918,55 +9783,112 @@
           </a:prstGeom>
         </p:spPr>
         <p:txBody>
-          <a:bodyPr anchorCtr="0" anchor="t" bIns="91425" lIns="91425" spcFirstLastPara="1" rIns="91425" wrap="square" tIns="91425">
+          <a:bodyPr spcFirstLastPara="1" wrap="square" lIns="91425" tIns="91425" rIns="91425" bIns="91425" anchor="t" anchorCtr="0">
             <a:noAutofit/>
           </a:bodyPr>
           <a:lstStyle/>
           <a:p>
-            <a:pPr indent="0" lvl="0" marL="0" rtl="0" algn="l">
-              <a:spcBef>
-                <a:spcPts val="0"/>
-              </a:spcBef>
-              <a:spcAft>
-                <a:spcPts val="1600"/>
+            <a:pPr marL="0" lvl="0" indent="0" algn="l" rtl="0">
+              <a:spcBef>
+                <a:spcPts val="0"/>
+              </a:spcBef>
+              <a:spcAft>
+                <a:spcPts val="0"/>
               </a:spcAft>
               <a:buNone/>
             </a:pPr>
             <a:r>
-              <a:t/>
+              <a:rPr lang="en" dirty="0"/>
+              <a:t>Features that we want to implement in the future are:</a:t>
             </a:r>
-            <a:endParaRPr/>
+            <a:endParaRPr dirty="0"/>
+          </a:p>
+          <a:p>
+            <a:pPr marL="0" lvl="0" indent="0" algn="l" rtl="0">
+              <a:spcBef>
+                <a:spcPts val="1600"/>
+              </a:spcBef>
+              <a:spcAft>
+                <a:spcPts val="0"/>
+              </a:spcAft>
+              <a:buNone/>
+            </a:pPr>
+            <a:r>
+              <a:rPr lang="en" dirty="0"/>
+              <a:t>Make a bot access information from the database and relay back that information to the user.</a:t>
+            </a:r>
+          </a:p>
+          <a:p>
+            <a:pPr marL="0" lvl="0" indent="0" algn="l" rtl="0">
+              <a:spcBef>
+                <a:spcPts val="1600"/>
+              </a:spcBef>
+              <a:spcAft>
+                <a:spcPts val="0"/>
+              </a:spcAft>
+              <a:buNone/>
+            </a:pPr>
+            <a:r>
+              <a:rPr lang="en" dirty="0"/>
+              <a:t>Bot will use </a:t>
+            </a:r>
+            <a:r>
+              <a:rPr lang="en-US" dirty="0"/>
+              <a:t>artificial</a:t>
+            </a:r>
+            <a:r>
+              <a:rPr lang="en" dirty="0"/>
+              <a:t> intelligence to remember people that they met before.</a:t>
+            </a:r>
+          </a:p>
+          <a:p>
+            <a:pPr marL="0" lvl="0" indent="0" algn="l" rtl="0">
+              <a:spcBef>
+                <a:spcPts val="1600"/>
+              </a:spcBef>
+              <a:spcAft>
+                <a:spcPts val="0"/>
+              </a:spcAft>
+              <a:buNone/>
+            </a:pPr>
+            <a:r>
+              <a:rPr lang="en" dirty="0"/>
+              <a:t>Giving the user choices  to select their language preferences,  the bot will translate instruction on real time .</a:t>
+            </a:r>
+          </a:p>
+          <a:p>
+            <a:pPr marL="0" lvl="0" indent="0" algn="l" rtl="0">
+              <a:spcBef>
+                <a:spcPts val="1600"/>
+              </a:spcBef>
+              <a:spcAft>
+                <a:spcPts val="0"/>
+              </a:spcAft>
+              <a:buNone/>
+            </a:pPr>
+            <a:r>
+              <a:rPr lang="en" dirty="0"/>
+              <a:t>Since we are dealing with disable personal the cane will also implement an emergency functionality in case of any problem arise.</a:t>
+            </a:r>
+          </a:p>
+          <a:p>
+            <a:pPr marL="0" lvl="0" indent="0" algn="l" rtl="0">
+              <a:spcBef>
+                <a:spcPts val="1600"/>
+              </a:spcBef>
+              <a:spcAft>
+                <a:spcPts val="0"/>
+              </a:spcAft>
+              <a:buNone/>
+            </a:pPr>
+            <a:r>
+              <a:rPr lang="en" dirty="0"/>
+              <a:t> </a:t>
+            </a:r>
+            <a:endParaRPr dirty="0"/>
           </a:p>
         </p:txBody>
       </p:sp>
-      <p:pic>
-        <p:nvPicPr>
-          <p:cNvPr id="154" name="Google Shape;154;p16"/>
-          <p:cNvPicPr preferRelativeResize="0"/>
-          <p:nvPr/>
-        </p:nvPicPr>
-        <p:blipFill>
-          <a:blip r:embed="rId3">
-            <a:alphaModFix/>
-          </a:blip>
-          <a:stretch>
-            <a:fillRect/>
-          </a:stretch>
-        </p:blipFill>
-        <p:spPr>
-          <a:xfrm>
-            <a:off x="769043" y="0"/>
-            <a:ext cx="7605914" cy="5143499"/>
-          </a:xfrm>
-          <a:prstGeom prst="rect">
-            <a:avLst/>
-          </a:prstGeom>
-          <a:noFill/>
-          <a:ln>
-            <a:noFill/>
-          </a:ln>
-        </p:spPr>
-      </p:pic>
     </p:spTree>
   </p:cSld>
   <p:clrMapOvr>
@@ -9976,11 +9898,11 @@
 </file>
 
 <file path=ppt/slides/slide5.xml><?xml version="1.0" encoding="utf-8"?>
-<p:sld xmlns:a="http://schemas.openxmlformats.org/drawingml/2006/main" xmlns:r="http://schemas.openxmlformats.org/officeDocument/2006/relationships" xmlns:mc="http://schemas.openxmlformats.org/markup-compatibility/2006" xmlns:mv="urn:schemas-microsoft-com:mac:vml" xmlns:p="http://schemas.openxmlformats.org/presentationml/2006/main" xmlns:c="http://schemas.openxmlformats.org/drawingml/2006/chart" xmlns:dgm="http://schemas.openxmlformats.org/drawingml/2006/diagram" xmlns:o="urn:schemas-microsoft-com:office:office" xmlns:v="urn:schemas-microsoft-com:vml" xmlns:pvml="urn:schemas-microsoft-com:office:powerpoint" xmlns:com="http://schemas.openxmlformats.org/drawingml/2006/compatibility" xmlns:p14="http://schemas.microsoft.com/office/powerpoint/2010/main" xmlns:p15="http://schemas.microsoft.com/office/powerpoint/2012/main">
+<p:sld xmlns:a="http://schemas.openxmlformats.org/drawingml/2006/main" xmlns:r="http://schemas.openxmlformats.org/officeDocument/2006/relationships" xmlns:p="http://schemas.openxmlformats.org/presentationml/2006/main">
   <p:cSld>
     <p:spTree>
       <p:nvGrpSpPr>
-        <p:cNvPr id="158" name="Shape 158"/>
+        <p:cNvPr id="1" name="Shape 164"/>
         <p:cNvGrpSpPr/>
         <p:nvPr/>
       </p:nvGrpSpPr>
@@ -9994,8 +9916,10 @@
       </p:grpSpPr>
       <p:sp>
         <p:nvSpPr>
-          <p:cNvPr id="159" name="Google Shape;159;p17"/>
-          <p:cNvSpPr txBox="1"/>
+          <p:cNvPr id="165" name="Google Shape;165;p18"/>
+          <p:cNvSpPr txBox="1">
+            <a:spLocks noGrp="1"/>
+          </p:cNvSpPr>
           <p:nvPr>
             <p:ph type="title"/>
           </p:nvPr>
@@ -10010,12 +9934,12 @@
           </a:prstGeom>
         </p:spPr>
         <p:txBody>
-          <a:bodyPr anchorCtr="0" anchor="t" bIns="91425" lIns="91425" spcFirstLastPara="1" rIns="91425" wrap="square" tIns="91425">
+          <a:bodyPr spcFirstLastPara="1" wrap="square" lIns="91425" tIns="91425" rIns="91425" bIns="91425" anchor="t" anchorCtr="0">
             <a:noAutofit/>
           </a:bodyPr>
           <a:lstStyle/>
           <a:p>
-            <a:pPr indent="0" lvl="0" marL="0" rtl="0" algn="l">
+            <a:pPr marL="0" lvl="0" indent="0" algn="l" rtl="0">
               <a:spcBef>
                 <a:spcPts val="0"/>
               </a:spcBef>
@@ -10025,19 +9949,21 @@
               <a:buNone/>
             </a:pPr>
             <a:r>
-              <a:rPr lang="en"/>
-              <a:t>What’s Next?</a:t>
+              <a:rPr lang="en-US" dirty="0"/>
+              <a:t>Roles</a:t>
             </a:r>
-            <a:endParaRPr/>
+            <a:endParaRPr dirty="0"/>
           </a:p>
         </p:txBody>
       </p:sp>
       <p:sp>
         <p:nvSpPr>
-          <p:cNvPr id="160" name="Google Shape;160;p17"/>
-          <p:cNvSpPr txBox="1"/>
+          <p:cNvPr id="166" name="Google Shape;166;p18"/>
+          <p:cNvSpPr txBox="1">
+            <a:spLocks noGrp="1"/>
+          </p:cNvSpPr>
           <p:nvPr>
-            <p:ph idx="1" type="body"/>
+            <p:ph type="body" idx="1"/>
           </p:nvPr>
         </p:nvSpPr>
         <p:spPr>
@@ -10050,12 +9976,12 @@
           </a:prstGeom>
         </p:spPr>
         <p:txBody>
-          <a:bodyPr anchorCtr="0" anchor="t" bIns="91425" lIns="91425" spcFirstLastPara="1" rIns="91425" wrap="square" tIns="91425">
+          <a:bodyPr spcFirstLastPara="1" wrap="square" lIns="91425" tIns="91425" rIns="91425" bIns="91425" anchor="t" anchorCtr="0">
             <a:noAutofit/>
           </a:bodyPr>
           <a:lstStyle/>
           <a:p>
-            <a:pPr indent="0" lvl="0" marL="0" rtl="0" algn="l">
+            <a:pPr marL="0" lvl="0" indent="0" algn="l" rtl="0">
               <a:spcBef>
                 <a:spcPts val="0"/>
               </a:spcBef>
@@ -10065,13 +9991,13 @@
               <a:buNone/>
             </a:pPr>
             <a:r>
-              <a:rPr lang="en"/>
-              <a:t>Features that we want to implement in the future are:</a:t>
+              <a:rPr lang="en" dirty="0"/>
+              <a:t>  By</a:t>
             </a:r>
-            <a:endParaRPr/>
+            <a:endParaRPr dirty="0"/>
           </a:p>
           <a:p>
-            <a:pPr indent="0" lvl="0" marL="0" rtl="0" algn="l">
+            <a:pPr marL="0" lvl="0" indent="0" algn="l" rtl="0">
               <a:spcBef>
                 <a:spcPts val="1600"/>
               </a:spcBef>
@@ -10081,13 +10007,13 @@
               <a:buNone/>
             </a:pPr>
             <a:r>
-              <a:rPr lang="en"/>
-              <a:t>Make a bot access information from the database and relay back thats information if the user has seen that person before and including the date that the picture was taken.</a:t>
+              <a:rPr lang="en" dirty="0"/>
+              <a:t>    Luis Manon – google vision API implementation</a:t>
             </a:r>
-            <a:endParaRPr/>
+            <a:endParaRPr dirty="0"/>
           </a:p>
           <a:p>
-            <a:pPr indent="0" lvl="0" marL="0" rtl="0" algn="l">
+            <a:pPr marL="0" lvl="0" indent="0" algn="l" rtl="0">
               <a:spcBef>
                 <a:spcPts val="1600"/>
               </a:spcBef>
@@ -10097,79 +10023,47 @@
               <a:buNone/>
             </a:pPr>
             <a:r>
-              <a:rPr lang="en"/>
-              <a:t>Giving the user choices s to select their prefered language. </a:t>
+              <a:rPr lang="en" dirty="0"/>
+              <a:t>    </a:t>
             </a:r>
-            <a:endParaRPr/>
+            <a:r>
+              <a:rPr lang="en" dirty="0" err="1"/>
+              <a:t>Ehson</a:t>
+            </a:r>
+            <a:r>
+              <a:rPr lang="en" dirty="0"/>
+              <a:t> </a:t>
+            </a:r>
+            <a:r>
+              <a:rPr lang="en" dirty="0" err="1"/>
+              <a:t>Assani</a:t>
+            </a:r>
+            <a:r>
+              <a:rPr lang="en" dirty="0"/>
+              <a:t> – firebase database implementation</a:t>
+            </a:r>
+            <a:endParaRPr dirty="0"/>
           </a:p>
           <a:p>
-            <a:pPr indent="0" lvl="0" marL="0" rtl="0" algn="l">
+            <a:pPr marL="0" lvl="0" indent="0" algn="l" rtl="0">
               <a:spcBef>
                 <a:spcPts val="1600"/>
               </a:spcBef>
               <a:spcAft>
-                <a:spcPts val="1600"/>
+                <a:spcPts val="0"/>
               </a:spcAft>
               <a:buNone/>
             </a:pPr>
             <a:r>
-              <a:t/>
+              <a:rPr lang="en" dirty="0"/>
+              <a:t>    Stanley Pena – text to speech implementation  </a:t>
             </a:r>
-            <a:endParaRPr/>
+            <a:endParaRPr dirty="0"/>
           </a:p>
-        </p:txBody>
-      </p:sp>
-    </p:spTree>
-  </p:cSld>
-  <p:clrMapOvr>
-    <a:masterClrMapping/>
-  </p:clrMapOvr>
-</p:sld>
-</file>
-
-<file path=ppt/slides/slide6.xml><?xml version="1.0" encoding="utf-8"?>
-<p:sld xmlns:a="http://schemas.openxmlformats.org/drawingml/2006/main" xmlns:r="http://schemas.openxmlformats.org/officeDocument/2006/relationships" xmlns:mc="http://schemas.openxmlformats.org/markup-compatibility/2006" xmlns:mv="urn:schemas-microsoft-com:mac:vml" xmlns:p="http://schemas.openxmlformats.org/presentationml/2006/main" xmlns:c="http://schemas.openxmlformats.org/drawingml/2006/chart" xmlns:dgm="http://schemas.openxmlformats.org/drawingml/2006/diagram" xmlns:o="urn:schemas-microsoft-com:office:office" xmlns:v="urn:schemas-microsoft-com:vml" xmlns:pvml="urn:schemas-microsoft-com:office:powerpoint" xmlns:com="http://schemas.openxmlformats.org/drawingml/2006/compatibility" xmlns:p14="http://schemas.microsoft.com/office/powerpoint/2010/main" xmlns:p15="http://schemas.microsoft.com/office/powerpoint/2012/main">
-  <p:cSld>
-    <p:spTree>
-      <p:nvGrpSpPr>
-        <p:cNvPr id="164" name="Shape 164"/>
-        <p:cNvGrpSpPr/>
-        <p:nvPr/>
-      </p:nvGrpSpPr>
-      <p:grpSpPr>
-        <a:xfrm>
-          <a:off x="0" y="0"/>
-          <a:ext cx="0" cy="0"/>
-          <a:chOff x="0" y="0"/>
-          <a:chExt cx="0" cy="0"/>
-        </a:xfrm>
-      </p:grpSpPr>
-      <p:sp>
-        <p:nvSpPr>
-          <p:cNvPr id="165" name="Google Shape;165;p18"/>
-          <p:cNvSpPr txBox="1"/>
-          <p:nvPr>
-            <p:ph type="title"/>
-          </p:nvPr>
-        </p:nvSpPr>
-        <p:spPr>
-          <a:xfrm>
-            <a:off x="1297500" y="393750"/>
-            <a:ext cx="7038900" cy="914100"/>
-          </a:xfrm>
-          <a:prstGeom prst="rect">
-            <a:avLst/>
-          </a:prstGeom>
-        </p:spPr>
-        <p:txBody>
-          <a:bodyPr anchorCtr="0" anchor="t" bIns="91425" lIns="91425" spcFirstLastPara="1" rIns="91425" wrap="square" tIns="91425">
-            <a:noAutofit/>
-          </a:bodyPr>
-          <a:lstStyle/>
           <a:p>
-            <a:pPr indent="0" lvl="0" marL="0" rtl="0" algn="l">
-              <a:spcBef>
-                <a:spcPts val="0"/>
+            <a:pPr marL="0" lvl="0" indent="0" algn="l" rtl="0">
+              <a:spcBef>
+                <a:spcPts val="1600"/>
               </a:spcBef>
               <a:spcAft>
                 <a:spcPts val="0"/>
@@ -10177,38 +10071,15 @@
               <a:buNone/>
             </a:pPr>
             <a:r>
-              <a:t/>
+              <a:rPr lang="en" dirty="0"/>
+              <a:t>    Junior Perez – camera implementation</a:t>
             </a:r>
-            <a:endParaRPr/>
+            <a:endParaRPr dirty="0"/>
           </a:p>
-        </p:txBody>
-      </p:sp>
-      <p:sp>
-        <p:nvSpPr>
-          <p:cNvPr id="166" name="Google Shape;166;p18"/>
-          <p:cNvSpPr txBox="1"/>
-          <p:nvPr>
-            <p:ph idx="1" type="body"/>
-          </p:nvPr>
-        </p:nvSpPr>
-        <p:spPr>
-          <a:xfrm>
-            <a:off x="1297500" y="1567550"/>
-            <a:ext cx="7038900" cy="2911200"/>
-          </a:xfrm>
-          <a:prstGeom prst="rect">
-            <a:avLst/>
-          </a:prstGeom>
-        </p:spPr>
-        <p:txBody>
-          <a:bodyPr anchorCtr="0" anchor="t" bIns="91425" lIns="91425" spcFirstLastPara="1" rIns="91425" wrap="square" tIns="91425">
-            <a:noAutofit/>
-          </a:bodyPr>
-          <a:lstStyle/>
           <a:p>
-            <a:pPr indent="0" lvl="0" marL="0" rtl="0" algn="l">
-              <a:spcBef>
-                <a:spcPts val="0"/>
+            <a:pPr marL="0" lvl="0" indent="0" algn="l" rtl="0">
+              <a:spcBef>
+                <a:spcPts val="1600"/>
               </a:spcBef>
               <a:spcAft>
                 <a:spcPts val="0"/>
@@ -10216,105 +10087,50 @@
               <a:buNone/>
             </a:pPr>
             <a:r>
-              <a:rPr lang="en"/>
-              <a:t>  By</a:t>
+              <a:rPr lang="en" dirty="0"/>
+              <a:t>    </a:t>
             </a:r>
-            <a:endParaRPr/>
+            <a:r>
+              <a:rPr lang="en" dirty="0" err="1"/>
+              <a:t>Starlyn</a:t>
+            </a:r>
+            <a:r>
+              <a:rPr lang="en" dirty="0"/>
+              <a:t> Reyes – </a:t>
+            </a:r>
+            <a:r>
+              <a:rPr lang="en-US" dirty="0"/>
+              <a:t>PowerPoint</a:t>
+            </a:r>
+            <a:r>
+              <a:rPr lang="en" dirty="0"/>
+              <a:t> designer and </a:t>
+            </a:r>
+            <a:r>
+              <a:rPr lang="en-US" dirty="0"/>
+              <a:t>GitHub</a:t>
+            </a:r>
+            <a:r>
+              <a:rPr lang="en" dirty="0"/>
+              <a:t> guru </a:t>
+            </a:r>
+            <a:endParaRPr dirty="0"/>
           </a:p>
           <a:p>
-            <a:pPr indent="0" lvl="0" marL="0" rtl="0" algn="l">
+            <a:pPr marL="0" lvl="0" indent="0" algn="l" rtl="0">
               <a:spcBef>
                 <a:spcPts val="1600"/>
               </a:spcBef>
               <a:spcAft>
-                <a:spcPts val="0"/>
+                <a:spcPts val="1600"/>
               </a:spcAft>
               <a:buNone/>
             </a:pPr>
             <a:r>
-              <a:rPr lang="en"/>
-              <a:t>    Luis Manon</a:t>
+              <a:rPr lang="en-US" dirty="0"/>
+              <a:t> </a:t>
             </a:r>
-            <a:endParaRPr/>
-          </a:p>
-          <a:p>
-            <a:pPr indent="0" lvl="0" marL="0" rtl="0" algn="l">
-              <a:spcBef>
-                <a:spcPts val="1600"/>
-              </a:spcBef>
-              <a:spcAft>
-                <a:spcPts val="0"/>
-              </a:spcAft>
-              <a:buNone/>
-            </a:pPr>
-            <a:r>
-              <a:rPr lang="en"/>
-              <a:t>    Ehson Assani</a:t>
-            </a:r>
-            <a:endParaRPr/>
-          </a:p>
-          <a:p>
-            <a:pPr indent="0" lvl="0" marL="0" rtl="0" algn="l">
-              <a:spcBef>
-                <a:spcPts val="1600"/>
-              </a:spcBef>
-              <a:spcAft>
-                <a:spcPts val="0"/>
-              </a:spcAft>
-              <a:buNone/>
-            </a:pPr>
-            <a:r>
-              <a:rPr lang="en"/>
-              <a:t>    Stanley pena</a:t>
-            </a:r>
-            <a:endParaRPr/>
-          </a:p>
-          <a:p>
-            <a:pPr indent="0" lvl="0" marL="0" rtl="0" algn="l">
-              <a:spcBef>
-                <a:spcPts val="1600"/>
-              </a:spcBef>
-              <a:spcAft>
-                <a:spcPts val="0"/>
-              </a:spcAft>
-              <a:buNone/>
-            </a:pPr>
-            <a:r>
-              <a:rPr lang="en"/>
-              <a:t>    Junior perez</a:t>
-            </a:r>
-            <a:endParaRPr/>
-          </a:p>
-          <a:p>
-            <a:pPr indent="0" lvl="0" marL="0" rtl="0" algn="l">
-              <a:spcBef>
-                <a:spcPts val="1600"/>
-              </a:spcBef>
-              <a:spcAft>
-                <a:spcPts val="0"/>
-              </a:spcAft>
-              <a:buNone/>
-            </a:pPr>
-            <a:r>
-              <a:rPr lang="en"/>
-              <a:t>    Starlyn Reyes</a:t>
-            </a:r>
-            <a:endParaRPr/>
-          </a:p>
-          <a:p>
-            <a:pPr indent="0" lvl="0" marL="0" rtl="0" algn="l">
-              <a:spcBef>
-                <a:spcPts val="1600"/>
-              </a:spcBef>
-              <a:spcAft>
-                <a:spcPts val="1600"/>
-              </a:spcAft>
-              <a:buNone/>
-            </a:pPr>
-            <a:r>
-              <a:t/>
-            </a:r>
-            <a:endParaRPr/>
+            <a:endParaRPr dirty="0"/>
           </a:p>
         </p:txBody>
       </p:sp>
@@ -10327,7 +10143,7 @@
 </file>
 
 <file path=ppt/theme/theme1.xml><?xml version="1.0" encoding="utf-8"?>
-<a:theme xmlns:a="http://schemas.openxmlformats.org/drawingml/2006/main" xmlns:r="http://schemas.openxmlformats.org/officeDocument/2006/relationships" name="Focus">
+<a:theme xmlns:a="http://schemas.openxmlformats.org/drawingml/2006/main" name="Focus">
   <a:themeElements>
     <a:clrScheme name="Focus">
       <a:dk1>
@@ -10602,11 +10418,13 @@
       </a:bgFillStyleLst>
     </a:fmtScheme>
   </a:themeElements>
+  <a:objectDefaults/>
+  <a:extraClrSchemeLst/>
 </a:theme>
 </file>
 
 <file path=ppt/theme/theme2.xml><?xml version="1.0" encoding="utf-8"?>
-<a:theme xmlns:a="http://schemas.openxmlformats.org/drawingml/2006/main" xmlns:r="http://schemas.openxmlformats.org/officeDocument/2006/relationships">
+<a:theme xmlns:a="http://schemas.openxmlformats.org/drawingml/2006/main">
   <a:themeElements>
     <a:clrScheme name="Default">
       <a:dk1>
@@ -10881,5 +10699,7 @@
       </a:bgFillStyleLst>
     </a:fmtScheme>
   </a:themeElements>
+  <a:objectDefaults/>
+  <a:extraClrSchemeLst/>
 </a:theme>
 </file>